--- a/Project1.pptx
+++ b/Project1.pptx
@@ -129,9 +129,33 @@
 <file path=ppt/changesInfos/changesInfo1.xml><?xml version="1.0" encoding="utf-8"?>
 <pc:chgInfo xmlns:a="http://schemas.openxmlformats.org/drawingml/2006/main" xmlns:r="http://schemas.openxmlformats.org/officeDocument/2006/relationships" xmlns:ac="http://schemas.microsoft.com/office/drawing/2013/main/command" xmlns:pc="http://schemas.microsoft.com/office/powerpoint/2013/main/command">
   <pc:docChgLst>
+    <pc:chgData name="Paul Friesenhahn" userId="f916021d3ee654ef" providerId="LiveId" clId="{F285AA3B-1A7E-42AB-876B-BBF89975ED5A}"/>
+    <pc:docChg chg="modSld">
+      <pc:chgData name="Paul Friesenhahn" userId="f916021d3ee654ef" providerId="LiveId" clId="{F285AA3B-1A7E-42AB-876B-BBF89975ED5A}" dt="2023-04-20T16:26:05.052" v="2" actId="108"/>
+      <pc:docMkLst>
+        <pc:docMk/>
+      </pc:docMkLst>
+      <pc:sldChg chg="modSp mod">
+        <pc:chgData name="Paul Friesenhahn" userId="f916021d3ee654ef" providerId="LiveId" clId="{F285AA3B-1A7E-42AB-876B-BBF89975ED5A}" dt="2023-04-20T16:26:05.052" v="2" actId="108"/>
+        <pc:sldMkLst>
+          <pc:docMk/>
+          <pc:sldMk cId="2460101852" sldId="262"/>
+        </pc:sldMkLst>
+        <pc:spChg chg="mod">
+          <ac:chgData name="Paul Friesenhahn" userId="f916021d3ee654ef" providerId="LiveId" clId="{F285AA3B-1A7E-42AB-876B-BBF89975ED5A}" dt="2023-04-20T16:26:05.052" v="2" actId="108"/>
+          <ac:spMkLst>
+            <pc:docMk/>
+            <pc:sldMk cId="2460101852" sldId="262"/>
+            <ac:spMk id="2" creationId="{93773CD5-AF86-E0CB-7EBA-01677019186B}"/>
+          </ac:spMkLst>
+        </pc:spChg>
+      </pc:sldChg>
+    </pc:docChg>
+  </pc:docChgLst>
+  <pc:docChgLst>
     <pc:chgData name="Paul Friesenhahn" userId="f916021d3ee654ef" providerId="LiveId" clId="{C3AA7BDC-B3B0-443C-BC3A-4E07882F7006}"/>
     <pc:docChg chg="undo custSel addSld delSld modSld">
-      <pc:chgData name="Paul Friesenhahn" userId="f916021d3ee654ef" providerId="LiveId" clId="{C3AA7BDC-B3B0-443C-BC3A-4E07882F7006}" dt="2023-04-20T01:32:27.782" v="948" actId="20577"/>
+      <pc:chgData name="Paul Friesenhahn" userId="f916021d3ee654ef" providerId="LiveId" clId="{C3AA7BDC-B3B0-443C-BC3A-4E07882F7006}" dt="2023-04-20T02:18:16.299" v="977" actId="1076"/>
       <pc:docMkLst>
         <pc:docMk/>
       </pc:docMkLst>
@@ -151,7 +175,7 @@
         </pc:spChg>
       </pc:sldChg>
       <pc:sldChg chg="addSp delSp modSp mod modNotesTx">
-        <pc:chgData name="Paul Friesenhahn" userId="f916021d3ee654ef" providerId="LiveId" clId="{C3AA7BDC-B3B0-443C-BC3A-4E07882F7006}" dt="2023-04-20T01:30:48.622" v="867" actId="20577"/>
+        <pc:chgData name="Paul Friesenhahn" userId="f916021d3ee654ef" providerId="LiveId" clId="{C3AA7BDC-B3B0-443C-BC3A-4E07882F7006}" dt="2023-04-20T02:03:34.779" v="952" actId="1076"/>
         <pc:sldMkLst>
           <pc:docMk/>
           <pc:sldMk cId="293311484" sldId="257"/>
@@ -181,7 +205,7 @@
           </ac:picMkLst>
         </pc:picChg>
         <pc:picChg chg="add mod">
-          <ac:chgData name="Paul Friesenhahn" userId="f916021d3ee654ef" providerId="LiveId" clId="{C3AA7BDC-B3B0-443C-BC3A-4E07882F7006}" dt="2023-04-20T01:28:25.201" v="851" actId="12789"/>
+          <ac:chgData name="Paul Friesenhahn" userId="f916021d3ee654ef" providerId="LiveId" clId="{C3AA7BDC-B3B0-443C-BC3A-4E07882F7006}" dt="2023-04-20T02:03:34.779" v="952" actId="1076"/>
           <ac:picMkLst>
             <pc:docMk/>
             <pc:sldMk cId="293311484" sldId="257"/>
@@ -189,7 +213,7 @@
           </ac:picMkLst>
         </pc:picChg>
         <pc:picChg chg="add mod">
-          <ac:chgData name="Paul Friesenhahn" userId="f916021d3ee654ef" providerId="LiveId" clId="{C3AA7BDC-B3B0-443C-BC3A-4E07882F7006}" dt="2023-04-20T01:28:30.472" v="852" actId="208"/>
+          <ac:chgData name="Paul Friesenhahn" userId="f916021d3ee654ef" providerId="LiveId" clId="{C3AA7BDC-B3B0-443C-BC3A-4E07882F7006}" dt="2023-04-20T02:03:34.779" v="952" actId="1076"/>
           <ac:picMkLst>
             <pc:docMk/>
             <pc:sldMk cId="293311484" sldId="257"/>
@@ -220,12 +244,28 @@
           </ac:spMkLst>
         </pc:spChg>
       </pc:sldChg>
-      <pc:sldChg chg="modNotesTx">
-        <pc:chgData name="Paul Friesenhahn" userId="f916021d3ee654ef" providerId="LiveId" clId="{C3AA7BDC-B3B0-443C-BC3A-4E07882F7006}" dt="2023-04-20T01:30:52.333" v="872" actId="20577"/>
+      <pc:sldChg chg="modSp mod modNotesTx">
+        <pc:chgData name="Paul Friesenhahn" userId="f916021d3ee654ef" providerId="LiveId" clId="{C3AA7BDC-B3B0-443C-BC3A-4E07882F7006}" dt="2023-04-20T02:02:15.146" v="949" actId="12789"/>
         <pc:sldMkLst>
           <pc:docMk/>
           <pc:sldMk cId="802963218" sldId="261"/>
         </pc:sldMkLst>
+        <pc:picChg chg="mod">
+          <ac:chgData name="Paul Friesenhahn" userId="f916021d3ee654ef" providerId="LiveId" clId="{C3AA7BDC-B3B0-443C-BC3A-4E07882F7006}" dt="2023-04-20T02:02:15.146" v="949" actId="12789"/>
+          <ac:picMkLst>
+            <pc:docMk/>
+            <pc:sldMk cId="802963218" sldId="261"/>
+            <ac:picMk id="3" creationId="{BF890EBA-8599-247B-2B6B-9C2ED26BACFD}"/>
+          </ac:picMkLst>
+        </pc:picChg>
+        <pc:picChg chg="mod">
+          <ac:chgData name="Paul Friesenhahn" userId="f916021d3ee654ef" providerId="LiveId" clId="{C3AA7BDC-B3B0-443C-BC3A-4E07882F7006}" dt="2023-04-20T02:02:15.146" v="949" actId="12789"/>
+          <ac:picMkLst>
+            <pc:docMk/>
+            <pc:sldMk cId="802963218" sldId="261"/>
+            <ac:picMk id="5" creationId="{5E8A9BB7-84DE-3D49-7D41-8B7B3B41E920}"/>
+          </ac:picMkLst>
+        </pc:picChg>
       </pc:sldChg>
       <pc:sldChg chg="modSp mod modNotesTx">
         <pc:chgData name="Paul Friesenhahn" userId="f916021d3ee654ef" providerId="LiveId" clId="{C3AA7BDC-B3B0-443C-BC3A-4E07882F7006}" dt="2023-04-20T01:31:19.381" v="896" actId="20577"/>
@@ -312,7 +352,7 @@
         </pc:spChg>
       </pc:sldChg>
       <pc:sldChg chg="addSp delSp modSp new mod modNotesTx">
-        <pc:chgData name="Paul Friesenhahn" userId="f916021d3ee654ef" providerId="LiveId" clId="{C3AA7BDC-B3B0-443C-BC3A-4E07882F7006}" dt="2023-04-20T01:32:20.068" v="928" actId="20577"/>
+        <pc:chgData name="Paul Friesenhahn" userId="f916021d3ee654ef" providerId="LiveId" clId="{C3AA7BDC-B3B0-443C-BC3A-4E07882F7006}" dt="2023-04-20T02:17:42.912" v="974" actId="1076"/>
         <pc:sldMkLst>
           <pc:docMk/>
           <pc:sldMk cId="2889675901" sldId="267"/>
@@ -333,12 +373,28 @@
             <ac:spMk id="3" creationId="{89150FE1-6B27-A317-C879-AFB5B453FF92}"/>
           </ac:spMkLst>
         </pc:spChg>
-        <pc:picChg chg="add mod ord">
-          <ac:chgData name="Paul Friesenhahn" userId="f916021d3ee654ef" providerId="LiveId" clId="{C3AA7BDC-B3B0-443C-BC3A-4E07882F7006}" dt="2023-04-20T00:48:55.893" v="231" actId="1076"/>
+        <pc:spChg chg="add del mod">
+          <ac:chgData name="Paul Friesenhahn" userId="f916021d3ee654ef" providerId="LiveId" clId="{C3AA7BDC-B3B0-443C-BC3A-4E07882F7006}" dt="2023-04-20T02:17:00.974" v="971" actId="478"/>
+          <ac:spMkLst>
+            <pc:docMk/>
+            <pc:sldMk cId="2889675901" sldId="267"/>
+            <ac:spMk id="4" creationId="{40216F28-BAC9-B6E5-2927-9D248769969F}"/>
+          </ac:spMkLst>
+        </pc:spChg>
+        <pc:picChg chg="add del mod ord">
+          <ac:chgData name="Paul Friesenhahn" userId="f916021d3ee654ef" providerId="LiveId" clId="{C3AA7BDC-B3B0-443C-BC3A-4E07882F7006}" dt="2023-04-20T02:16:52.742" v="967" actId="478"/>
           <ac:picMkLst>
             <pc:docMk/>
             <pc:sldMk cId="2889675901" sldId="267"/>
             <ac:picMk id="5" creationId="{88DA8B45-F1DA-9497-7529-0561FC9D5522}"/>
+          </ac:picMkLst>
+        </pc:picChg>
+        <pc:picChg chg="add mod">
+          <ac:chgData name="Paul Friesenhahn" userId="f916021d3ee654ef" providerId="LiveId" clId="{C3AA7BDC-B3B0-443C-BC3A-4E07882F7006}" dt="2023-04-20T02:16:58.841" v="970" actId="1076"/>
+          <ac:picMkLst>
+            <pc:docMk/>
+            <pc:sldMk cId="2889675901" sldId="267"/>
+            <ac:picMk id="7" creationId="{AA19A88C-CC8C-C90F-F680-0777B83DD35C}"/>
           </ac:picMkLst>
         </pc:picChg>
         <pc:picChg chg="add del mod">
@@ -349,12 +405,20 @@
             <ac:picMk id="7" creationId="{D7865F3A-33C9-B98B-85FD-9C00F9392658}"/>
           </ac:picMkLst>
         </pc:picChg>
-        <pc:picChg chg="add mod">
-          <ac:chgData name="Paul Friesenhahn" userId="f916021d3ee654ef" providerId="LiveId" clId="{C3AA7BDC-B3B0-443C-BC3A-4E07882F7006}" dt="2023-04-20T00:49:11.990" v="236" actId="1076"/>
+        <pc:picChg chg="add del mod">
+          <ac:chgData name="Paul Friesenhahn" userId="f916021d3ee654ef" providerId="LiveId" clId="{C3AA7BDC-B3B0-443C-BC3A-4E07882F7006}" dt="2023-04-20T02:17:01.739" v="972" actId="478"/>
           <ac:picMkLst>
             <pc:docMk/>
             <pc:sldMk cId="2889675901" sldId="267"/>
             <ac:picMk id="9" creationId="{6047CE59-E980-8BB8-4A54-EB26124AA358}"/>
+          </ac:picMkLst>
+        </pc:picChg>
+        <pc:picChg chg="add mod">
+          <ac:chgData name="Paul Friesenhahn" userId="f916021d3ee654ef" providerId="LiveId" clId="{C3AA7BDC-B3B0-443C-BC3A-4E07882F7006}" dt="2023-04-20T02:17:42.912" v="974" actId="1076"/>
+          <ac:picMkLst>
+            <pc:docMk/>
+            <pc:sldMk cId="2889675901" sldId="267"/>
+            <ac:picMk id="10" creationId="{BFF21837-771C-0C0B-6689-6C0342C3FABA}"/>
           </ac:picMkLst>
         </pc:picChg>
       </pc:sldChg>
@@ -398,7 +462,7 @@
         </pc:picChg>
       </pc:sldChg>
       <pc:sldChg chg="addSp delSp modSp new mod modNotesTx">
-        <pc:chgData name="Paul Friesenhahn" userId="f916021d3ee654ef" providerId="LiveId" clId="{C3AA7BDC-B3B0-443C-BC3A-4E07882F7006}" dt="2023-04-20T01:32:16.939" v="921" actId="20577"/>
+        <pc:chgData name="Paul Friesenhahn" userId="f916021d3ee654ef" providerId="LiveId" clId="{C3AA7BDC-B3B0-443C-BC3A-4E07882F7006}" dt="2023-04-20T02:18:16.299" v="977" actId="1076"/>
         <pc:sldMkLst>
           <pc:docMk/>
           <pc:sldMk cId="2038085436" sldId="269"/>
@@ -419,20 +483,52 @@
             <ac:spMk id="3" creationId="{2CEACC43-866E-EA62-A208-1FBFCDD32388}"/>
           </ac:spMkLst>
         </pc:spChg>
-        <pc:picChg chg="add mod ord">
-          <ac:chgData name="Paul Friesenhahn" userId="f916021d3ee654ef" providerId="LiveId" clId="{C3AA7BDC-B3B0-443C-BC3A-4E07882F7006}" dt="2023-04-20T01:16:01.509" v="487" actId="1076"/>
+        <pc:spChg chg="add del mod">
+          <ac:chgData name="Paul Friesenhahn" userId="f916021d3ee654ef" providerId="LiveId" clId="{C3AA7BDC-B3B0-443C-BC3A-4E07882F7006}" dt="2023-04-20T02:14:49.280" v="965" actId="478"/>
+          <ac:spMkLst>
+            <pc:docMk/>
+            <pc:sldMk cId="2038085436" sldId="269"/>
+            <ac:spMk id="8" creationId="{F8EDBD10-2BE7-676B-76D6-36E4F4B3E01F}"/>
+          </ac:spMkLst>
+        </pc:spChg>
+        <pc:picChg chg="add del mod">
+          <ac:chgData name="Paul Friesenhahn" userId="f916021d3ee654ef" providerId="LiveId" clId="{C3AA7BDC-B3B0-443C-BC3A-4E07882F7006}" dt="2023-04-20T02:18:14.099" v="975" actId="478"/>
+          <ac:picMkLst>
+            <pc:docMk/>
+            <pc:sldMk cId="2038085436" sldId="269"/>
+            <ac:picMk id="4" creationId="{B8497EC8-050F-CF8F-7C91-C049445C8328}"/>
+          </ac:picMkLst>
+        </pc:picChg>
+        <pc:picChg chg="add del mod ord">
+          <ac:chgData name="Paul Friesenhahn" userId="f916021d3ee654ef" providerId="LiveId" clId="{C3AA7BDC-B3B0-443C-BC3A-4E07882F7006}" dt="2023-04-20T02:14:46.582" v="963" actId="478"/>
           <ac:picMkLst>
             <pc:docMk/>
             <pc:sldMk cId="2038085436" sldId="269"/>
             <ac:picMk id="5" creationId="{26A23406-F2E5-F51F-0E81-674CA1DFC964}"/>
           </ac:picMkLst>
         </pc:picChg>
-        <pc:picChg chg="add mod">
-          <ac:chgData name="Paul Friesenhahn" userId="f916021d3ee654ef" providerId="LiveId" clId="{C3AA7BDC-B3B0-443C-BC3A-4E07882F7006}" dt="2023-04-20T01:16:10.512" v="489" actId="1076"/>
+        <pc:picChg chg="add del mod">
+          <ac:chgData name="Paul Friesenhahn" userId="f916021d3ee654ef" providerId="LiveId" clId="{C3AA7BDC-B3B0-443C-BC3A-4E07882F7006}" dt="2023-04-20T02:14:39.987" v="960" actId="478"/>
           <ac:picMkLst>
             <pc:docMk/>
             <pc:sldMk cId="2038085436" sldId="269"/>
             <ac:picMk id="7" creationId="{46CA9EB2-8CED-5C0A-B065-04B05C3A3CBB}"/>
+          </ac:picMkLst>
+        </pc:picChg>
+        <pc:picChg chg="add mod">
+          <ac:chgData name="Paul Friesenhahn" userId="f916021d3ee654ef" providerId="LiveId" clId="{C3AA7BDC-B3B0-443C-BC3A-4E07882F7006}" dt="2023-04-20T02:14:52.479" v="966" actId="1076"/>
+          <ac:picMkLst>
+            <pc:docMk/>
+            <pc:sldMk cId="2038085436" sldId="269"/>
+            <ac:picMk id="10" creationId="{FB48C75B-F609-62B4-761D-4D58E6EB74CA}"/>
+          </ac:picMkLst>
+        </pc:picChg>
+        <pc:picChg chg="add mod">
+          <ac:chgData name="Paul Friesenhahn" userId="f916021d3ee654ef" providerId="LiveId" clId="{C3AA7BDC-B3B0-443C-BC3A-4E07882F7006}" dt="2023-04-20T02:18:16.299" v="977" actId="1076"/>
+          <ac:picMkLst>
+            <pc:docMk/>
+            <pc:sldMk cId="2038085436" sldId="269"/>
+            <ac:picMk id="12" creationId="{2AF3FA2A-8644-FFAB-3DE8-E71AD658F1C6}"/>
           </ac:picMkLst>
         </pc:picChg>
       </pc:sldChg>
@@ -475,7 +571,7 @@
         </pc:spChg>
       </pc:sldChg>
       <pc:sldChg chg="addSp delSp modSp new mod modNotesTx">
-        <pc:chgData name="Paul Friesenhahn" userId="f916021d3ee654ef" providerId="LiveId" clId="{C3AA7BDC-B3B0-443C-BC3A-4E07882F7006}" dt="2023-04-20T01:32:22.923" v="935" actId="20577"/>
+        <pc:chgData name="Paul Friesenhahn" userId="f916021d3ee654ef" providerId="LiveId" clId="{C3AA7BDC-B3B0-443C-BC3A-4E07882F7006}" dt="2023-04-20T02:14:16.207" v="959" actId="1076"/>
         <pc:sldMkLst>
           <pc:docMk/>
           <pc:sldMk cId="1990135704" sldId="272"/>
@@ -496,20 +592,1745 @@
             <ac:spMk id="3" creationId="{1F1D4326-FF4F-38F0-A87B-BEC08CF3A446}"/>
           </ac:spMkLst>
         </pc:spChg>
-        <pc:picChg chg="add mod ord">
-          <ac:chgData name="Paul Friesenhahn" userId="f916021d3ee654ef" providerId="LiveId" clId="{C3AA7BDC-B3B0-443C-BC3A-4E07882F7006}" dt="2023-04-20T01:21:40.970" v="546" actId="1076"/>
+        <pc:spChg chg="add del mod">
+          <ac:chgData name="Paul Friesenhahn" userId="f916021d3ee654ef" providerId="LiveId" clId="{C3AA7BDC-B3B0-443C-BC3A-4E07882F7006}" dt="2023-04-20T02:14:12.492" v="956" actId="478"/>
+          <ac:spMkLst>
+            <pc:docMk/>
+            <pc:sldMk cId="1990135704" sldId="272"/>
+            <ac:spMk id="4" creationId="{535608C9-0AE7-B5FD-A91A-E644930CA5D3}"/>
+          </ac:spMkLst>
+        </pc:spChg>
+        <pc:picChg chg="add del mod ord">
+          <ac:chgData name="Paul Friesenhahn" userId="f916021d3ee654ef" providerId="LiveId" clId="{C3AA7BDC-B3B0-443C-BC3A-4E07882F7006}" dt="2023-04-20T02:14:00.606" v="953" actId="478"/>
           <ac:picMkLst>
             <pc:docMk/>
             <pc:sldMk cId="1990135704" sldId="272"/>
             <ac:picMk id="5" creationId="{C210476A-F72A-3409-BA32-306D590E89AE}"/>
           </ac:picMkLst>
         </pc:picChg>
-        <pc:picChg chg="add mod">
-          <ac:chgData name="Paul Friesenhahn" userId="f916021d3ee654ef" providerId="LiveId" clId="{C3AA7BDC-B3B0-443C-BC3A-4E07882F7006}" dt="2023-04-20T01:21:46.882" v="548" actId="1076"/>
+        <pc:picChg chg="add del mod">
+          <ac:chgData name="Paul Friesenhahn" userId="f916021d3ee654ef" providerId="LiveId" clId="{C3AA7BDC-B3B0-443C-BC3A-4E07882F7006}" dt="2023-04-20T02:14:13.212" v="957" actId="478"/>
           <ac:picMkLst>
             <pc:docMk/>
             <pc:sldMk cId="1990135704" sldId="272"/>
             <ac:picMk id="7" creationId="{B66B376E-6A5D-B671-7B61-A8EC1F57FA4F}"/>
+          </ac:picMkLst>
+        </pc:picChg>
+        <pc:picChg chg="add mod">
+          <ac:chgData name="Paul Friesenhahn" userId="f916021d3ee654ef" providerId="LiveId" clId="{C3AA7BDC-B3B0-443C-BC3A-4E07882F7006}" dt="2023-04-20T02:14:04.975" v="955" actId="1076"/>
+          <ac:picMkLst>
+            <pc:docMk/>
+            <pc:sldMk cId="1990135704" sldId="272"/>
+            <ac:picMk id="8" creationId="{319B96E3-A1BE-102B-8D3A-7F87E251E0AB}"/>
+          </ac:picMkLst>
+        </pc:picChg>
+        <pc:picChg chg="add mod">
+          <ac:chgData name="Paul Friesenhahn" userId="f916021d3ee654ef" providerId="LiveId" clId="{C3AA7BDC-B3B0-443C-BC3A-4E07882F7006}" dt="2023-04-20T02:14:16.207" v="959" actId="1076"/>
+          <ac:picMkLst>
+            <pc:docMk/>
+            <pc:sldMk cId="1990135704" sldId="272"/>
+            <ac:picMk id="10" creationId="{29249E8B-8E35-E36B-FCE4-EA2BED2537FD}"/>
+          </ac:picMkLst>
+        </pc:picChg>
+      </pc:sldChg>
+    </pc:docChg>
+  </pc:docChgLst>
+  <pc:docChgLst>
+    <pc:chgData name="Paul Friesenhahn" userId="f916021d3ee654ef" providerId="LiveId" clId="{A054F8ED-44B0-47B0-A9F5-3B26E21A02C2}"/>
+    <pc:docChg chg="undo redo custSel modSld">
+      <pc:chgData name="Paul Friesenhahn" userId="f916021d3ee654ef" providerId="LiveId" clId="{A054F8ED-44B0-47B0-A9F5-3B26E21A02C2}" dt="2023-04-20T20:25:32.475" v="808" actId="1076"/>
+      <pc:docMkLst>
+        <pc:docMk/>
+      </pc:docMkLst>
+      <pc:sldChg chg="addSp delSp modSp mod setBg">
+        <pc:chgData name="Paul Friesenhahn" userId="f916021d3ee654ef" providerId="LiveId" clId="{A054F8ED-44B0-47B0-A9F5-3B26E21A02C2}" dt="2023-04-20T20:24:00.198" v="753" actId="1037"/>
+        <pc:sldMkLst>
+          <pc:docMk/>
+          <pc:sldMk cId="293311484" sldId="257"/>
+        </pc:sldMkLst>
+        <pc:spChg chg="mod">
+          <ac:chgData name="Paul Friesenhahn" userId="f916021d3ee654ef" providerId="LiveId" clId="{A054F8ED-44B0-47B0-A9F5-3B26E21A02C2}" dt="2023-04-20T20:12:56.249" v="653" actId="255"/>
+          <ac:spMkLst>
+            <pc:docMk/>
+            <pc:sldMk cId="293311484" sldId="257"/>
+            <ac:spMk id="2" creationId="{B447AACF-6FA3-F6F3-B48E-635AACB069A4}"/>
+          </ac:spMkLst>
+        </pc:spChg>
+        <pc:spChg chg="mod">
+          <ac:chgData name="Paul Friesenhahn" userId="f916021d3ee654ef" providerId="LiveId" clId="{A054F8ED-44B0-47B0-A9F5-3B26E21A02C2}" dt="2023-04-20T17:28:18.288" v="157" actId="207"/>
+          <ac:spMkLst>
+            <pc:docMk/>
+            <pc:sldMk cId="293311484" sldId="257"/>
+            <ac:spMk id="4" creationId="{601D66BD-8ED8-CCF9-0DEE-6CBA22E83129}"/>
+          </ac:spMkLst>
+        </pc:spChg>
+        <pc:spChg chg="mod">
+          <ac:chgData name="Paul Friesenhahn" userId="f916021d3ee654ef" providerId="LiveId" clId="{A054F8ED-44B0-47B0-A9F5-3B26E21A02C2}" dt="2023-04-20T20:13:43.346" v="657"/>
+          <ac:spMkLst>
+            <pc:docMk/>
+            <pc:sldMk cId="293311484" sldId="257"/>
+            <ac:spMk id="4" creationId="{A6D3941C-5458-6BFA-ADCD-19419E8C7495}"/>
+          </ac:spMkLst>
+        </pc:spChg>
+        <pc:spChg chg="mod">
+          <ac:chgData name="Paul Friesenhahn" userId="f916021d3ee654ef" providerId="LiveId" clId="{A054F8ED-44B0-47B0-A9F5-3B26E21A02C2}" dt="2023-04-20T17:28:18.288" v="157" actId="207"/>
+          <ac:spMkLst>
+            <pc:docMk/>
+            <pc:sldMk cId="293311484" sldId="257"/>
+            <ac:spMk id="5" creationId="{1A58FCF6-A67F-5943-2F57-7C07C6966DF8}"/>
+          </ac:spMkLst>
+        </pc:spChg>
+        <pc:spChg chg="mod">
+          <ac:chgData name="Paul Friesenhahn" userId="f916021d3ee654ef" providerId="LiveId" clId="{A054F8ED-44B0-47B0-A9F5-3B26E21A02C2}" dt="2023-04-20T20:13:43.346" v="657"/>
+          <ac:spMkLst>
+            <pc:docMk/>
+            <pc:sldMk cId="293311484" sldId="257"/>
+            <ac:spMk id="5" creationId="{37E09DFC-87AD-3334-DEA0-3590F26A1E84}"/>
+          </ac:spMkLst>
+        </pc:spChg>
+        <pc:spChg chg="mod">
+          <ac:chgData name="Paul Friesenhahn" userId="f916021d3ee654ef" providerId="LiveId" clId="{A054F8ED-44B0-47B0-A9F5-3B26E21A02C2}" dt="2023-04-20T19:39:02.115" v="531"/>
+          <ac:spMkLst>
+            <pc:docMk/>
+            <pc:sldMk cId="293311484" sldId="257"/>
+            <ac:spMk id="9" creationId="{27C527F6-27EC-268C-B293-52F16BC19F8C}"/>
+          </ac:spMkLst>
+        </pc:spChg>
+        <pc:spChg chg="mod">
+          <ac:chgData name="Paul Friesenhahn" userId="f916021d3ee654ef" providerId="LiveId" clId="{A054F8ED-44B0-47B0-A9F5-3B26E21A02C2}" dt="2023-04-20T20:21:59.695" v="729"/>
+          <ac:spMkLst>
+            <pc:docMk/>
+            <pc:sldMk cId="293311484" sldId="257"/>
+            <ac:spMk id="9" creationId="{A9E91909-FB07-9B3A-FA1C-74EA13C2A8EE}"/>
+          </ac:spMkLst>
+        </pc:spChg>
+        <pc:spChg chg="mod">
+          <ac:chgData name="Paul Friesenhahn" userId="f916021d3ee654ef" providerId="LiveId" clId="{A054F8ED-44B0-47B0-A9F5-3B26E21A02C2}" dt="2023-04-20T20:21:59.695" v="729"/>
+          <ac:spMkLst>
+            <pc:docMk/>
+            <pc:sldMk cId="293311484" sldId="257"/>
+            <ac:spMk id="11" creationId="{131B5038-8CF6-3B69-18AB-EB0ECB986631}"/>
+          </ac:spMkLst>
+        </pc:spChg>
+        <pc:spChg chg="mod">
+          <ac:chgData name="Paul Friesenhahn" userId="f916021d3ee654ef" providerId="LiveId" clId="{A054F8ED-44B0-47B0-A9F5-3B26E21A02C2}" dt="2023-04-20T19:39:02.115" v="531"/>
+          <ac:spMkLst>
+            <pc:docMk/>
+            <pc:sldMk cId="293311484" sldId="257"/>
+            <ac:spMk id="11" creationId="{FD296DEB-F819-18A0-57FA-3639671F5737}"/>
+          </ac:spMkLst>
+        </pc:spChg>
+        <pc:grpChg chg="add del mod">
+          <ac:chgData name="Paul Friesenhahn" userId="f916021d3ee654ef" providerId="LiveId" clId="{A054F8ED-44B0-47B0-A9F5-3B26E21A02C2}" dt="2023-04-20T20:22:02.906" v="730" actId="478"/>
+          <ac:grpSpMkLst>
+            <pc:docMk/>
+            <pc:sldMk cId="293311484" sldId="257"/>
+            <ac:grpSpMk id="3" creationId="{8A5A5793-BF85-A863-5767-70FB56251821}"/>
+          </ac:grpSpMkLst>
+        </pc:grpChg>
+        <pc:grpChg chg="add del mod">
+          <ac:chgData name="Paul Friesenhahn" userId="f916021d3ee654ef" providerId="LiveId" clId="{A054F8ED-44B0-47B0-A9F5-3B26E21A02C2}" dt="2023-04-20T17:28:30.498" v="158" actId="478"/>
+          <ac:grpSpMkLst>
+            <pc:docMk/>
+            <pc:sldMk cId="293311484" sldId="257"/>
+            <ac:grpSpMk id="3" creationId="{EEEAC9C0-53A0-708C-2095-57CB836AFAF8}"/>
+          </ac:grpSpMkLst>
+        </pc:grpChg>
+        <pc:grpChg chg="add mod">
+          <ac:chgData name="Paul Friesenhahn" userId="f916021d3ee654ef" providerId="LiveId" clId="{A054F8ED-44B0-47B0-A9F5-3B26E21A02C2}" dt="2023-04-20T19:36:42.680" v="501" actId="12788"/>
+          <ac:grpSpMkLst>
+            <pc:docMk/>
+            <pc:sldMk cId="293311484" sldId="257"/>
+            <ac:grpSpMk id="6" creationId="{E5A4E86C-2A9E-CAE5-09E6-478DD8E47FEB}"/>
+          </ac:grpSpMkLst>
+        </pc:grpChg>
+        <pc:grpChg chg="add del mod">
+          <ac:chgData name="Paul Friesenhahn" userId="f916021d3ee654ef" providerId="LiveId" clId="{A054F8ED-44B0-47B0-A9F5-3B26E21A02C2}" dt="2023-04-20T19:39:33.360" v="533" actId="478"/>
+          <ac:grpSpMkLst>
+            <pc:docMk/>
+            <pc:sldMk cId="293311484" sldId="257"/>
+            <ac:grpSpMk id="7" creationId="{92C248AA-B9EF-EFF0-3736-74BFFC22CEC6}"/>
+          </ac:grpSpMkLst>
+        </pc:grpChg>
+        <pc:grpChg chg="add mod">
+          <ac:chgData name="Paul Friesenhahn" userId="f916021d3ee654ef" providerId="LiveId" clId="{A054F8ED-44B0-47B0-A9F5-3B26E21A02C2}" dt="2023-04-20T20:24:00.198" v="753" actId="1037"/>
+          <ac:grpSpMkLst>
+            <pc:docMk/>
+            <pc:sldMk cId="293311484" sldId="257"/>
+            <ac:grpSpMk id="7" creationId="{DFF1BFDB-22FC-F816-F104-F3D5D45A46FF}"/>
+          </ac:grpSpMkLst>
+        </pc:grpChg>
+        <pc:picChg chg="mod">
+          <ac:chgData name="Paul Friesenhahn" userId="f916021d3ee654ef" providerId="LiveId" clId="{A054F8ED-44B0-47B0-A9F5-3B26E21A02C2}" dt="2023-04-20T19:36:40.177" v="500" actId="164"/>
+          <ac:picMkLst>
+            <pc:docMk/>
+            <pc:sldMk cId="293311484" sldId="257"/>
+            <ac:picMk id="8" creationId="{233BB23B-6AD0-3632-313C-4BD6A1B334AF}"/>
+          </ac:picMkLst>
+        </pc:picChg>
+        <pc:picChg chg="mod">
+          <ac:chgData name="Paul Friesenhahn" userId="f916021d3ee654ef" providerId="LiveId" clId="{A054F8ED-44B0-47B0-A9F5-3B26E21A02C2}" dt="2023-04-20T19:36:40.177" v="500" actId="164"/>
+          <ac:picMkLst>
+            <pc:docMk/>
+            <pc:sldMk cId="293311484" sldId="257"/>
+            <ac:picMk id="10" creationId="{3B17BCF0-A645-0ECF-A3F2-A8F7A36F539C}"/>
+          </ac:picMkLst>
+        </pc:picChg>
+      </pc:sldChg>
+      <pc:sldChg chg="addSp delSp modSp mod setBg">
+        <pc:chgData name="Paul Friesenhahn" userId="f916021d3ee654ef" providerId="LiveId" clId="{A054F8ED-44B0-47B0-A9F5-3B26E21A02C2}" dt="2023-04-20T20:24:22.757" v="773" actId="1037"/>
+        <pc:sldMkLst>
+          <pc:docMk/>
+          <pc:sldMk cId="2797632102" sldId="259"/>
+        </pc:sldMkLst>
+        <pc:spChg chg="mod">
+          <ac:chgData name="Paul Friesenhahn" userId="f916021d3ee654ef" providerId="LiveId" clId="{A054F8ED-44B0-47B0-A9F5-3B26E21A02C2}" dt="2023-04-20T20:15:08.808" v="665" actId="113"/>
+          <ac:spMkLst>
+            <pc:docMk/>
+            <pc:sldMk cId="2797632102" sldId="259"/>
+            <ac:spMk id="2" creationId="{2DFFCE41-EB36-0736-6DEC-FF292D5D4665}"/>
+          </ac:spMkLst>
+        </pc:spChg>
+        <pc:spChg chg="mod">
+          <ac:chgData name="Paul Friesenhahn" userId="f916021d3ee654ef" providerId="LiveId" clId="{A054F8ED-44B0-47B0-A9F5-3B26E21A02C2}" dt="2023-04-20T19:33:10.262" v="308" actId="20577"/>
+          <ac:spMkLst>
+            <pc:docMk/>
+            <pc:sldMk cId="2797632102" sldId="259"/>
+            <ac:spMk id="5" creationId="{326797C7-5AE7-F4DF-881D-F259CFD9535B}"/>
+          </ac:spMkLst>
+        </pc:spChg>
+        <pc:spChg chg="mod">
+          <ac:chgData name="Paul Friesenhahn" userId="f916021d3ee654ef" providerId="LiveId" clId="{A054F8ED-44B0-47B0-A9F5-3B26E21A02C2}" dt="2023-04-20T20:15:15.797" v="666"/>
+          <ac:spMkLst>
+            <pc:docMk/>
+            <pc:sldMk cId="2797632102" sldId="259"/>
+            <ac:spMk id="6" creationId="{7AC10D97-6B08-C3C1-2115-0B535D611E61}"/>
+          </ac:spMkLst>
+        </pc:spChg>
+        <pc:spChg chg="mod">
+          <ac:chgData name="Paul Friesenhahn" userId="f916021d3ee654ef" providerId="LiveId" clId="{A054F8ED-44B0-47B0-A9F5-3B26E21A02C2}" dt="2023-04-20T17:24:21.890" v="142"/>
+          <ac:spMkLst>
+            <pc:docMk/>
+            <pc:sldMk cId="2797632102" sldId="259"/>
+            <ac:spMk id="6" creationId="{CD504F4D-F5D6-F859-C7D4-B53C0F0AFAB2}"/>
+          </ac:spMkLst>
+        </pc:spChg>
+        <pc:spChg chg="mod">
+          <ac:chgData name="Paul Friesenhahn" userId="f916021d3ee654ef" providerId="LiveId" clId="{A054F8ED-44B0-47B0-A9F5-3B26E21A02C2}" dt="2023-04-20T17:24:21.890" v="142"/>
+          <ac:spMkLst>
+            <pc:docMk/>
+            <pc:sldMk cId="2797632102" sldId="259"/>
+            <ac:spMk id="7" creationId="{0D8508B1-DD54-A3B5-A61F-0BDDF8724115}"/>
+          </ac:spMkLst>
+        </pc:spChg>
+        <pc:spChg chg="mod">
+          <ac:chgData name="Paul Friesenhahn" userId="f916021d3ee654ef" providerId="LiveId" clId="{A054F8ED-44B0-47B0-A9F5-3B26E21A02C2}" dt="2023-04-20T20:15:15.797" v="666"/>
+          <ac:spMkLst>
+            <pc:docMk/>
+            <pc:sldMk cId="2797632102" sldId="259"/>
+            <ac:spMk id="7" creationId="{D14E1B8E-1A22-C8AA-8ACD-859D16D6313A}"/>
+          </ac:spMkLst>
+        </pc:spChg>
+        <pc:spChg chg="mod">
+          <ac:chgData name="Paul Friesenhahn" userId="f916021d3ee654ef" providerId="LiveId" clId="{A054F8ED-44B0-47B0-A9F5-3B26E21A02C2}" dt="2023-04-20T20:22:13.476" v="736"/>
+          <ac:spMkLst>
+            <pc:docMk/>
+            <pc:sldMk cId="2797632102" sldId="259"/>
+            <ac:spMk id="9" creationId="{94753537-AD74-10BF-CEF8-1EE041DC42D5}"/>
+          </ac:spMkLst>
+        </pc:spChg>
+        <pc:spChg chg="mod">
+          <ac:chgData name="Paul Friesenhahn" userId="f916021d3ee654ef" providerId="LiveId" clId="{A054F8ED-44B0-47B0-A9F5-3B26E21A02C2}" dt="2023-04-20T20:22:13.476" v="736"/>
+          <ac:spMkLst>
+            <pc:docMk/>
+            <pc:sldMk cId="2797632102" sldId="259"/>
+            <ac:spMk id="10" creationId="{ED8F57CD-2692-3BBA-4BD5-FD3581D0E82E}"/>
+          </ac:spMkLst>
+        </pc:spChg>
+        <pc:grpChg chg="add del mod">
+          <ac:chgData name="Paul Friesenhahn" userId="f916021d3ee654ef" providerId="LiveId" clId="{A054F8ED-44B0-47B0-A9F5-3B26E21A02C2}" dt="2023-04-20T20:22:13.257" v="735" actId="478"/>
+          <ac:grpSpMkLst>
+            <pc:docMk/>
+            <pc:sldMk cId="2797632102" sldId="259"/>
+            <ac:grpSpMk id="3" creationId="{47B99F93-1004-EAB4-3DBB-3AF6203E4E45}"/>
+          </ac:grpSpMkLst>
+        </pc:grpChg>
+        <pc:grpChg chg="add del mod">
+          <ac:chgData name="Paul Friesenhahn" userId="f916021d3ee654ef" providerId="LiveId" clId="{A054F8ED-44B0-47B0-A9F5-3B26E21A02C2}" dt="2023-04-20T17:28:45.730" v="161" actId="478"/>
+          <ac:grpSpMkLst>
+            <pc:docMk/>
+            <pc:sldMk cId="2797632102" sldId="259"/>
+            <ac:grpSpMk id="3" creationId="{BDA11263-8627-5471-ADB5-5BA6B81053D7}"/>
+          </ac:grpSpMkLst>
+        </pc:grpChg>
+        <pc:grpChg chg="add mod">
+          <ac:chgData name="Paul Friesenhahn" userId="f916021d3ee654ef" providerId="LiveId" clId="{A054F8ED-44B0-47B0-A9F5-3B26E21A02C2}" dt="2023-04-20T20:24:22.757" v="773" actId="1037"/>
+          <ac:grpSpMkLst>
+            <pc:docMk/>
+            <pc:sldMk cId="2797632102" sldId="259"/>
+            <ac:grpSpMk id="8" creationId="{5E43345B-DCEA-1F29-B6A5-02AE194086A2}"/>
+          </ac:grpSpMkLst>
+        </pc:grpChg>
+        <pc:picChg chg="mod">
+          <ac:chgData name="Paul Friesenhahn" userId="f916021d3ee654ef" providerId="LiveId" clId="{A054F8ED-44B0-47B0-A9F5-3B26E21A02C2}" dt="2023-04-20T20:11:26.172" v="638" actId="208"/>
+          <ac:picMkLst>
+            <pc:docMk/>
+            <pc:sldMk cId="2797632102" sldId="259"/>
+            <ac:picMk id="4" creationId="{2351F681-400E-BFFD-C465-6945DC52E6C4}"/>
+          </ac:picMkLst>
+        </pc:picChg>
+      </pc:sldChg>
+      <pc:sldChg chg="addSp delSp modSp mod setBg">
+        <pc:chgData name="Paul Friesenhahn" userId="f916021d3ee654ef" providerId="LiveId" clId="{A054F8ED-44B0-47B0-A9F5-3B26E21A02C2}" dt="2023-04-20T20:25:32.475" v="808" actId="1076"/>
+        <pc:sldMkLst>
+          <pc:docMk/>
+          <pc:sldMk cId="802963218" sldId="261"/>
+        </pc:sldMkLst>
+        <pc:spChg chg="mod">
+          <ac:chgData name="Paul Friesenhahn" userId="f916021d3ee654ef" providerId="LiveId" clId="{A054F8ED-44B0-47B0-A9F5-3B26E21A02C2}" dt="2023-04-20T20:13:15.818" v="656" actId="113"/>
+          <ac:spMkLst>
+            <pc:docMk/>
+            <pc:sldMk cId="802963218" sldId="261"/>
+            <ac:spMk id="2" creationId="{EC63FD57-1121-FC3B-D4A4-E82EB172C263}"/>
+          </ac:spMkLst>
+        </pc:spChg>
+        <pc:spChg chg="mod">
+          <ac:chgData name="Paul Friesenhahn" userId="f916021d3ee654ef" providerId="LiveId" clId="{A054F8ED-44B0-47B0-A9F5-3B26E21A02C2}" dt="2023-04-20T20:14:01.203" v="658"/>
+          <ac:spMkLst>
+            <pc:docMk/>
+            <pc:sldMk cId="802963218" sldId="261"/>
+            <ac:spMk id="6" creationId="{DDE5011A-B37F-410B-78FE-CA0638060608}"/>
+          </ac:spMkLst>
+        </pc:spChg>
+        <pc:spChg chg="mod">
+          <ac:chgData name="Paul Friesenhahn" userId="f916021d3ee654ef" providerId="LiveId" clId="{A054F8ED-44B0-47B0-A9F5-3B26E21A02C2}" dt="2023-04-20T17:24:19.642" v="140"/>
+          <ac:spMkLst>
+            <pc:docMk/>
+            <pc:sldMk cId="802963218" sldId="261"/>
+            <ac:spMk id="6" creationId="{DF93ED11-B3C4-31A4-6DF1-619BA671EF20}"/>
+          </ac:spMkLst>
+        </pc:spChg>
+        <pc:spChg chg="mod">
+          <ac:chgData name="Paul Friesenhahn" userId="f916021d3ee654ef" providerId="LiveId" clId="{A054F8ED-44B0-47B0-A9F5-3B26E21A02C2}" dt="2023-04-20T20:14:01.203" v="658"/>
+          <ac:spMkLst>
+            <pc:docMk/>
+            <pc:sldMk cId="802963218" sldId="261"/>
+            <ac:spMk id="7" creationId="{9592A814-3817-BBCB-4E80-D8176131C636}"/>
+          </ac:spMkLst>
+        </pc:spChg>
+        <pc:spChg chg="mod">
+          <ac:chgData name="Paul Friesenhahn" userId="f916021d3ee654ef" providerId="LiveId" clId="{A054F8ED-44B0-47B0-A9F5-3B26E21A02C2}" dt="2023-04-20T17:24:19.642" v="140"/>
+          <ac:spMkLst>
+            <pc:docMk/>
+            <pc:sldMk cId="802963218" sldId="261"/>
+            <ac:spMk id="7" creationId="{B6E3F0F0-8271-F4E1-30EE-9F8F266BF029}"/>
+          </ac:spMkLst>
+        </pc:spChg>
+        <pc:spChg chg="mod">
+          <ac:chgData name="Paul Friesenhahn" userId="f916021d3ee654ef" providerId="LiveId" clId="{A054F8ED-44B0-47B0-A9F5-3B26E21A02C2}" dt="2023-04-20T20:22:07.009" v="732"/>
+          <ac:spMkLst>
+            <pc:docMk/>
+            <pc:sldMk cId="802963218" sldId="261"/>
+            <ac:spMk id="9" creationId="{B2497B74-B757-AAEE-E337-0C79FF3D7075}"/>
+          </ac:spMkLst>
+        </pc:spChg>
+        <pc:spChg chg="mod">
+          <ac:chgData name="Paul Friesenhahn" userId="f916021d3ee654ef" providerId="LiveId" clId="{A054F8ED-44B0-47B0-A9F5-3B26E21A02C2}" dt="2023-04-20T20:22:07.009" v="732"/>
+          <ac:spMkLst>
+            <pc:docMk/>
+            <pc:sldMk cId="802963218" sldId="261"/>
+            <ac:spMk id="10" creationId="{4777373C-1735-F258-073F-6735835832A7}"/>
+          </ac:spMkLst>
+        </pc:spChg>
+        <pc:spChg chg="add del mod">
+          <ac:chgData name="Paul Friesenhahn" userId="f916021d3ee654ef" providerId="LiveId" clId="{A054F8ED-44B0-47B0-A9F5-3B26E21A02C2}" dt="2023-04-20T20:25:23.726" v="806" actId="478"/>
+          <ac:spMkLst>
+            <pc:docMk/>
+            <pc:sldMk cId="802963218" sldId="261"/>
+            <ac:spMk id="12" creationId="{06474A0D-7EEF-1705-A02A-16D9AB9CB65E}"/>
+          </ac:spMkLst>
+        </pc:spChg>
+        <pc:grpChg chg="add del mod">
+          <ac:chgData name="Paul Friesenhahn" userId="f916021d3ee654ef" providerId="LiveId" clId="{A054F8ED-44B0-47B0-A9F5-3B26E21A02C2}" dt="2023-04-20T20:22:06.781" v="731" actId="478"/>
+          <ac:grpSpMkLst>
+            <pc:docMk/>
+            <pc:sldMk cId="802963218" sldId="261"/>
+            <ac:grpSpMk id="4" creationId="{18B814A6-7B34-8BFB-3C5A-3B6AFF643B64}"/>
+          </ac:grpSpMkLst>
+        </pc:grpChg>
+        <pc:grpChg chg="add del mod">
+          <ac:chgData name="Paul Friesenhahn" userId="f916021d3ee654ef" providerId="LiveId" clId="{A054F8ED-44B0-47B0-A9F5-3B26E21A02C2}" dt="2023-04-20T17:28:39.926" v="159" actId="478"/>
+          <ac:grpSpMkLst>
+            <pc:docMk/>
+            <pc:sldMk cId="802963218" sldId="261"/>
+            <ac:grpSpMk id="4" creationId="{50686137-E048-C9B3-D140-8076F4E0424E}"/>
+          </ac:grpSpMkLst>
+        </pc:grpChg>
+        <pc:grpChg chg="add mod">
+          <ac:chgData name="Paul Friesenhahn" userId="f916021d3ee654ef" providerId="LiveId" clId="{A054F8ED-44B0-47B0-A9F5-3B26E21A02C2}" dt="2023-04-20T20:24:10.925" v="763" actId="1037"/>
+          <ac:grpSpMkLst>
+            <pc:docMk/>
+            <pc:sldMk cId="802963218" sldId="261"/>
+            <ac:grpSpMk id="8" creationId="{9CA03BB6-CC48-F803-4E86-C05250477DCA}"/>
+          </ac:grpSpMkLst>
+        </pc:grpChg>
+        <pc:grpChg chg="add del mod ord">
+          <ac:chgData name="Paul Friesenhahn" userId="f916021d3ee654ef" providerId="LiveId" clId="{A054F8ED-44B0-47B0-A9F5-3B26E21A02C2}" dt="2023-04-20T19:38:10.867" v="530" actId="478"/>
+          <ac:grpSpMkLst>
+            <pc:docMk/>
+            <pc:sldMk cId="802963218" sldId="261"/>
+            <ac:grpSpMk id="8" creationId="{AB00648C-4F94-3376-24D8-0D50E748F296}"/>
+          </ac:grpSpMkLst>
+        </pc:grpChg>
+        <pc:picChg chg="mod">
+          <ac:chgData name="Paul Friesenhahn" userId="f916021d3ee654ef" providerId="LiveId" clId="{A054F8ED-44B0-47B0-A9F5-3B26E21A02C2}" dt="2023-04-20T19:37:49.298" v="528" actId="1038"/>
+          <ac:picMkLst>
+            <pc:docMk/>
+            <pc:sldMk cId="802963218" sldId="261"/>
+            <ac:picMk id="3" creationId="{BF890EBA-8599-247B-2B6B-9C2ED26BACFD}"/>
+          </ac:picMkLst>
+        </pc:picChg>
+        <pc:picChg chg="del mod ord">
+          <ac:chgData name="Paul Friesenhahn" userId="f916021d3ee654ef" providerId="LiveId" clId="{A054F8ED-44B0-47B0-A9F5-3B26E21A02C2}" dt="2023-04-20T20:25:19.794" v="804" actId="478"/>
+          <ac:picMkLst>
+            <pc:docMk/>
+            <pc:sldMk cId="802963218" sldId="261"/>
+            <ac:picMk id="5" creationId="{5E8A9BB7-84DE-3D49-7D41-8B7B3B41E920}"/>
+          </ac:picMkLst>
+        </pc:picChg>
+        <pc:picChg chg="mod">
+          <ac:chgData name="Paul Friesenhahn" userId="f916021d3ee654ef" providerId="LiveId" clId="{A054F8ED-44B0-47B0-A9F5-3B26E21A02C2}" dt="2023-04-20T19:37:38.729" v="507"/>
+          <ac:picMkLst>
+            <pc:docMk/>
+            <pc:sldMk cId="802963218" sldId="261"/>
+            <ac:picMk id="9" creationId="{98347078-3EAD-21CA-4649-6AFAA8708D62}"/>
+          </ac:picMkLst>
+        </pc:picChg>
+        <pc:picChg chg="mod">
+          <ac:chgData name="Paul Friesenhahn" userId="f916021d3ee654ef" providerId="LiveId" clId="{A054F8ED-44B0-47B0-A9F5-3B26E21A02C2}" dt="2023-04-20T19:37:38.729" v="507"/>
+          <ac:picMkLst>
+            <pc:docMk/>
+            <pc:sldMk cId="802963218" sldId="261"/>
+            <ac:picMk id="10" creationId="{8683CF46-0FF4-1DF1-BBA8-6B73BD33D428}"/>
+          </ac:picMkLst>
+        </pc:picChg>
+        <pc:picChg chg="add mod">
+          <ac:chgData name="Paul Friesenhahn" userId="f916021d3ee654ef" providerId="LiveId" clId="{A054F8ED-44B0-47B0-A9F5-3B26E21A02C2}" dt="2023-04-20T20:25:32.475" v="808" actId="1076"/>
+          <ac:picMkLst>
+            <pc:docMk/>
+            <pc:sldMk cId="802963218" sldId="261"/>
+            <ac:picMk id="14" creationId="{D63F0718-0DAC-A2C6-4B8B-562F26923FD4}"/>
+          </ac:picMkLst>
+        </pc:picChg>
+      </pc:sldChg>
+      <pc:sldChg chg="addSp delSp modSp mod setBg">
+        <pc:chgData name="Paul Friesenhahn" userId="f916021d3ee654ef" providerId="LiveId" clId="{A054F8ED-44B0-47B0-A9F5-3B26E21A02C2}" dt="2023-04-20T20:24:26.955" v="778" actId="1037"/>
+        <pc:sldMkLst>
+          <pc:docMk/>
+          <pc:sldMk cId="2460101852" sldId="262"/>
+        </pc:sldMkLst>
+        <pc:spChg chg="mod">
+          <ac:chgData name="Paul Friesenhahn" userId="f916021d3ee654ef" providerId="LiveId" clId="{A054F8ED-44B0-47B0-A9F5-3B26E21A02C2}" dt="2023-04-20T20:17:13.700" v="703" actId="1036"/>
+          <ac:spMkLst>
+            <pc:docMk/>
+            <pc:sldMk cId="2460101852" sldId="262"/>
+            <ac:spMk id="2" creationId="{93773CD5-AF86-E0CB-7EBA-01677019186B}"/>
+          </ac:spMkLst>
+        </pc:spChg>
+        <pc:spChg chg="mod">
+          <ac:chgData name="Paul Friesenhahn" userId="f916021d3ee654ef" providerId="LiveId" clId="{A054F8ED-44B0-47B0-A9F5-3B26E21A02C2}" dt="2023-04-20T20:15:17.137" v="667"/>
+          <ac:spMkLst>
+            <pc:docMk/>
+            <pc:sldMk cId="2460101852" sldId="262"/>
+            <ac:spMk id="4" creationId="{321E4A0F-96D4-39C4-AD9A-02BF38119D90}"/>
+          </ac:spMkLst>
+        </pc:spChg>
+        <pc:spChg chg="mod">
+          <ac:chgData name="Paul Friesenhahn" userId="f916021d3ee654ef" providerId="LiveId" clId="{A054F8ED-44B0-47B0-A9F5-3B26E21A02C2}" dt="2023-04-20T17:24:23.053" v="143"/>
+          <ac:spMkLst>
+            <pc:docMk/>
+            <pc:sldMk cId="2460101852" sldId="262"/>
+            <ac:spMk id="4" creationId="{48B46FA1-B36A-4AF3-767C-E58CF2D083AA}"/>
+          </ac:spMkLst>
+        </pc:spChg>
+        <pc:spChg chg="mod">
+          <ac:chgData name="Paul Friesenhahn" userId="f916021d3ee654ef" providerId="LiveId" clId="{A054F8ED-44B0-47B0-A9F5-3B26E21A02C2}" dt="2023-04-20T20:15:17.137" v="667"/>
+          <ac:spMkLst>
+            <pc:docMk/>
+            <pc:sldMk cId="2460101852" sldId="262"/>
+            <ac:spMk id="6" creationId="{AFACB413-B661-BAD5-1BF2-22DD378A98C7}"/>
+          </ac:spMkLst>
+        </pc:spChg>
+        <pc:spChg chg="mod">
+          <ac:chgData name="Paul Friesenhahn" userId="f916021d3ee654ef" providerId="LiveId" clId="{A054F8ED-44B0-47B0-A9F5-3B26E21A02C2}" dt="2023-04-20T17:24:23.053" v="143"/>
+          <ac:spMkLst>
+            <pc:docMk/>
+            <pc:sldMk cId="2460101852" sldId="262"/>
+            <ac:spMk id="6" creationId="{ED26C6A2-E46E-99F8-EA9B-B76ECEB0450B}"/>
+          </ac:spMkLst>
+        </pc:spChg>
+        <pc:spChg chg="mod">
+          <ac:chgData name="Paul Friesenhahn" userId="f916021d3ee654ef" providerId="LiveId" clId="{A054F8ED-44B0-47B0-A9F5-3B26E21A02C2}" dt="2023-04-20T20:22:17.121" v="738"/>
+          <ac:spMkLst>
+            <pc:docMk/>
+            <pc:sldMk cId="2460101852" sldId="262"/>
+            <ac:spMk id="9" creationId="{AA69797C-D768-F2EF-8EB1-F9DB7A5CF74A}"/>
+          </ac:spMkLst>
+        </pc:spChg>
+        <pc:spChg chg="mod">
+          <ac:chgData name="Paul Friesenhahn" userId="f916021d3ee654ef" providerId="LiveId" clId="{A054F8ED-44B0-47B0-A9F5-3B26E21A02C2}" dt="2023-04-20T20:22:17.121" v="738"/>
+          <ac:spMkLst>
+            <pc:docMk/>
+            <pc:sldMk cId="2460101852" sldId="262"/>
+            <ac:spMk id="10" creationId="{9266A3D8-FD6E-E3D3-2095-A09A8107592D}"/>
+          </ac:spMkLst>
+        </pc:spChg>
+        <pc:grpChg chg="add del mod">
+          <ac:chgData name="Paul Friesenhahn" userId="f916021d3ee654ef" providerId="LiveId" clId="{A054F8ED-44B0-47B0-A9F5-3B26E21A02C2}" dt="2023-04-20T20:22:16.904" v="737" actId="478"/>
+          <ac:grpSpMkLst>
+            <pc:docMk/>
+            <pc:sldMk cId="2460101852" sldId="262"/>
+            <ac:grpSpMk id="3" creationId="{472266B8-AE45-1CEF-B000-6B53B1FA6850}"/>
+          </ac:grpSpMkLst>
+        </pc:grpChg>
+        <pc:grpChg chg="add del mod">
+          <ac:chgData name="Paul Friesenhahn" userId="f916021d3ee654ef" providerId="LiveId" clId="{A054F8ED-44B0-47B0-A9F5-3B26E21A02C2}" dt="2023-04-20T17:28:49.422" v="162" actId="478"/>
+          <ac:grpSpMkLst>
+            <pc:docMk/>
+            <pc:sldMk cId="2460101852" sldId="262"/>
+            <ac:grpSpMk id="3" creationId="{DCEECEE6-3F5F-7F50-8BC8-293707F11D06}"/>
+          </ac:grpSpMkLst>
+        </pc:grpChg>
+        <pc:grpChg chg="add mod">
+          <ac:chgData name="Paul Friesenhahn" userId="f916021d3ee654ef" providerId="LiveId" clId="{A054F8ED-44B0-47B0-A9F5-3B26E21A02C2}" dt="2023-04-20T20:24:26.955" v="778" actId="1037"/>
+          <ac:grpSpMkLst>
+            <pc:docMk/>
+            <pc:sldMk cId="2460101852" sldId="262"/>
+            <ac:grpSpMk id="8" creationId="{E7E3CB7D-4145-8D9B-936F-5A5F3B4601E9}"/>
+          </ac:grpSpMkLst>
+        </pc:grpChg>
+        <pc:picChg chg="mod">
+          <ac:chgData name="Paul Friesenhahn" userId="f916021d3ee654ef" providerId="LiveId" clId="{A054F8ED-44B0-47B0-A9F5-3B26E21A02C2}" dt="2023-04-20T20:11:36.732" v="640" actId="208"/>
+          <ac:picMkLst>
+            <pc:docMk/>
+            <pc:sldMk cId="2460101852" sldId="262"/>
+            <ac:picMk id="5" creationId="{79F99B79-C38A-DF47-C3A6-601439ED6717}"/>
+          </ac:picMkLst>
+        </pc:picChg>
+        <pc:picChg chg="mod">
+          <ac:chgData name="Paul Friesenhahn" userId="f916021d3ee654ef" providerId="LiveId" clId="{A054F8ED-44B0-47B0-A9F5-3B26E21A02C2}" dt="2023-04-20T20:11:38.225" v="641" actId="208"/>
+          <ac:picMkLst>
+            <pc:docMk/>
+            <pc:sldMk cId="2460101852" sldId="262"/>
+            <ac:picMk id="7" creationId="{8471267C-BCC1-302C-0BCA-1895E8445C7E}"/>
+          </ac:picMkLst>
+        </pc:picChg>
+      </pc:sldChg>
+      <pc:sldChg chg="addSp delSp modSp mod setBg">
+        <pc:chgData name="Paul Friesenhahn" userId="f916021d3ee654ef" providerId="LiveId" clId="{A054F8ED-44B0-47B0-A9F5-3B26E21A02C2}" dt="2023-04-20T20:24:06.080" v="758" actId="1037"/>
+        <pc:sldMkLst>
+          <pc:docMk/>
+          <pc:sldMk cId="2979039668" sldId="265"/>
+        </pc:sldMkLst>
+        <pc:spChg chg="mod">
+          <ac:chgData name="Paul Friesenhahn" userId="f916021d3ee654ef" providerId="LiveId" clId="{A054F8ED-44B0-47B0-A9F5-3B26E21A02C2}" dt="2023-04-20T20:12:51.166" v="652" actId="255"/>
+          <ac:spMkLst>
+            <pc:docMk/>
+            <pc:sldMk cId="2979039668" sldId="265"/>
+            <ac:spMk id="2" creationId="{D5BF6A30-63A9-AB64-E1B4-501435E8582C}"/>
+          </ac:spMkLst>
+        </pc:spChg>
+        <pc:spChg chg="mod">
+          <ac:chgData name="Paul Friesenhahn" userId="f916021d3ee654ef" providerId="LiveId" clId="{A054F8ED-44B0-47B0-A9F5-3B26E21A02C2}" dt="2023-04-20T19:31:28.808" v="290" actId="108"/>
+          <ac:spMkLst>
+            <pc:docMk/>
+            <pc:sldMk cId="2979039668" sldId="265"/>
+            <ac:spMk id="3" creationId="{BC440542-FDEF-A119-A80D-295DF55466BE}"/>
+          </ac:spMkLst>
+        </pc:spChg>
+        <pc:spChg chg="mod">
+          <ac:chgData name="Paul Friesenhahn" userId="f916021d3ee654ef" providerId="LiveId" clId="{A054F8ED-44B0-47B0-A9F5-3B26E21A02C2}" dt="2023-04-20T19:31:20.384" v="289" actId="12"/>
+          <ac:spMkLst>
+            <pc:docMk/>
+            <pc:sldMk cId="2979039668" sldId="265"/>
+            <ac:spMk id="4" creationId="{1C1F8F98-FAF5-8416-AD65-902822C8CB75}"/>
+          </ac:spMkLst>
+        </pc:spChg>
+        <pc:spChg chg="mod">
+          <ac:chgData name="Paul Friesenhahn" userId="f916021d3ee654ef" providerId="LiveId" clId="{A054F8ED-44B0-47B0-A9F5-3B26E21A02C2}" dt="2023-04-20T17:38:32.904" v="280" actId="113"/>
+          <ac:spMkLst>
+            <pc:docMk/>
+            <pc:sldMk cId="2979039668" sldId="265"/>
+            <ac:spMk id="5" creationId="{F9EC8A27-FF11-FC2C-6146-596192BD130B}"/>
+          </ac:spMkLst>
+        </pc:spChg>
+        <pc:spChg chg="mod">
+          <ac:chgData name="Paul Friesenhahn" userId="f916021d3ee654ef" providerId="LiveId" clId="{A054F8ED-44B0-47B0-A9F5-3B26E21A02C2}" dt="2023-04-20T17:37:57.263" v="272" actId="2711"/>
+          <ac:spMkLst>
+            <pc:docMk/>
+            <pc:sldMk cId="2979039668" sldId="265"/>
+            <ac:spMk id="6" creationId="{C5F2B59B-7A33-9A9C-9CF8-EFF50D0C8570}"/>
+          </ac:spMkLst>
+        </pc:spChg>
+        <pc:spChg chg="add del mod">
+          <ac:chgData name="Paul Friesenhahn" userId="f916021d3ee654ef" providerId="LiveId" clId="{A054F8ED-44B0-47B0-A9F5-3B26E21A02C2}" dt="2023-04-20T17:18:26.676" v="82" actId="478"/>
+          <ac:spMkLst>
+            <pc:docMk/>
+            <pc:sldMk cId="2979039668" sldId="265"/>
+            <ac:spMk id="7" creationId="{C05B12E0-4422-2445-D1DE-7C15AFF21FD6}"/>
+          </ac:spMkLst>
+        </pc:spChg>
+        <pc:spChg chg="add mod">
+          <ac:chgData name="Paul Friesenhahn" userId="f916021d3ee654ef" providerId="LiveId" clId="{A054F8ED-44B0-47B0-A9F5-3B26E21A02C2}" dt="2023-04-20T17:26:36.679" v="150" actId="207"/>
+          <ac:spMkLst>
+            <pc:docMk/>
+            <pc:sldMk cId="2979039668" sldId="265"/>
+            <ac:spMk id="8" creationId="{E88455D1-B49C-70BF-69CA-2DF6FC0CF1DB}"/>
+          </ac:spMkLst>
+        </pc:spChg>
+        <pc:spChg chg="add mod">
+          <ac:chgData name="Paul Friesenhahn" userId="f916021d3ee654ef" providerId="LiveId" clId="{A054F8ED-44B0-47B0-A9F5-3B26E21A02C2}" dt="2023-04-20T17:26:36.679" v="150" actId="207"/>
+          <ac:spMkLst>
+            <pc:docMk/>
+            <pc:sldMk cId="2979039668" sldId="265"/>
+            <ac:spMk id="9" creationId="{E6D791BB-4856-59DF-9DEA-1A0355DFC958}"/>
+          </ac:spMkLst>
+        </pc:spChg>
+        <pc:spChg chg="mod">
+          <ac:chgData name="Paul Friesenhahn" userId="f916021d3ee654ef" providerId="LiveId" clId="{A054F8ED-44B0-47B0-A9F5-3B26E21A02C2}" dt="2023-04-20T20:21:39.179" v="719" actId="1076"/>
+          <ac:spMkLst>
+            <pc:docMk/>
+            <pc:sldMk cId="2979039668" sldId="265"/>
+            <ac:spMk id="12" creationId="{DDF84F5D-CC11-CAE6-2BFA-D305DEE4283C}"/>
+          </ac:spMkLst>
+        </pc:spChg>
+        <pc:spChg chg="mod">
+          <ac:chgData name="Paul Friesenhahn" userId="f916021d3ee654ef" providerId="LiveId" clId="{A054F8ED-44B0-47B0-A9F5-3B26E21A02C2}" dt="2023-04-20T20:21:46.571" v="725" actId="1038"/>
+          <ac:spMkLst>
+            <pc:docMk/>
+            <pc:sldMk cId="2979039668" sldId="265"/>
+            <ac:spMk id="13" creationId="{B7E0276A-9A1F-ACD9-7AE5-39346499AA31}"/>
+          </ac:spMkLst>
+        </pc:spChg>
+        <pc:grpChg chg="add del mod">
+          <ac:chgData name="Paul Friesenhahn" userId="f916021d3ee654ef" providerId="LiveId" clId="{A054F8ED-44B0-47B0-A9F5-3B26E21A02C2}" dt="2023-04-20T17:27:27.410" v="155" actId="478"/>
+          <ac:grpSpMkLst>
+            <pc:docMk/>
+            <pc:sldMk cId="2979039668" sldId="265"/>
+            <ac:grpSpMk id="10" creationId="{C0BC6081-1DF1-51B0-1B99-2A3C4BDD80EE}"/>
+          </ac:grpSpMkLst>
+        </pc:grpChg>
+        <pc:grpChg chg="add mod">
+          <ac:chgData name="Paul Friesenhahn" userId="f916021d3ee654ef" providerId="LiveId" clId="{A054F8ED-44B0-47B0-A9F5-3B26E21A02C2}" dt="2023-04-20T20:24:06.080" v="758" actId="1037"/>
+          <ac:grpSpMkLst>
+            <pc:docMk/>
+            <pc:sldMk cId="2979039668" sldId="265"/>
+            <ac:grpSpMk id="11" creationId="{6ADB9CEF-EC35-CCAE-5579-2380D00C7AE5}"/>
+          </ac:grpSpMkLst>
+        </pc:grpChg>
+      </pc:sldChg>
+      <pc:sldChg chg="addSp delSp modSp mod setBg setClrOvrMap">
+        <pc:chgData name="Paul Friesenhahn" userId="f916021d3ee654ef" providerId="LiveId" clId="{A054F8ED-44B0-47B0-A9F5-3B26E21A02C2}" dt="2023-04-20T19:44:39.557" v="587" actId="14100"/>
+        <pc:sldMkLst>
+          <pc:docMk/>
+          <pc:sldMk cId="3788539144" sldId="266"/>
+        </pc:sldMkLst>
+        <pc:spChg chg="mod">
+          <ac:chgData name="Paul Friesenhahn" userId="f916021d3ee654ef" providerId="LiveId" clId="{A054F8ED-44B0-47B0-A9F5-3B26E21A02C2}" dt="2023-04-20T19:44:39.557" v="587" actId="14100"/>
+          <ac:spMkLst>
+            <pc:docMk/>
+            <pc:sldMk cId="3788539144" sldId="266"/>
+            <ac:spMk id="2" creationId="{47EA9349-0F3A-D8FA-053E-242FA41B93C0}"/>
+          </ac:spMkLst>
+        </pc:spChg>
+        <pc:spChg chg="mod">
+          <ac:chgData name="Paul Friesenhahn" userId="f916021d3ee654ef" providerId="LiveId" clId="{A054F8ED-44B0-47B0-A9F5-3B26E21A02C2}" dt="2023-04-20T19:31:38.885" v="291" actId="2711"/>
+          <ac:spMkLst>
+            <pc:docMk/>
+            <pc:sldMk cId="3788539144" sldId="266"/>
+            <ac:spMk id="3" creationId="{7C8AA5BB-729F-A09C-204C-05710EF325D7}"/>
+          </ac:spMkLst>
+        </pc:spChg>
+        <pc:spChg chg="add del mod">
+          <ac:chgData name="Paul Friesenhahn" userId="f916021d3ee654ef" providerId="LiveId" clId="{A054F8ED-44B0-47B0-A9F5-3B26E21A02C2}" dt="2023-04-20T17:21:11.277" v="109" actId="478"/>
+          <ac:spMkLst>
+            <pc:docMk/>
+            <pc:sldMk cId="3788539144" sldId="266"/>
+            <ac:spMk id="4" creationId="{BABBED57-5C20-1B84-6F32-0610E6C90C59}"/>
+          </ac:spMkLst>
+        </pc:spChg>
+        <pc:spChg chg="add del mod">
+          <ac:chgData name="Paul Friesenhahn" userId="f916021d3ee654ef" providerId="LiveId" clId="{A054F8ED-44B0-47B0-A9F5-3B26E21A02C2}" dt="2023-04-20T17:32:17.285" v="219" actId="478"/>
+          <ac:spMkLst>
+            <pc:docMk/>
+            <pc:sldMk cId="3788539144" sldId="266"/>
+            <ac:spMk id="6" creationId="{B6FF0107-B83D-D3E5-A40B-4F406D235EFE}"/>
+          </ac:spMkLst>
+        </pc:spChg>
+        <pc:spChg chg="add del">
+          <ac:chgData name="Paul Friesenhahn" userId="f916021d3ee654ef" providerId="LiveId" clId="{A054F8ED-44B0-47B0-A9F5-3B26E21A02C2}" dt="2023-04-20T17:29:58.086" v="173" actId="26606"/>
+          <ac:spMkLst>
+            <pc:docMk/>
+            <pc:sldMk cId="3788539144" sldId="266"/>
+            <ac:spMk id="7" creationId="{6B5E2835-4E47-45B3-9CFE-732FF7B05472}"/>
+          </ac:spMkLst>
+        </pc:spChg>
+        <pc:spChg chg="add del">
+          <ac:chgData name="Paul Friesenhahn" userId="f916021d3ee654ef" providerId="LiveId" clId="{A054F8ED-44B0-47B0-A9F5-3B26E21A02C2}" dt="2023-04-20T17:29:58.086" v="173" actId="26606"/>
+          <ac:spMkLst>
+            <pc:docMk/>
+            <pc:sldMk cId="3788539144" sldId="266"/>
+            <ac:spMk id="8" creationId="{5B45AD5D-AA52-4F7B-9362-576A39AD9E09}"/>
+          </ac:spMkLst>
+        </pc:spChg>
+        <pc:spChg chg="add del mod">
+          <ac:chgData name="Paul Friesenhahn" userId="f916021d3ee654ef" providerId="LiveId" clId="{A054F8ED-44B0-47B0-A9F5-3B26E21A02C2}" dt="2023-04-20T19:40:14.827" v="538" actId="478"/>
+          <ac:spMkLst>
+            <pc:docMk/>
+            <pc:sldMk cId="3788539144" sldId="266"/>
+            <ac:spMk id="9" creationId="{CA6BA804-47F8-3D63-792F-14828BB6002F}"/>
+          </ac:spMkLst>
+        </pc:spChg>
+        <pc:spChg chg="add del">
+          <ac:chgData name="Paul Friesenhahn" userId="f916021d3ee654ef" providerId="LiveId" clId="{A054F8ED-44B0-47B0-A9F5-3B26E21A02C2}" dt="2023-04-20T17:29:47.772" v="171" actId="26606"/>
+          <ac:spMkLst>
+            <pc:docMk/>
+            <pc:sldMk cId="3788539144" sldId="266"/>
+            <ac:spMk id="10" creationId="{9AA72BD9-2C5A-4EDC-931F-5AA08EACA0F3}"/>
+          </ac:spMkLst>
+        </pc:spChg>
+        <pc:spChg chg="add del">
+          <ac:chgData name="Paul Friesenhahn" userId="f916021d3ee654ef" providerId="LiveId" clId="{A054F8ED-44B0-47B0-A9F5-3B26E21A02C2}" dt="2023-04-20T17:29:47.772" v="171" actId="26606"/>
+          <ac:spMkLst>
+            <pc:docMk/>
+            <pc:sldMk cId="3788539144" sldId="266"/>
+            <ac:spMk id="12" creationId="{DD3981AC-7B61-4947-BCF3-F7AA7FA385B9}"/>
+          </ac:spMkLst>
+        </pc:spChg>
+        <pc:spChg chg="add del">
+          <ac:chgData name="Paul Friesenhahn" userId="f916021d3ee654ef" providerId="LiveId" clId="{A054F8ED-44B0-47B0-A9F5-3B26E21A02C2}" dt="2023-04-20T17:29:47.772" v="171" actId="26606"/>
+          <ac:spMkLst>
+            <pc:docMk/>
+            <pc:sldMk cId="3788539144" sldId="266"/>
+            <ac:spMk id="14" creationId="{55D4142C-5077-457F-A6AD-3FECFDB39685}"/>
+          </ac:spMkLst>
+        </pc:spChg>
+        <pc:spChg chg="add del">
+          <ac:chgData name="Paul Friesenhahn" userId="f916021d3ee654ef" providerId="LiveId" clId="{A054F8ED-44B0-47B0-A9F5-3B26E21A02C2}" dt="2023-04-20T17:29:47.772" v="171" actId="26606"/>
+          <ac:spMkLst>
+            <pc:docMk/>
+            <pc:sldMk cId="3788539144" sldId="266"/>
+            <ac:spMk id="16" creationId="{7A5F0580-5EE9-419F-96EE-B6529EF6E7D0}"/>
+          </ac:spMkLst>
+        </pc:spChg>
+        <pc:spChg chg="add del">
+          <ac:chgData name="Paul Friesenhahn" userId="f916021d3ee654ef" providerId="LiveId" clId="{A054F8ED-44B0-47B0-A9F5-3B26E21A02C2}" dt="2023-04-20T17:29:58.086" v="173" actId="26606"/>
+          <ac:spMkLst>
+            <pc:docMk/>
+            <pc:sldMk cId="3788539144" sldId="266"/>
+            <ac:spMk id="17" creationId="{AEDD7960-4866-4399-BEF6-DD1431AB4E34}"/>
+          </ac:spMkLst>
+        </pc:spChg>
+        <pc:spChg chg="add del">
+          <ac:chgData name="Paul Friesenhahn" userId="f916021d3ee654ef" providerId="LiveId" clId="{A054F8ED-44B0-47B0-A9F5-3B26E21A02C2}" dt="2023-04-20T17:29:58.086" v="173" actId="26606"/>
+          <ac:spMkLst>
+            <pc:docMk/>
+            <pc:sldMk cId="3788539144" sldId="266"/>
+            <ac:spMk id="18" creationId="{7A5F0580-5EE9-419F-96EE-B6529EF6E7D0}"/>
+          </ac:spMkLst>
+        </pc:spChg>
+        <pc:spChg chg="add del">
+          <ac:chgData name="Paul Friesenhahn" userId="f916021d3ee654ef" providerId="LiveId" clId="{A054F8ED-44B0-47B0-A9F5-3B26E21A02C2}" dt="2023-04-20T17:29:58.086" v="173" actId="26606"/>
+          <ac:spMkLst>
+            <pc:docMk/>
+            <pc:sldMk cId="3788539144" sldId="266"/>
+            <ac:spMk id="19" creationId="{55D4142C-5077-457F-A6AD-3FECFDB39685}"/>
+          </ac:spMkLst>
+        </pc:spChg>
+        <pc:spChg chg="add del">
+          <ac:chgData name="Paul Friesenhahn" userId="f916021d3ee654ef" providerId="LiveId" clId="{A054F8ED-44B0-47B0-A9F5-3B26E21A02C2}" dt="2023-04-20T17:30:02.014" v="175" actId="26606"/>
+          <ac:spMkLst>
+            <pc:docMk/>
+            <pc:sldMk cId="3788539144" sldId="266"/>
+            <ac:spMk id="21" creationId="{F13C74B1-5B17-4795-BED0-7140497B445A}"/>
+          </ac:spMkLst>
+        </pc:spChg>
+        <pc:spChg chg="add del">
+          <ac:chgData name="Paul Friesenhahn" userId="f916021d3ee654ef" providerId="LiveId" clId="{A054F8ED-44B0-47B0-A9F5-3B26E21A02C2}" dt="2023-04-20T17:30:02.014" v="175" actId="26606"/>
+          <ac:spMkLst>
+            <pc:docMk/>
+            <pc:sldMk cId="3788539144" sldId="266"/>
+            <ac:spMk id="22" creationId="{D4974D33-8DC5-464E-8C6D-BE58F0669C17}"/>
+          </ac:spMkLst>
+        </pc:spChg>
+        <pc:spChg chg="add del">
+          <ac:chgData name="Paul Friesenhahn" userId="f916021d3ee654ef" providerId="LiveId" clId="{A054F8ED-44B0-47B0-A9F5-3B26E21A02C2}" dt="2023-04-20T17:30:15.160" v="177" actId="26606"/>
+          <ac:spMkLst>
+            <pc:docMk/>
+            <pc:sldMk cId="3788539144" sldId="266"/>
+            <ac:spMk id="24" creationId="{8FC9BE17-9A7B-462D-AE50-3D8777387304}"/>
+          </ac:spMkLst>
+        </pc:spChg>
+        <pc:spChg chg="add del">
+          <ac:chgData name="Paul Friesenhahn" userId="f916021d3ee654ef" providerId="LiveId" clId="{A054F8ED-44B0-47B0-A9F5-3B26E21A02C2}" dt="2023-04-20T17:30:15.160" v="177" actId="26606"/>
+          <ac:spMkLst>
+            <pc:docMk/>
+            <pc:sldMk cId="3788539144" sldId="266"/>
+            <ac:spMk id="25" creationId="{3EBE8569-6AEC-4B8C-8D53-2DE337CDBA65}"/>
+          </ac:spMkLst>
+        </pc:spChg>
+        <pc:spChg chg="add del">
+          <ac:chgData name="Paul Friesenhahn" userId="f916021d3ee654ef" providerId="LiveId" clId="{A054F8ED-44B0-47B0-A9F5-3B26E21A02C2}" dt="2023-04-20T17:30:15.160" v="177" actId="26606"/>
+          <ac:spMkLst>
+            <pc:docMk/>
+            <pc:sldMk cId="3788539144" sldId="266"/>
+            <ac:spMk id="26" creationId="{55D4142C-5077-457F-A6AD-3FECFDB39685}"/>
+          </ac:spMkLst>
+        </pc:spChg>
+        <pc:spChg chg="add del">
+          <ac:chgData name="Paul Friesenhahn" userId="f916021d3ee654ef" providerId="LiveId" clId="{A054F8ED-44B0-47B0-A9F5-3B26E21A02C2}" dt="2023-04-20T17:30:15.160" v="177" actId="26606"/>
+          <ac:spMkLst>
+            <pc:docMk/>
+            <pc:sldMk cId="3788539144" sldId="266"/>
+            <ac:spMk id="27" creationId="{7A5F0580-5EE9-419F-96EE-B6529EF6E7D0}"/>
+          </ac:spMkLst>
+        </pc:spChg>
+        <pc:spChg chg="add del">
+          <ac:chgData name="Paul Friesenhahn" userId="f916021d3ee654ef" providerId="LiveId" clId="{A054F8ED-44B0-47B0-A9F5-3B26E21A02C2}" dt="2023-04-20T17:30:17.426" v="179" actId="26606"/>
+          <ac:spMkLst>
+            <pc:docMk/>
+            <pc:sldMk cId="3788539144" sldId="266"/>
+            <ac:spMk id="29" creationId="{F13C74B1-5B17-4795-BED0-7140497B445A}"/>
+          </ac:spMkLst>
+        </pc:spChg>
+        <pc:spChg chg="add del">
+          <ac:chgData name="Paul Friesenhahn" userId="f916021d3ee654ef" providerId="LiveId" clId="{A054F8ED-44B0-47B0-A9F5-3B26E21A02C2}" dt="2023-04-20T17:30:17.426" v="179" actId="26606"/>
+          <ac:spMkLst>
+            <pc:docMk/>
+            <pc:sldMk cId="3788539144" sldId="266"/>
+            <ac:spMk id="30" creationId="{D4974D33-8DC5-464E-8C6D-BE58F0669C17}"/>
+          </ac:spMkLst>
+        </pc:spChg>
+        <pc:spChg chg="add del">
+          <ac:chgData name="Paul Friesenhahn" userId="f916021d3ee654ef" providerId="LiveId" clId="{A054F8ED-44B0-47B0-A9F5-3B26E21A02C2}" dt="2023-04-20T17:30:37.122" v="191" actId="26606"/>
+          <ac:spMkLst>
+            <pc:docMk/>
+            <pc:sldMk cId="3788539144" sldId="266"/>
+            <ac:spMk id="32" creationId="{8FC9BE17-9A7B-462D-AE50-3D8777387304}"/>
+          </ac:spMkLst>
+        </pc:spChg>
+        <pc:spChg chg="add del">
+          <ac:chgData name="Paul Friesenhahn" userId="f916021d3ee654ef" providerId="LiveId" clId="{A054F8ED-44B0-47B0-A9F5-3B26E21A02C2}" dt="2023-04-20T17:30:37.122" v="191" actId="26606"/>
+          <ac:spMkLst>
+            <pc:docMk/>
+            <pc:sldMk cId="3788539144" sldId="266"/>
+            <ac:spMk id="33" creationId="{3EBE8569-6AEC-4B8C-8D53-2DE337CDBA65}"/>
+          </ac:spMkLst>
+        </pc:spChg>
+        <pc:spChg chg="add del">
+          <ac:chgData name="Paul Friesenhahn" userId="f916021d3ee654ef" providerId="LiveId" clId="{A054F8ED-44B0-47B0-A9F5-3B26E21A02C2}" dt="2023-04-20T17:30:37.122" v="191" actId="26606"/>
+          <ac:spMkLst>
+            <pc:docMk/>
+            <pc:sldMk cId="3788539144" sldId="266"/>
+            <ac:spMk id="34" creationId="{55D4142C-5077-457F-A6AD-3FECFDB39685}"/>
+          </ac:spMkLst>
+        </pc:spChg>
+        <pc:spChg chg="add del">
+          <ac:chgData name="Paul Friesenhahn" userId="f916021d3ee654ef" providerId="LiveId" clId="{A054F8ED-44B0-47B0-A9F5-3B26E21A02C2}" dt="2023-04-20T17:30:37.122" v="191" actId="26606"/>
+          <ac:spMkLst>
+            <pc:docMk/>
+            <pc:sldMk cId="3788539144" sldId="266"/>
+            <ac:spMk id="35" creationId="{7A5F0580-5EE9-419F-96EE-B6529EF6E7D0}"/>
+          </ac:spMkLst>
+        </pc:spChg>
+        <pc:spChg chg="add del">
+          <ac:chgData name="Paul Friesenhahn" userId="f916021d3ee654ef" providerId="LiveId" clId="{A054F8ED-44B0-47B0-A9F5-3B26E21A02C2}" dt="2023-04-20T17:30:37.122" v="190" actId="26606"/>
+          <ac:spMkLst>
+            <pc:docMk/>
+            <pc:sldMk cId="3788539144" sldId="266"/>
+            <ac:spMk id="40" creationId="{04812C46-200A-4DEB-A05E-3ED6C68C2387}"/>
+          </ac:spMkLst>
+        </pc:spChg>
+        <pc:spChg chg="add del">
+          <ac:chgData name="Paul Friesenhahn" userId="f916021d3ee654ef" providerId="LiveId" clId="{A054F8ED-44B0-47B0-A9F5-3B26E21A02C2}" dt="2023-04-20T17:30:37.122" v="190" actId="26606"/>
+          <ac:spMkLst>
+            <pc:docMk/>
+            <pc:sldMk cId="3788539144" sldId="266"/>
+            <ac:spMk id="42" creationId="{D1EA859B-E555-4109-94F3-6700E046E008}"/>
+          </ac:spMkLst>
+        </pc:spChg>
+        <pc:spChg chg="add">
+          <ac:chgData name="Paul Friesenhahn" userId="f916021d3ee654ef" providerId="LiveId" clId="{A054F8ED-44B0-47B0-A9F5-3B26E21A02C2}" dt="2023-04-20T17:30:37.122" v="191" actId="26606"/>
+          <ac:spMkLst>
+            <pc:docMk/>
+            <pc:sldMk cId="3788539144" sldId="266"/>
+            <ac:spMk id="44" creationId="{3D752CF2-2291-40B5-B462-C17B174C10BC}"/>
+          </ac:spMkLst>
+        </pc:spChg>
+        <pc:spChg chg="add">
+          <ac:chgData name="Paul Friesenhahn" userId="f916021d3ee654ef" providerId="LiveId" clId="{A054F8ED-44B0-47B0-A9F5-3B26E21A02C2}" dt="2023-04-20T17:30:37.122" v="191" actId="26606"/>
+          <ac:spMkLst>
+            <pc:docMk/>
+            <pc:sldMk cId="3788539144" sldId="266"/>
+            <ac:spMk id="45" creationId="{F94AA2BD-2E3F-4B1D-8127-5744B8115311}"/>
+          </ac:spMkLst>
+        </pc:spChg>
+        <pc:spChg chg="add">
+          <ac:chgData name="Paul Friesenhahn" userId="f916021d3ee654ef" providerId="LiveId" clId="{A054F8ED-44B0-47B0-A9F5-3B26E21A02C2}" dt="2023-04-20T17:30:37.122" v="191" actId="26606"/>
+          <ac:spMkLst>
+            <pc:docMk/>
+            <pc:sldMk cId="3788539144" sldId="266"/>
+            <ac:spMk id="46" creationId="{4BD02261-2DC8-4AA8-9E16-7751AE892445}"/>
+          </ac:spMkLst>
+        </pc:spChg>
+        <pc:picChg chg="mod ord">
+          <ac:chgData name="Paul Friesenhahn" userId="f916021d3ee654ef" providerId="LiveId" clId="{A054F8ED-44B0-47B0-A9F5-3B26E21A02C2}" dt="2023-04-20T17:30:37.122" v="191" actId="26606"/>
+          <ac:picMkLst>
+            <pc:docMk/>
+            <pc:sldMk cId="3788539144" sldId="266"/>
+            <ac:picMk id="5" creationId="{71764402-AC7E-511A-3DC9-4919A38CE9AC}"/>
+          </ac:picMkLst>
+        </pc:picChg>
+      </pc:sldChg>
+      <pc:sldChg chg="addSp delSp modSp mod setBg">
+        <pc:chgData name="Paul Friesenhahn" userId="f916021d3ee654ef" providerId="LiveId" clId="{A054F8ED-44B0-47B0-A9F5-3B26E21A02C2}" dt="2023-04-20T20:24:34.728" v="788" actId="1037"/>
+        <pc:sldMkLst>
+          <pc:docMk/>
+          <pc:sldMk cId="2889675901" sldId="267"/>
+        </pc:sldMkLst>
+        <pc:spChg chg="mod">
+          <ac:chgData name="Paul Friesenhahn" userId="f916021d3ee654ef" providerId="LiveId" clId="{A054F8ED-44B0-47B0-A9F5-3B26E21A02C2}" dt="2023-04-20T20:16:17.210" v="685" actId="113"/>
+          <ac:spMkLst>
+            <pc:docMk/>
+            <pc:sldMk cId="2889675901" sldId="267"/>
+            <ac:spMk id="2" creationId="{621E5B79-4E93-E887-E3CD-3DDA360AFBAE}"/>
+          </ac:spMkLst>
+        </pc:spChg>
+        <pc:spChg chg="mod">
+          <ac:chgData name="Paul Friesenhahn" userId="f916021d3ee654ef" providerId="LiveId" clId="{A054F8ED-44B0-47B0-A9F5-3B26E21A02C2}" dt="2023-04-20T17:24:25.503" v="145"/>
+          <ac:spMkLst>
+            <pc:docMk/>
+            <pc:sldMk cId="2889675901" sldId="267"/>
+            <ac:spMk id="4" creationId="{0A24C9D4-98CC-BD7C-AD49-DD106C503064}"/>
+          </ac:spMkLst>
+        </pc:spChg>
+        <pc:spChg chg="mod">
+          <ac:chgData name="Paul Friesenhahn" userId="f916021d3ee654ef" providerId="LiveId" clId="{A054F8ED-44B0-47B0-A9F5-3B26E21A02C2}" dt="2023-04-20T17:24:25.503" v="145"/>
+          <ac:spMkLst>
+            <pc:docMk/>
+            <pc:sldMk cId="2889675901" sldId="267"/>
+            <ac:spMk id="5" creationId="{694513BD-683B-FC03-0B4F-FB7BC99DFCF8}"/>
+          </ac:spMkLst>
+        </pc:spChg>
+        <pc:spChg chg="mod">
+          <ac:chgData name="Paul Friesenhahn" userId="f916021d3ee654ef" providerId="LiveId" clId="{A054F8ED-44B0-47B0-A9F5-3B26E21A02C2}" dt="2023-04-20T20:15:22.438" v="670"/>
+          <ac:spMkLst>
+            <pc:docMk/>
+            <pc:sldMk cId="2889675901" sldId="267"/>
+            <ac:spMk id="9" creationId="{FBEFA7EA-4C34-DCD7-14C3-FD7347F9CC33}"/>
+          </ac:spMkLst>
+        </pc:spChg>
+        <pc:spChg chg="mod">
+          <ac:chgData name="Paul Friesenhahn" userId="f916021d3ee654ef" providerId="LiveId" clId="{A054F8ED-44B0-47B0-A9F5-3B26E21A02C2}" dt="2023-04-20T20:15:22.438" v="670"/>
+          <ac:spMkLst>
+            <pc:docMk/>
+            <pc:sldMk cId="2889675901" sldId="267"/>
+            <ac:spMk id="11" creationId="{2EEC0C9F-CC67-86CA-B93E-75E8CE531127}"/>
+          </ac:spMkLst>
+        </pc:spChg>
+        <pc:spChg chg="mod">
+          <ac:chgData name="Paul Friesenhahn" userId="f916021d3ee654ef" providerId="LiveId" clId="{A054F8ED-44B0-47B0-A9F5-3B26E21A02C2}" dt="2023-04-20T20:22:23.683" v="742"/>
+          <ac:spMkLst>
+            <pc:docMk/>
+            <pc:sldMk cId="2889675901" sldId="267"/>
+            <ac:spMk id="13" creationId="{7E3FEB85-ADE5-8EBC-BF98-A07966630E48}"/>
+          </ac:spMkLst>
+        </pc:spChg>
+        <pc:spChg chg="mod">
+          <ac:chgData name="Paul Friesenhahn" userId="f916021d3ee654ef" providerId="LiveId" clId="{A054F8ED-44B0-47B0-A9F5-3B26E21A02C2}" dt="2023-04-20T20:22:23.683" v="742"/>
+          <ac:spMkLst>
+            <pc:docMk/>
+            <pc:sldMk cId="2889675901" sldId="267"/>
+            <ac:spMk id="14" creationId="{76B3053F-5936-6BE3-8697-8628F18B15C7}"/>
+          </ac:spMkLst>
+        </pc:spChg>
+        <pc:grpChg chg="add del mod">
+          <ac:chgData name="Paul Friesenhahn" userId="f916021d3ee654ef" providerId="LiveId" clId="{A054F8ED-44B0-47B0-A9F5-3B26E21A02C2}" dt="2023-04-20T17:28:55.226" v="164" actId="478"/>
+          <ac:grpSpMkLst>
+            <pc:docMk/>
+            <pc:sldMk cId="2889675901" sldId="267"/>
+            <ac:grpSpMk id="3" creationId="{D6FD9139-607E-CBFF-91EE-E7CC2937041B}"/>
+          </ac:grpSpMkLst>
+        </pc:grpChg>
+        <pc:grpChg chg="add del mod">
+          <ac:chgData name="Paul Friesenhahn" userId="f916021d3ee654ef" providerId="LiveId" clId="{A054F8ED-44B0-47B0-A9F5-3B26E21A02C2}" dt="2023-04-20T20:22:23.472" v="741" actId="478"/>
+          <ac:grpSpMkLst>
+            <pc:docMk/>
+            <pc:sldMk cId="2889675901" sldId="267"/>
+            <ac:grpSpMk id="8" creationId="{B8EE3BCE-819F-0D52-799C-1A0848158CB2}"/>
+          </ac:grpSpMkLst>
+        </pc:grpChg>
+        <pc:grpChg chg="add mod">
+          <ac:chgData name="Paul Friesenhahn" userId="f916021d3ee654ef" providerId="LiveId" clId="{A054F8ED-44B0-47B0-A9F5-3B26E21A02C2}" dt="2023-04-20T20:24:34.728" v="788" actId="1037"/>
+          <ac:grpSpMkLst>
+            <pc:docMk/>
+            <pc:sldMk cId="2889675901" sldId="267"/>
+            <ac:grpSpMk id="12" creationId="{F3073D58-F03C-2DD2-7447-C438F7AF0595}"/>
+          </ac:grpSpMkLst>
+        </pc:grpChg>
+        <pc:picChg chg="add mod">
+          <ac:chgData name="Paul Friesenhahn" userId="f916021d3ee654ef" providerId="LiveId" clId="{A054F8ED-44B0-47B0-A9F5-3B26E21A02C2}" dt="2023-04-20T20:16:34.856" v="689" actId="208"/>
+          <ac:picMkLst>
+            <pc:docMk/>
+            <pc:sldMk cId="2889675901" sldId="267"/>
+            <ac:picMk id="4" creationId="{D83B7018-943A-3416-1D3F-BC7B7E3C8AB5}"/>
+          </ac:picMkLst>
+        </pc:picChg>
+        <pc:picChg chg="add mod">
+          <ac:chgData name="Paul Friesenhahn" userId="f916021d3ee654ef" providerId="LiveId" clId="{A054F8ED-44B0-47B0-A9F5-3B26E21A02C2}" dt="2023-04-20T20:16:34.856" v="689" actId="208"/>
+          <ac:picMkLst>
+            <pc:docMk/>
+            <pc:sldMk cId="2889675901" sldId="267"/>
+            <ac:picMk id="6" creationId="{E2D011D3-901C-7424-8346-A6DD03E3E7DE}"/>
+          </ac:picMkLst>
+        </pc:picChg>
+        <pc:picChg chg="del mod">
+          <ac:chgData name="Paul Friesenhahn" userId="f916021d3ee654ef" providerId="LiveId" clId="{A054F8ED-44B0-47B0-A9F5-3B26E21A02C2}" dt="2023-04-20T20:08:32.401" v="607" actId="478"/>
+          <ac:picMkLst>
+            <pc:docMk/>
+            <pc:sldMk cId="2889675901" sldId="267"/>
+            <ac:picMk id="7" creationId="{AA19A88C-CC8C-C90F-F680-0777B83DD35C}"/>
+          </ac:picMkLst>
+        </pc:picChg>
+        <pc:picChg chg="del mod">
+          <ac:chgData name="Paul Friesenhahn" userId="f916021d3ee654ef" providerId="LiveId" clId="{A054F8ED-44B0-47B0-A9F5-3B26E21A02C2}" dt="2023-04-20T20:08:52.024" v="611" actId="478"/>
+          <ac:picMkLst>
+            <pc:docMk/>
+            <pc:sldMk cId="2889675901" sldId="267"/>
+            <ac:picMk id="10" creationId="{BFF21837-771C-0C0B-6689-6C0342C3FABA}"/>
+          </ac:picMkLst>
+        </pc:picChg>
+      </pc:sldChg>
+      <pc:sldChg chg="addSp delSp modSp mod setBg">
+        <pc:chgData name="Paul Friesenhahn" userId="f916021d3ee654ef" providerId="LiveId" clId="{A054F8ED-44B0-47B0-A9F5-3B26E21A02C2}" dt="2023-04-20T20:24:18.069" v="768" actId="1037"/>
+        <pc:sldMkLst>
+          <pc:docMk/>
+          <pc:sldMk cId="2059958513" sldId="268"/>
+        </pc:sldMkLst>
+        <pc:spChg chg="mod">
+          <ac:chgData name="Paul Friesenhahn" userId="f916021d3ee654ef" providerId="LiveId" clId="{A054F8ED-44B0-47B0-A9F5-3B26E21A02C2}" dt="2023-04-20T20:14:20.120" v="662"/>
+          <ac:spMkLst>
+            <pc:docMk/>
+            <pc:sldMk cId="2059958513" sldId="268"/>
+            <ac:spMk id="2" creationId="{EE4FE43A-D59C-9C4E-DAC3-C07E5DF9FA47}"/>
+          </ac:spMkLst>
+        </pc:spChg>
+        <pc:spChg chg="mod">
+          <ac:chgData name="Paul Friesenhahn" userId="f916021d3ee654ef" providerId="LiveId" clId="{A054F8ED-44B0-47B0-A9F5-3B26E21A02C2}" dt="2023-04-20T20:14:02.326" v="659"/>
+          <ac:spMkLst>
+            <pc:docMk/>
+            <pc:sldMk cId="2059958513" sldId="268"/>
+            <ac:spMk id="4" creationId="{D03C978E-2319-C4CB-3950-A1674E2ED6EE}"/>
+          </ac:spMkLst>
+        </pc:spChg>
+        <pc:spChg chg="mod">
+          <ac:chgData name="Paul Friesenhahn" userId="f916021d3ee654ef" providerId="LiveId" clId="{A054F8ED-44B0-47B0-A9F5-3B26E21A02C2}" dt="2023-04-20T17:24:20.870" v="141"/>
+          <ac:spMkLst>
+            <pc:docMk/>
+            <pc:sldMk cId="2059958513" sldId="268"/>
+            <ac:spMk id="4" creationId="{D37F2365-B057-2CB8-10E1-4D89C81DA357}"/>
+          </ac:spMkLst>
+        </pc:spChg>
+        <pc:spChg chg="mod">
+          <ac:chgData name="Paul Friesenhahn" userId="f916021d3ee654ef" providerId="LiveId" clId="{A054F8ED-44B0-47B0-A9F5-3B26E21A02C2}" dt="2023-04-20T17:24:20.870" v="141"/>
+          <ac:spMkLst>
+            <pc:docMk/>
+            <pc:sldMk cId="2059958513" sldId="268"/>
+            <ac:spMk id="6" creationId="{196DD08B-D33D-F3A8-03AE-8A8E5CA79A1E}"/>
+          </ac:spMkLst>
+        </pc:spChg>
+        <pc:spChg chg="mod">
+          <ac:chgData name="Paul Friesenhahn" userId="f916021d3ee654ef" providerId="LiveId" clId="{A054F8ED-44B0-47B0-A9F5-3B26E21A02C2}" dt="2023-04-20T20:14:02.326" v="659"/>
+          <ac:spMkLst>
+            <pc:docMk/>
+            <pc:sldMk cId="2059958513" sldId="268"/>
+            <ac:spMk id="6" creationId="{368328B8-107E-9716-9355-04E997C051BC}"/>
+          </ac:spMkLst>
+        </pc:spChg>
+        <pc:spChg chg="mod">
+          <ac:chgData name="Paul Friesenhahn" userId="f916021d3ee654ef" providerId="LiveId" clId="{A054F8ED-44B0-47B0-A9F5-3B26E21A02C2}" dt="2023-04-20T19:39:18.516" v="532"/>
+          <ac:spMkLst>
+            <pc:docMk/>
+            <pc:sldMk cId="2059958513" sldId="268"/>
+            <ac:spMk id="9" creationId="{19D9A14D-8623-5F68-D2BE-CC0C3C8DEFF3}"/>
+          </ac:spMkLst>
+        </pc:spChg>
+        <pc:spChg chg="add del mod">
+          <ac:chgData name="Paul Friesenhahn" userId="f916021d3ee654ef" providerId="LiveId" clId="{A054F8ED-44B0-47B0-A9F5-3B26E21A02C2}" dt="2023-04-20T20:19:58.522" v="709" actId="478"/>
+          <ac:spMkLst>
+            <pc:docMk/>
+            <pc:sldMk cId="2059958513" sldId="268"/>
+            <ac:spMk id="9" creationId="{BC782916-D1A1-FCA2-F611-07EE3C92F49F}"/>
+          </ac:spMkLst>
+        </pc:spChg>
+        <pc:spChg chg="mod">
+          <ac:chgData name="Paul Friesenhahn" userId="f916021d3ee654ef" providerId="LiveId" clId="{A054F8ED-44B0-47B0-A9F5-3B26E21A02C2}" dt="2023-04-20T19:39:18.516" v="532"/>
+          <ac:spMkLst>
+            <pc:docMk/>
+            <pc:sldMk cId="2059958513" sldId="268"/>
+            <ac:spMk id="10" creationId="{12215D6E-BE70-1009-F14F-4AE0D061A063}"/>
+          </ac:spMkLst>
+        </pc:spChg>
+        <pc:spChg chg="mod">
+          <ac:chgData name="Paul Friesenhahn" userId="f916021d3ee654ef" providerId="LiveId" clId="{A054F8ED-44B0-47B0-A9F5-3B26E21A02C2}" dt="2023-04-20T20:22:09.957" v="734"/>
+          <ac:spMkLst>
+            <pc:docMk/>
+            <pc:sldMk cId="2059958513" sldId="268"/>
+            <ac:spMk id="15" creationId="{09EC876C-E3A0-8E5C-29CD-8A9C900C17AF}"/>
+          </ac:spMkLst>
+        </pc:spChg>
+        <pc:spChg chg="mod">
+          <ac:chgData name="Paul Friesenhahn" userId="f916021d3ee654ef" providerId="LiveId" clId="{A054F8ED-44B0-47B0-A9F5-3B26E21A02C2}" dt="2023-04-20T20:22:09.957" v="734"/>
+          <ac:spMkLst>
+            <pc:docMk/>
+            <pc:sldMk cId="2059958513" sldId="268"/>
+            <ac:spMk id="16" creationId="{4FEC2D2C-5C79-B995-9E19-CB57D408E8A8}"/>
+          </ac:spMkLst>
+        </pc:spChg>
+        <pc:grpChg chg="add del mod">
+          <ac:chgData name="Paul Friesenhahn" userId="f916021d3ee654ef" providerId="LiveId" clId="{A054F8ED-44B0-47B0-A9F5-3B26E21A02C2}" dt="2023-04-20T20:22:09.769" v="733" actId="478"/>
+          <ac:grpSpMkLst>
+            <pc:docMk/>
+            <pc:sldMk cId="2059958513" sldId="268"/>
+            <ac:grpSpMk id="3" creationId="{C04BDB42-61EF-66C6-6A13-E0ADE8DFBA86}"/>
+          </ac:grpSpMkLst>
+        </pc:grpChg>
+        <pc:grpChg chg="add del mod">
+          <ac:chgData name="Paul Friesenhahn" userId="f916021d3ee654ef" providerId="LiveId" clId="{A054F8ED-44B0-47B0-A9F5-3B26E21A02C2}" dt="2023-04-20T17:28:42.963" v="160" actId="478"/>
+          <ac:grpSpMkLst>
+            <pc:docMk/>
+            <pc:sldMk cId="2059958513" sldId="268"/>
+            <ac:grpSpMk id="3" creationId="{FBCF511A-F9EE-600D-F518-D09E85014DB5}"/>
+          </ac:grpSpMkLst>
+        </pc:grpChg>
+        <pc:grpChg chg="add del mod">
+          <ac:chgData name="Paul Friesenhahn" userId="f916021d3ee654ef" providerId="LiveId" clId="{A054F8ED-44B0-47B0-A9F5-3B26E21A02C2}" dt="2023-04-20T19:39:36.459" v="534" actId="478"/>
+          <ac:grpSpMkLst>
+            <pc:docMk/>
+            <pc:sldMk cId="2059958513" sldId="268"/>
+            <ac:grpSpMk id="8" creationId="{E26B9F7C-C3C0-02F6-F87D-5E820375FFEA}"/>
+          </ac:grpSpMkLst>
+        </pc:grpChg>
+        <pc:grpChg chg="add mod">
+          <ac:chgData name="Paul Friesenhahn" userId="f916021d3ee654ef" providerId="LiveId" clId="{A054F8ED-44B0-47B0-A9F5-3B26E21A02C2}" dt="2023-04-20T20:24:18.069" v="768" actId="1037"/>
+          <ac:grpSpMkLst>
+            <pc:docMk/>
+            <pc:sldMk cId="2059958513" sldId="268"/>
+            <ac:grpSpMk id="14" creationId="{6C4663F7-7006-2191-61C7-1604C749E3C3}"/>
+          </ac:grpSpMkLst>
+        </pc:grpChg>
+        <pc:picChg chg="del mod">
+          <ac:chgData name="Paul Friesenhahn" userId="f916021d3ee654ef" providerId="LiveId" clId="{A054F8ED-44B0-47B0-A9F5-3B26E21A02C2}" dt="2023-04-20T20:19:52.730" v="707" actId="478"/>
+          <ac:picMkLst>
+            <pc:docMk/>
+            <pc:sldMk cId="2059958513" sldId="268"/>
+            <ac:picMk id="5" creationId="{25E60C00-61F4-A5B8-78F9-719C0A7438CE}"/>
+          </ac:picMkLst>
+        </pc:picChg>
+        <pc:picChg chg="del mod">
+          <ac:chgData name="Paul Friesenhahn" userId="f916021d3ee654ef" providerId="LiveId" clId="{A054F8ED-44B0-47B0-A9F5-3B26E21A02C2}" dt="2023-04-20T20:20:30.943" v="711" actId="478"/>
+          <ac:picMkLst>
+            <pc:docMk/>
+            <pc:sldMk cId="2059958513" sldId="268"/>
+            <ac:picMk id="7" creationId="{EEB616E0-D067-FABB-89FE-0FFD3FCAD144}"/>
+          </ac:picMkLst>
+        </pc:picChg>
+        <pc:picChg chg="add mod">
+          <ac:chgData name="Paul Friesenhahn" userId="f916021d3ee654ef" providerId="LiveId" clId="{A054F8ED-44B0-47B0-A9F5-3B26E21A02C2}" dt="2023-04-20T20:20:39.086" v="714" actId="208"/>
+          <ac:picMkLst>
+            <pc:docMk/>
+            <pc:sldMk cId="2059958513" sldId="268"/>
+            <ac:picMk id="11" creationId="{AE41810B-6481-1B79-0263-DFEB4D517123}"/>
+          </ac:picMkLst>
+        </pc:picChg>
+        <pc:picChg chg="add mod">
+          <ac:chgData name="Paul Friesenhahn" userId="f916021d3ee654ef" providerId="LiveId" clId="{A054F8ED-44B0-47B0-A9F5-3B26E21A02C2}" dt="2023-04-20T20:20:39.086" v="714" actId="208"/>
+          <ac:picMkLst>
+            <pc:docMk/>
+            <pc:sldMk cId="2059958513" sldId="268"/>
+            <ac:picMk id="13" creationId="{0CD9F0A8-74CE-DC3D-50A6-B75A15589A64}"/>
+          </ac:picMkLst>
+        </pc:picChg>
+      </pc:sldChg>
+      <pc:sldChg chg="addSp delSp modSp mod setBg">
+        <pc:chgData name="Paul Friesenhahn" userId="f916021d3ee654ef" providerId="LiveId" clId="{A054F8ED-44B0-47B0-A9F5-3B26E21A02C2}" dt="2023-04-20T20:24:30.836" v="783" actId="1037"/>
+        <pc:sldMkLst>
+          <pc:docMk/>
+          <pc:sldMk cId="2038085436" sldId="269"/>
+        </pc:sldMkLst>
+        <pc:spChg chg="mod">
+          <ac:chgData name="Paul Friesenhahn" userId="f916021d3ee654ef" providerId="LiveId" clId="{A054F8ED-44B0-47B0-A9F5-3B26E21A02C2}" dt="2023-04-20T20:16:25.692" v="688" actId="113"/>
+          <ac:spMkLst>
+            <pc:docMk/>
+            <pc:sldMk cId="2038085436" sldId="269"/>
+            <ac:spMk id="2" creationId="{9592DCC3-6A26-9639-7504-5D22416EDF10}"/>
+          </ac:spMkLst>
+        </pc:spChg>
+        <pc:spChg chg="mod">
+          <ac:chgData name="Paul Friesenhahn" userId="f916021d3ee654ef" providerId="LiveId" clId="{A054F8ED-44B0-47B0-A9F5-3B26E21A02C2}" dt="2023-04-20T17:24:24.592" v="144"/>
+          <ac:spMkLst>
+            <pc:docMk/>
+            <pc:sldMk cId="2038085436" sldId="269"/>
+            <ac:spMk id="4" creationId="{5C978F70-0AB8-3F3C-B69F-EDE7B273D5A5}"/>
+          </ac:spMkLst>
+        </pc:spChg>
+        <pc:spChg chg="mod">
+          <ac:chgData name="Paul Friesenhahn" userId="f916021d3ee654ef" providerId="LiveId" clId="{A054F8ED-44B0-47B0-A9F5-3B26E21A02C2}" dt="2023-04-20T17:24:24.592" v="144"/>
+          <ac:spMkLst>
+            <pc:docMk/>
+            <pc:sldMk cId="2038085436" sldId="269"/>
+            <ac:spMk id="5" creationId="{2CFDB654-E2B5-D17A-81B0-63C3C3083F4D}"/>
+          </ac:spMkLst>
+        </pc:spChg>
+        <pc:spChg chg="add del mod">
+          <ac:chgData name="Paul Friesenhahn" userId="f916021d3ee654ef" providerId="LiveId" clId="{A054F8ED-44B0-47B0-A9F5-3B26E21A02C2}" dt="2023-04-20T19:42:43.018" v="549" actId="478"/>
+          <ac:spMkLst>
+            <pc:docMk/>
+            <pc:sldMk cId="2038085436" sldId="269"/>
+            <ac:spMk id="8" creationId="{1E60E4E2-DE56-B2D2-8B6C-47B6681786DB}"/>
+          </ac:spMkLst>
+        </pc:spChg>
+        <pc:spChg chg="mod">
+          <ac:chgData name="Paul Friesenhahn" userId="f916021d3ee654ef" providerId="LiveId" clId="{A054F8ED-44B0-47B0-A9F5-3B26E21A02C2}" dt="2023-04-20T20:15:18.587" v="668"/>
+          <ac:spMkLst>
+            <pc:docMk/>
+            <pc:sldMk cId="2038085436" sldId="269"/>
+            <ac:spMk id="8" creationId="{8FB386CF-A420-806D-2151-E7872D959FB6}"/>
+          </ac:spMkLst>
+        </pc:spChg>
+        <pc:spChg chg="mod">
+          <ac:chgData name="Paul Friesenhahn" userId="f916021d3ee654ef" providerId="LiveId" clId="{A054F8ED-44B0-47B0-A9F5-3B26E21A02C2}" dt="2023-04-20T20:15:18.587" v="668"/>
+          <ac:spMkLst>
+            <pc:docMk/>
+            <pc:sldMk cId="2038085436" sldId="269"/>
+            <ac:spMk id="9" creationId="{E38BEEC6-EDD1-B389-5192-993DC3AB7CAB}"/>
+          </ac:spMkLst>
+        </pc:spChg>
+        <pc:spChg chg="add del">
+          <ac:chgData name="Paul Friesenhahn" userId="f916021d3ee654ef" providerId="LiveId" clId="{A054F8ED-44B0-47B0-A9F5-3B26E21A02C2}" dt="2023-04-20T20:08:05.963" v="604" actId="26606"/>
+          <ac:spMkLst>
+            <pc:docMk/>
+            <pc:sldMk cId="2038085436" sldId="269"/>
+            <ac:spMk id="11" creationId="{88263A24-0C1F-4677-B43C-4AE14E276B27}"/>
+          </ac:spMkLst>
+        </pc:spChg>
+        <pc:spChg chg="add del">
+          <ac:chgData name="Paul Friesenhahn" userId="f916021d3ee654ef" providerId="LiveId" clId="{A054F8ED-44B0-47B0-A9F5-3B26E21A02C2}" dt="2023-04-20T20:08:05.963" v="604" actId="26606"/>
+          <ac:spMkLst>
+            <pc:docMk/>
+            <pc:sldMk cId="2038085436" sldId="269"/>
+            <ac:spMk id="13" creationId="{0ADDB668-2CA4-4D2B-9C34-3487CA330BA8}"/>
+          </ac:spMkLst>
+        </pc:spChg>
+        <pc:spChg chg="add del">
+          <ac:chgData name="Paul Friesenhahn" userId="f916021d3ee654ef" providerId="LiveId" clId="{A054F8ED-44B0-47B0-A9F5-3B26E21A02C2}" dt="2023-04-20T20:08:05.963" v="604" actId="26606"/>
+          <ac:spMkLst>
+            <pc:docMk/>
+            <pc:sldMk cId="2038085436" sldId="269"/>
+            <ac:spMk id="15" creationId="{2568BC19-F052-4108-93E1-6A3D1DEC072F}"/>
+          </ac:spMkLst>
+        </pc:spChg>
+        <pc:spChg chg="mod">
+          <ac:chgData name="Paul Friesenhahn" userId="f916021d3ee654ef" providerId="LiveId" clId="{A054F8ED-44B0-47B0-A9F5-3B26E21A02C2}" dt="2023-04-20T20:22:20.801" v="740"/>
+          <ac:spMkLst>
+            <pc:docMk/>
+            <pc:sldMk cId="2038085436" sldId="269"/>
+            <ac:spMk id="16" creationId="{840E858C-CD8C-7EC6-B508-5A59B49A6503}"/>
+          </ac:spMkLst>
+        </pc:spChg>
+        <pc:spChg chg="add del">
+          <ac:chgData name="Paul Friesenhahn" userId="f916021d3ee654ef" providerId="LiveId" clId="{A054F8ED-44B0-47B0-A9F5-3B26E21A02C2}" dt="2023-04-20T20:08:05.963" v="604" actId="26606"/>
+          <ac:spMkLst>
+            <pc:docMk/>
+            <pc:sldMk cId="2038085436" sldId="269"/>
+            <ac:spMk id="17" creationId="{D5FD337D-4D6B-4C8B-B6F5-121097E09881}"/>
+          </ac:spMkLst>
+        </pc:spChg>
+        <pc:spChg chg="mod">
+          <ac:chgData name="Paul Friesenhahn" userId="f916021d3ee654ef" providerId="LiveId" clId="{A054F8ED-44B0-47B0-A9F5-3B26E21A02C2}" dt="2023-04-20T20:22:20.801" v="740"/>
+          <ac:spMkLst>
+            <pc:docMk/>
+            <pc:sldMk cId="2038085436" sldId="269"/>
+            <ac:spMk id="18" creationId="{F1595F4E-CF2D-49F8-0631-E15939A3DD79}"/>
+          </ac:spMkLst>
+        </pc:spChg>
+        <pc:grpChg chg="add del mod">
+          <ac:chgData name="Paul Friesenhahn" userId="f916021d3ee654ef" providerId="LiveId" clId="{A054F8ED-44B0-47B0-A9F5-3B26E21A02C2}" dt="2023-04-20T17:28:52.368" v="163" actId="478"/>
+          <ac:grpSpMkLst>
+            <pc:docMk/>
+            <pc:sldMk cId="2038085436" sldId="269"/>
+            <ac:grpSpMk id="3" creationId="{3D6AC3E9-F29A-F78C-1133-635B4CADD3C1}"/>
+          </ac:grpSpMkLst>
+        </pc:grpChg>
+        <pc:grpChg chg="add del mod">
+          <ac:chgData name="Paul Friesenhahn" userId="f916021d3ee654ef" providerId="LiveId" clId="{A054F8ED-44B0-47B0-A9F5-3B26E21A02C2}" dt="2023-04-20T20:22:20.573" v="739" actId="478"/>
+          <ac:grpSpMkLst>
+            <pc:docMk/>
+            <pc:sldMk cId="2038085436" sldId="269"/>
+            <ac:grpSpMk id="7" creationId="{BD1EB9C5-E7CE-6ED5-D2CA-2070DAC0AB47}"/>
+          </ac:grpSpMkLst>
+        </pc:grpChg>
+        <pc:grpChg chg="add mod">
+          <ac:chgData name="Paul Friesenhahn" userId="f916021d3ee654ef" providerId="LiveId" clId="{A054F8ED-44B0-47B0-A9F5-3B26E21A02C2}" dt="2023-04-20T20:24:30.836" v="783" actId="1037"/>
+          <ac:grpSpMkLst>
+            <pc:docMk/>
+            <pc:sldMk cId="2038085436" sldId="269"/>
+            <ac:grpSpMk id="14" creationId="{E56E084F-37B1-C2B7-549B-1D2DF149A9B8}"/>
+          </ac:grpSpMkLst>
+        </pc:grpChg>
+        <pc:picChg chg="add del mod ord">
+          <ac:chgData name="Paul Friesenhahn" userId="f916021d3ee654ef" providerId="LiveId" clId="{A054F8ED-44B0-47B0-A9F5-3B26E21A02C2}" dt="2023-04-20T20:16:38.551" v="690" actId="208"/>
+          <ac:picMkLst>
+            <pc:docMk/>
+            <pc:sldMk cId="2038085436" sldId="269"/>
+            <ac:picMk id="4" creationId="{7E5506CF-9E4F-9869-6BD8-F4B0F8092692}"/>
+          </ac:picMkLst>
+        </pc:picChg>
+        <pc:picChg chg="add del mod">
+          <ac:chgData name="Paul Friesenhahn" userId="f916021d3ee654ef" providerId="LiveId" clId="{A054F8ED-44B0-47B0-A9F5-3B26E21A02C2}" dt="2023-04-20T19:42:39.860" v="548" actId="478"/>
+          <ac:picMkLst>
+            <pc:docMk/>
+            <pc:sldMk cId="2038085436" sldId="269"/>
+            <ac:picMk id="6" creationId="{8F68F4BC-D488-BE32-09F5-FD99CB9F5652}"/>
+          </ac:picMkLst>
+        </pc:picChg>
+        <pc:picChg chg="add mod">
+          <ac:chgData name="Paul Friesenhahn" userId="f916021d3ee654ef" providerId="LiveId" clId="{A054F8ED-44B0-47B0-A9F5-3B26E21A02C2}" dt="2023-04-20T20:16:38.551" v="690" actId="208"/>
+          <ac:picMkLst>
+            <pc:docMk/>
+            <pc:sldMk cId="2038085436" sldId="269"/>
+            <ac:picMk id="6" creationId="{ED199FEF-5623-8FC3-0B56-830457F7F1FF}"/>
+          </ac:picMkLst>
+        </pc:picChg>
+        <pc:picChg chg="add del mod">
+          <ac:chgData name="Paul Friesenhahn" userId="f916021d3ee654ef" providerId="LiveId" clId="{A054F8ED-44B0-47B0-A9F5-3B26E21A02C2}" dt="2023-04-20T20:07:36.578" v="594" actId="478"/>
+          <ac:picMkLst>
+            <pc:docMk/>
+            <pc:sldMk cId="2038085436" sldId="269"/>
+            <ac:picMk id="10" creationId="{FB48C75B-F609-62B4-761D-4D58E6EB74CA}"/>
+          </ac:picMkLst>
+        </pc:picChg>
+        <pc:picChg chg="del mod">
+          <ac:chgData name="Paul Friesenhahn" userId="f916021d3ee654ef" providerId="LiveId" clId="{A054F8ED-44B0-47B0-A9F5-3B26E21A02C2}" dt="2023-04-20T20:07:43.284" v="597" actId="478"/>
+          <ac:picMkLst>
+            <pc:docMk/>
+            <pc:sldMk cId="2038085436" sldId="269"/>
+            <ac:picMk id="12" creationId="{2AF3FA2A-8644-FFAB-3DE8-E71AD658F1C6}"/>
+          </ac:picMkLst>
+        </pc:picChg>
+      </pc:sldChg>
+      <pc:sldChg chg="addSp delSp modSp mod setBg">
+        <pc:chgData name="Paul Friesenhahn" userId="f916021d3ee654ef" providerId="LiveId" clId="{A054F8ED-44B0-47B0-A9F5-3B26E21A02C2}" dt="2023-04-20T20:24:42.421" v="798" actId="1037"/>
+        <pc:sldMkLst>
+          <pc:docMk/>
+          <pc:sldMk cId="1662428893" sldId="270"/>
+        </pc:sldMkLst>
+        <pc:spChg chg="mod">
+          <ac:chgData name="Paul Friesenhahn" userId="f916021d3ee654ef" providerId="LiveId" clId="{A054F8ED-44B0-47B0-A9F5-3B26E21A02C2}" dt="2023-04-20T20:15:54.042" v="678" actId="113"/>
+          <ac:spMkLst>
+            <pc:docMk/>
+            <pc:sldMk cId="1662428893" sldId="270"/>
+            <ac:spMk id="2" creationId="{91AABB4B-9274-EB2A-BF1E-976B620DFAF0}"/>
+          </ac:spMkLst>
+        </pc:spChg>
+        <pc:spChg chg="mod">
+          <ac:chgData name="Paul Friesenhahn" userId="f916021d3ee654ef" providerId="LiveId" clId="{A054F8ED-44B0-47B0-A9F5-3B26E21A02C2}" dt="2023-04-20T19:36:00.684" v="498" actId="20577"/>
+          <ac:spMkLst>
+            <pc:docMk/>
+            <pc:sldMk cId="1662428893" sldId="270"/>
+            <ac:spMk id="3" creationId="{D7DF2D36-AB23-EBB3-C51E-5FB678F05BF4}"/>
+          </ac:spMkLst>
+        </pc:spChg>
+        <pc:spChg chg="mod">
+          <ac:chgData name="Paul Friesenhahn" userId="f916021d3ee654ef" providerId="LiveId" clId="{A054F8ED-44B0-47B0-A9F5-3B26E21A02C2}" dt="2023-04-20T20:22:29.512" v="746"/>
+          <ac:spMkLst>
+            <pc:docMk/>
+            <pc:sldMk cId="1662428893" sldId="270"/>
+            <ac:spMk id="5" creationId="{23515506-7B8E-2134-3806-3D63E554F922}"/>
+          </ac:spMkLst>
+        </pc:spChg>
+        <pc:spChg chg="mod">
+          <ac:chgData name="Paul Friesenhahn" userId="f916021d3ee654ef" providerId="LiveId" clId="{A054F8ED-44B0-47B0-A9F5-3B26E21A02C2}" dt="2023-04-20T17:24:27.753" v="147"/>
+          <ac:spMkLst>
+            <pc:docMk/>
+            <pc:sldMk cId="1662428893" sldId="270"/>
+            <ac:spMk id="5" creationId="{7B14F516-908E-D9F0-219C-1F07D39DEAED}"/>
+          </ac:spMkLst>
+        </pc:spChg>
+        <pc:spChg chg="mod">
+          <ac:chgData name="Paul Friesenhahn" userId="f916021d3ee654ef" providerId="LiveId" clId="{A054F8ED-44B0-47B0-A9F5-3B26E21A02C2}" dt="2023-04-20T17:24:27.753" v="147"/>
+          <ac:spMkLst>
+            <pc:docMk/>
+            <pc:sldMk cId="1662428893" sldId="270"/>
+            <ac:spMk id="6" creationId="{2F338A05-81D0-3B3F-0297-58C2DF1F3CC2}"/>
+          </ac:spMkLst>
+        </pc:spChg>
+        <pc:spChg chg="mod">
+          <ac:chgData name="Paul Friesenhahn" userId="f916021d3ee654ef" providerId="LiveId" clId="{A054F8ED-44B0-47B0-A9F5-3B26E21A02C2}" dt="2023-04-20T20:22:29.512" v="746"/>
+          <ac:spMkLst>
+            <pc:docMk/>
+            <pc:sldMk cId="1662428893" sldId="270"/>
+            <ac:spMk id="6" creationId="{C7027ABF-05E3-B4DF-5FFD-EF0F57E08DEF}"/>
+          </ac:spMkLst>
+        </pc:spChg>
+        <pc:spChg chg="mod">
+          <ac:chgData name="Paul Friesenhahn" userId="f916021d3ee654ef" providerId="LiveId" clId="{A054F8ED-44B0-47B0-A9F5-3B26E21A02C2}" dt="2023-04-20T17:32:09.003" v="217" actId="207"/>
+          <ac:spMkLst>
+            <pc:docMk/>
+            <pc:sldMk cId="1662428893" sldId="270"/>
+            <ac:spMk id="8" creationId="{3D8AC941-0EB8-41D2-3184-49A0C4E138AA}"/>
+          </ac:spMkLst>
+        </pc:spChg>
+        <pc:spChg chg="mod">
+          <ac:chgData name="Paul Friesenhahn" userId="f916021d3ee654ef" providerId="LiveId" clId="{A054F8ED-44B0-47B0-A9F5-3B26E21A02C2}" dt="2023-04-20T17:32:09.003" v="217" actId="207"/>
+          <ac:spMkLst>
+            <pc:docMk/>
+            <pc:sldMk cId="1662428893" sldId="270"/>
+            <ac:spMk id="9" creationId="{51DE87AE-800B-CCE8-08A2-0708E7774235}"/>
+          </ac:spMkLst>
+        </pc:spChg>
+        <pc:grpChg chg="add mod">
+          <ac:chgData name="Paul Friesenhahn" userId="f916021d3ee654ef" providerId="LiveId" clId="{A054F8ED-44B0-47B0-A9F5-3B26E21A02C2}" dt="2023-04-20T20:24:42.421" v="798" actId="1037"/>
+          <ac:grpSpMkLst>
+            <pc:docMk/>
+            <pc:sldMk cId="1662428893" sldId="270"/>
+            <ac:grpSpMk id="4" creationId="{771BCA72-F738-7BF6-2E6C-AD4B82869880}"/>
+          </ac:grpSpMkLst>
+        </pc:grpChg>
+        <pc:grpChg chg="add del mod">
+          <ac:chgData name="Paul Friesenhahn" userId="f916021d3ee654ef" providerId="LiveId" clId="{A054F8ED-44B0-47B0-A9F5-3B26E21A02C2}" dt="2023-04-20T17:29:01.796" v="166" actId="478"/>
+          <ac:grpSpMkLst>
+            <pc:docMk/>
+            <pc:sldMk cId="1662428893" sldId="270"/>
+            <ac:grpSpMk id="4" creationId="{EB057E84-1E7C-3450-0E6D-84796C892379}"/>
+          </ac:grpSpMkLst>
+        </pc:grpChg>
+        <pc:grpChg chg="add del mod">
+          <ac:chgData name="Paul Friesenhahn" userId="f916021d3ee654ef" providerId="LiveId" clId="{A054F8ED-44B0-47B0-A9F5-3B26E21A02C2}" dt="2023-04-20T20:22:29.322" v="745" actId="478"/>
+          <ac:grpSpMkLst>
+            <pc:docMk/>
+            <pc:sldMk cId="1662428893" sldId="270"/>
+            <ac:grpSpMk id="7" creationId="{05996039-BEE9-0FA1-FAF8-28F7E6DB08D1}"/>
+          </ac:grpSpMkLst>
+        </pc:grpChg>
+      </pc:sldChg>
+      <pc:sldChg chg="addSp delSp modSp mod setBg">
+        <pc:chgData name="Paul Friesenhahn" userId="f916021d3ee654ef" providerId="LiveId" clId="{A054F8ED-44B0-47B0-A9F5-3B26E21A02C2}" dt="2023-04-20T20:24:46.170" v="803" actId="1037"/>
+        <pc:sldMkLst>
+          <pc:docMk/>
+          <pc:sldMk cId="3254109865" sldId="271"/>
+        </pc:sldMkLst>
+        <pc:spChg chg="mod">
+          <ac:chgData name="Paul Friesenhahn" userId="f916021d3ee654ef" providerId="LiveId" clId="{A054F8ED-44B0-47B0-A9F5-3B26E21A02C2}" dt="2023-04-20T20:17:26.535" v="705" actId="113"/>
+          <ac:spMkLst>
+            <pc:docMk/>
+            <pc:sldMk cId="3254109865" sldId="271"/>
+            <ac:spMk id="2" creationId="{CE314C38-A8A7-05A2-6014-AD82EFDAC9CD}"/>
+          </ac:spMkLst>
+        </pc:spChg>
+        <pc:spChg chg="del">
+          <ac:chgData name="Paul Friesenhahn" userId="f916021d3ee654ef" providerId="LiveId" clId="{A054F8ED-44B0-47B0-A9F5-3B26E21A02C2}" dt="2023-04-20T17:29:14.623" v="169" actId="478"/>
+          <ac:spMkLst>
+            <pc:docMk/>
+            <pc:sldMk cId="3254109865" sldId="271"/>
+            <ac:spMk id="3" creationId="{B5C41072-A174-6F29-99C1-9B8E76618EB8}"/>
+          </ac:spMkLst>
+        </pc:spChg>
+        <pc:spChg chg="mod">
+          <ac:chgData name="Paul Friesenhahn" userId="f916021d3ee654ef" providerId="LiveId" clId="{A054F8ED-44B0-47B0-A9F5-3B26E21A02C2}" dt="2023-04-20T17:32:12.481" v="218" actId="207"/>
+          <ac:spMkLst>
+            <pc:docMk/>
+            <pc:sldMk cId="3254109865" sldId="271"/>
+            <ac:spMk id="5" creationId="{AB9584E1-C55B-7EA9-4C78-D96E39AC850C}"/>
+          </ac:spMkLst>
+        </pc:spChg>
+        <pc:spChg chg="mod">
+          <ac:chgData name="Paul Friesenhahn" userId="f916021d3ee654ef" providerId="LiveId" clId="{A054F8ED-44B0-47B0-A9F5-3B26E21A02C2}" dt="2023-04-20T17:32:12.481" v="218" actId="207"/>
+          <ac:spMkLst>
+            <pc:docMk/>
+            <pc:sldMk cId="3254109865" sldId="271"/>
+            <ac:spMk id="6" creationId="{9B692ABA-DF70-A764-9C39-67F48A9DB61A}"/>
+          </ac:spMkLst>
+        </pc:spChg>
+        <pc:spChg chg="mod">
+          <ac:chgData name="Paul Friesenhahn" userId="f916021d3ee654ef" providerId="LiveId" clId="{A054F8ED-44B0-47B0-A9F5-3B26E21A02C2}" dt="2023-04-20T20:22:32.434" v="748"/>
+          <ac:spMkLst>
+            <pc:docMk/>
+            <pc:sldMk cId="3254109865" sldId="271"/>
+            <ac:spMk id="7" creationId="{38F592FB-6E40-CF1A-28B7-6DF39839A081}"/>
+          </ac:spMkLst>
+        </pc:spChg>
+        <pc:spChg chg="add del">
+          <ac:chgData name="Paul Friesenhahn" userId="f916021d3ee654ef" providerId="LiveId" clId="{A054F8ED-44B0-47B0-A9F5-3B26E21A02C2}" dt="2023-04-20T19:34:28.253" v="323" actId="26606"/>
+          <ac:spMkLst>
+            <pc:docMk/>
+            <pc:sldMk cId="3254109865" sldId="271"/>
+            <ac:spMk id="8" creationId="{7517A47C-B2E5-4B79-8061-D74B1311AF6E}"/>
+          </ac:spMkLst>
+        </pc:spChg>
+        <pc:spChg chg="mod">
+          <ac:chgData name="Paul Friesenhahn" userId="f916021d3ee654ef" providerId="LiveId" clId="{A054F8ED-44B0-47B0-A9F5-3B26E21A02C2}" dt="2023-04-20T20:22:32.434" v="748"/>
+          <ac:spMkLst>
+            <pc:docMk/>
+            <pc:sldMk cId="3254109865" sldId="271"/>
+            <ac:spMk id="8" creationId="{E4C38F18-C318-2794-CC4E-FD091AFB5959}"/>
+          </ac:spMkLst>
+        </pc:spChg>
+        <pc:spChg chg="add del">
+          <ac:chgData name="Paul Friesenhahn" userId="f916021d3ee654ef" providerId="LiveId" clId="{A054F8ED-44B0-47B0-A9F5-3B26E21A02C2}" dt="2023-04-20T19:34:28.253" v="323" actId="26606"/>
+          <ac:spMkLst>
+            <pc:docMk/>
+            <pc:sldMk cId="3254109865" sldId="271"/>
+            <ac:spMk id="9" creationId="{C505E780-2083-4CB5-A42A-5E0E2908ECC3}"/>
+          </ac:spMkLst>
+        </pc:spChg>
+        <pc:spChg chg="add del">
+          <ac:chgData name="Paul Friesenhahn" userId="f916021d3ee654ef" providerId="LiveId" clId="{A054F8ED-44B0-47B0-A9F5-3B26E21A02C2}" dt="2023-04-20T19:34:28.253" v="323" actId="26606"/>
+          <ac:spMkLst>
+            <pc:docMk/>
+            <pc:sldMk cId="3254109865" sldId="271"/>
+            <ac:spMk id="10" creationId="{D2C0AE1C-0118-41AE-8A10-7CDCBF10E96F}"/>
+          </ac:spMkLst>
+        </pc:spChg>
+        <pc:spChg chg="add del">
+          <ac:chgData name="Paul Friesenhahn" userId="f916021d3ee654ef" providerId="LiveId" clId="{A054F8ED-44B0-47B0-A9F5-3B26E21A02C2}" dt="2023-04-20T19:34:16.288" v="321" actId="26606"/>
+          <ac:spMkLst>
+            <pc:docMk/>
+            <pc:sldMk cId="3254109865" sldId="271"/>
+            <ac:spMk id="11" creationId="{89A320C9-9735-4D13-8279-C1C674841392}"/>
+          </ac:spMkLst>
+        </pc:spChg>
+        <pc:spChg chg="add del">
+          <ac:chgData name="Paul Friesenhahn" userId="f916021d3ee654ef" providerId="LiveId" clId="{A054F8ED-44B0-47B0-A9F5-3B26E21A02C2}" dt="2023-04-20T19:34:28.253" v="323" actId="26606"/>
+          <ac:spMkLst>
+            <pc:docMk/>
+            <pc:sldMk cId="3254109865" sldId="271"/>
+            <ac:spMk id="12" creationId="{463EEC44-1BA3-44ED-81FC-A644B04B2A44}"/>
+          </ac:spMkLst>
+        </pc:spChg>
+        <pc:spChg chg="add del">
+          <ac:chgData name="Paul Friesenhahn" userId="f916021d3ee654ef" providerId="LiveId" clId="{A054F8ED-44B0-47B0-A9F5-3B26E21A02C2}" dt="2023-04-20T19:34:16.288" v="321" actId="26606"/>
+          <ac:spMkLst>
+            <pc:docMk/>
+            <pc:sldMk cId="3254109865" sldId="271"/>
+            <ac:spMk id="13" creationId="{92544CF4-9B52-4A7B-A4B3-88C72729B77D}"/>
+          </ac:spMkLst>
+        </pc:spChg>
+        <pc:spChg chg="add del">
+          <ac:chgData name="Paul Friesenhahn" userId="f916021d3ee654ef" providerId="LiveId" clId="{A054F8ED-44B0-47B0-A9F5-3B26E21A02C2}" dt="2023-04-20T19:34:31.684" v="325" actId="26606"/>
+          <ac:spMkLst>
+            <pc:docMk/>
+            <pc:sldMk cId="3254109865" sldId="271"/>
+            <ac:spMk id="14" creationId="{53B021B3-DE93-4AB7-8A18-CF5F1CED88B8}"/>
+          </ac:spMkLst>
+        </pc:spChg>
+        <pc:spChg chg="add del">
+          <ac:chgData name="Paul Friesenhahn" userId="f916021d3ee654ef" providerId="LiveId" clId="{A054F8ED-44B0-47B0-A9F5-3B26E21A02C2}" dt="2023-04-20T19:34:16.288" v="321" actId="26606"/>
+          <ac:spMkLst>
+            <pc:docMk/>
+            <pc:sldMk cId="3254109865" sldId="271"/>
+            <ac:spMk id="15" creationId="{E75862C5-5C00-4421-BC7B-9B7B86DBC80D}"/>
+          </ac:spMkLst>
+        </pc:spChg>
+        <pc:spChg chg="add del">
+          <ac:chgData name="Paul Friesenhahn" userId="f916021d3ee654ef" providerId="LiveId" clId="{A054F8ED-44B0-47B0-A9F5-3B26E21A02C2}" dt="2023-04-20T19:34:31.684" v="325" actId="26606"/>
+          <ac:spMkLst>
+            <pc:docMk/>
+            <pc:sldMk cId="3254109865" sldId="271"/>
+            <ac:spMk id="16" creationId="{52D502E5-F6B4-4D58-B4AE-FC466FF15EE8}"/>
+          </ac:spMkLst>
+        </pc:spChg>
+        <pc:spChg chg="add del">
+          <ac:chgData name="Paul Friesenhahn" userId="f916021d3ee654ef" providerId="LiveId" clId="{A054F8ED-44B0-47B0-A9F5-3B26E21A02C2}" dt="2023-04-20T19:34:16.288" v="321" actId="26606"/>
+          <ac:spMkLst>
+            <pc:docMk/>
+            <pc:sldMk cId="3254109865" sldId="271"/>
+            <ac:spMk id="17" creationId="{089440EF-9BE9-4AE9-8C28-00B02296CDB6}"/>
+          </ac:spMkLst>
+        </pc:spChg>
+        <pc:spChg chg="add del">
+          <ac:chgData name="Paul Friesenhahn" userId="f916021d3ee654ef" providerId="LiveId" clId="{A054F8ED-44B0-47B0-A9F5-3B26E21A02C2}" dt="2023-04-20T19:34:31.684" v="325" actId="26606"/>
+          <ac:spMkLst>
+            <pc:docMk/>
+            <pc:sldMk cId="3254109865" sldId="271"/>
+            <ac:spMk id="18" creationId="{9DECDBF4-02B6-4BB4-B65B-B8107AD6A9E8}"/>
+          </ac:spMkLst>
+        </pc:spChg>
+        <pc:spChg chg="add del">
+          <ac:chgData name="Paul Friesenhahn" userId="f916021d3ee654ef" providerId="LiveId" clId="{A054F8ED-44B0-47B0-A9F5-3B26E21A02C2}" dt="2023-04-20T19:34:35.872" v="327" actId="26606"/>
+          <ac:spMkLst>
+            <pc:docMk/>
+            <pc:sldMk cId="3254109865" sldId="271"/>
+            <ac:spMk id="20" creationId="{7517A47C-B2E5-4B79-8061-D74B1311AF6E}"/>
+          </ac:spMkLst>
+        </pc:spChg>
+        <pc:spChg chg="add del">
+          <ac:chgData name="Paul Friesenhahn" userId="f916021d3ee654ef" providerId="LiveId" clId="{A054F8ED-44B0-47B0-A9F5-3B26E21A02C2}" dt="2023-04-20T19:34:35.872" v="327" actId="26606"/>
+          <ac:spMkLst>
+            <pc:docMk/>
+            <pc:sldMk cId="3254109865" sldId="271"/>
+            <ac:spMk id="21" creationId="{C505E780-2083-4CB5-A42A-5E0E2908ECC3}"/>
+          </ac:spMkLst>
+        </pc:spChg>
+        <pc:spChg chg="add del">
+          <ac:chgData name="Paul Friesenhahn" userId="f916021d3ee654ef" providerId="LiveId" clId="{A054F8ED-44B0-47B0-A9F5-3B26E21A02C2}" dt="2023-04-20T19:34:35.872" v="327" actId="26606"/>
+          <ac:spMkLst>
+            <pc:docMk/>
+            <pc:sldMk cId="3254109865" sldId="271"/>
+            <ac:spMk id="22" creationId="{D2C0AE1C-0118-41AE-8A10-7CDCBF10E96F}"/>
+          </ac:spMkLst>
+        </pc:spChg>
+        <pc:spChg chg="add del">
+          <ac:chgData name="Paul Friesenhahn" userId="f916021d3ee654ef" providerId="LiveId" clId="{A054F8ED-44B0-47B0-A9F5-3B26E21A02C2}" dt="2023-04-20T19:34:35.872" v="327" actId="26606"/>
+          <ac:spMkLst>
+            <pc:docMk/>
+            <pc:sldMk cId="3254109865" sldId="271"/>
+            <ac:spMk id="23" creationId="{463EEC44-1BA3-44ED-81FC-A644B04B2A44}"/>
+          </ac:spMkLst>
+        </pc:spChg>
+        <pc:grpChg chg="add mod">
+          <ac:chgData name="Paul Friesenhahn" userId="f916021d3ee654ef" providerId="LiveId" clId="{A054F8ED-44B0-47B0-A9F5-3B26E21A02C2}" dt="2023-04-20T20:24:46.170" v="803" actId="1037"/>
+          <ac:grpSpMkLst>
+            <pc:docMk/>
+            <pc:sldMk cId="3254109865" sldId="271"/>
+            <ac:grpSpMk id="3" creationId="{E37342F1-6BED-F7D6-40C0-47310936699F}"/>
+          </ac:grpSpMkLst>
+        </pc:grpChg>
+        <pc:grpChg chg="add del mod">
+          <ac:chgData name="Paul Friesenhahn" userId="f916021d3ee654ef" providerId="LiveId" clId="{A054F8ED-44B0-47B0-A9F5-3B26E21A02C2}" dt="2023-04-20T20:22:32.137" v="747" actId="478"/>
+          <ac:grpSpMkLst>
+            <pc:docMk/>
+            <pc:sldMk cId="3254109865" sldId="271"/>
+            <ac:grpSpMk id="4" creationId="{2CF5FAE4-F6A9-2A10-D3E4-ADE8A6879F66}"/>
+          </ac:grpSpMkLst>
+        </pc:grpChg>
+      </pc:sldChg>
+      <pc:sldChg chg="addSp delSp modSp mod setBg">
+        <pc:chgData name="Paul Friesenhahn" userId="f916021d3ee654ef" providerId="LiveId" clId="{A054F8ED-44B0-47B0-A9F5-3B26E21A02C2}" dt="2023-04-20T20:24:38.701" v="793" actId="1037"/>
+        <pc:sldMkLst>
+          <pc:docMk/>
+          <pc:sldMk cId="1990135704" sldId="272"/>
+        </pc:sldMkLst>
+        <pc:spChg chg="mod">
+          <ac:chgData name="Paul Friesenhahn" userId="f916021d3ee654ef" providerId="LiveId" clId="{A054F8ED-44B0-47B0-A9F5-3B26E21A02C2}" dt="2023-04-20T20:16:08.652" v="682" actId="255"/>
+          <ac:spMkLst>
+            <pc:docMk/>
+            <pc:sldMk cId="1990135704" sldId="272"/>
+            <ac:spMk id="2" creationId="{3A1F5E3C-0B3F-559A-F6CF-178459B64D73}"/>
+          </ac:spMkLst>
+        </pc:spChg>
+        <pc:spChg chg="mod">
+          <ac:chgData name="Paul Friesenhahn" userId="f916021d3ee654ef" providerId="LiveId" clId="{A054F8ED-44B0-47B0-A9F5-3B26E21A02C2}" dt="2023-04-20T17:24:26.554" v="146"/>
+          <ac:spMkLst>
+            <pc:docMk/>
+            <pc:sldMk cId="1990135704" sldId="272"/>
+            <ac:spMk id="4" creationId="{77F6F623-97F5-99F7-A9C9-682D3C967F01}"/>
+          </ac:spMkLst>
+        </pc:spChg>
+        <pc:spChg chg="mod">
+          <ac:chgData name="Paul Friesenhahn" userId="f916021d3ee654ef" providerId="LiveId" clId="{A054F8ED-44B0-47B0-A9F5-3B26E21A02C2}" dt="2023-04-20T17:24:26.554" v="146"/>
+          <ac:spMkLst>
+            <pc:docMk/>
+            <pc:sldMk cId="1990135704" sldId="272"/>
+            <ac:spMk id="5" creationId="{BE88198A-F728-C4E9-F1CE-02EE2B7F4921}"/>
+          </ac:spMkLst>
+        </pc:spChg>
+        <pc:spChg chg="mod">
+          <ac:chgData name="Paul Friesenhahn" userId="f916021d3ee654ef" providerId="LiveId" clId="{A054F8ED-44B0-47B0-A9F5-3B26E21A02C2}" dt="2023-04-20T20:15:21.453" v="669"/>
+          <ac:spMkLst>
+            <pc:docMk/>
+            <pc:sldMk cId="1990135704" sldId="272"/>
+            <ac:spMk id="9" creationId="{2A5AFB92-9FFA-ACB8-6574-E780C68716B5}"/>
+          </ac:spMkLst>
+        </pc:spChg>
+        <pc:spChg chg="mod">
+          <ac:chgData name="Paul Friesenhahn" userId="f916021d3ee654ef" providerId="LiveId" clId="{A054F8ED-44B0-47B0-A9F5-3B26E21A02C2}" dt="2023-04-20T20:15:21.453" v="669"/>
+          <ac:spMkLst>
+            <pc:docMk/>
+            <pc:sldMk cId="1990135704" sldId="272"/>
+            <ac:spMk id="11" creationId="{213BEE93-864F-27C1-8316-A760E116A73F}"/>
+          </ac:spMkLst>
+        </pc:spChg>
+        <pc:spChg chg="mod">
+          <ac:chgData name="Paul Friesenhahn" userId="f916021d3ee654ef" providerId="LiveId" clId="{A054F8ED-44B0-47B0-A9F5-3B26E21A02C2}" dt="2023-04-20T20:22:26.513" v="744"/>
+          <ac:spMkLst>
+            <pc:docMk/>
+            <pc:sldMk cId="1990135704" sldId="272"/>
+            <ac:spMk id="13" creationId="{742E4D22-C952-87CE-F4F1-9B0812E8E278}"/>
+          </ac:spMkLst>
+        </pc:spChg>
+        <pc:spChg chg="mod">
+          <ac:chgData name="Paul Friesenhahn" userId="f916021d3ee654ef" providerId="LiveId" clId="{A054F8ED-44B0-47B0-A9F5-3B26E21A02C2}" dt="2023-04-20T20:22:26.513" v="744"/>
+          <ac:spMkLst>
+            <pc:docMk/>
+            <pc:sldMk cId="1990135704" sldId="272"/>
+            <ac:spMk id="14" creationId="{7B1AEA27-6177-8A66-60DD-434067E33109}"/>
+          </ac:spMkLst>
+        </pc:spChg>
+        <pc:grpChg chg="add del mod">
+          <ac:chgData name="Paul Friesenhahn" userId="f916021d3ee654ef" providerId="LiveId" clId="{A054F8ED-44B0-47B0-A9F5-3B26E21A02C2}" dt="2023-04-20T17:28:57.974" v="165" actId="478"/>
+          <ac:grpSpMkLst>
+            <pc:docMk/>
+            <pc:sldMk cId="1990135704" sldId="272"/>
+            <ac:grpSpMk id="3" creationId="{37FAB891-E81D-CE59-E099-979323E54CFB}"/>
+          </ac:grpSpMkLst>
+        </pc:grpChg>
+        <pc:grpChg chg="add del mod">
+          <ac:chgData name="Paul Friesenhahn" userId="f916021d3ee654ef" providerId="LiveId" clId="{A054F8ED-44B0-47B0-A9F5-3B26E21A02C2}" dt="2023-04-20T20:22:26.262" v="743" actId="478"/>
+          <ac:grpSpMkLst>
+            <pc:docMk/>
+            <pc:sldMk cId="1990135704" sldId="272"/>
+            <ac:grpSpMk id="7" creationId="{03D27384-B1A4-03F8-7798-E80D3816BDA8}"/>
+          </ac:grpSpMkLst>
+        </pc:grpChg>
+        <pc:grpChg chg="add mod">
+          <ac:chgData name="Paul Friesenhahn" userId="f916021d3ee654ef" providerId="LiveId" clId="{A054F8ED-44B0-47B0-A9F5-3B26E21A02C2}" dt="2023-04-20T20:24:38.701" v="793" actId="1037"/>
+          <ac:grpSpMkLst>
+            <pc:docMk/>
+            <pc:sldMk cId="1990135704" sldId="272"/>
+            <ac:grpSpMk id="12" creationId="{101B327A-06C5-9E29-CD75-66B2E08073D8}"/>
+          </ac:grpSpMkLst>
+        </pc:grpChg>
+        <pc:picChg chg="add mod">
+          <ac:chgData name="Paul Friesenhahn" userId="f916021d3ee654ef" providerId="LiveId" clId="{A054F8ED-44B0-47B0-A9F5-3B26E21A02C2}" dt="2023-04-20T20:16:01.989" v="679" actId="208"/>
+          <ac:picMkLst>
+            <pc:docMk/>
+            <pc:sldMk cId="1990135704" sldId="272"/>
+            <ac:picMk id="4" creationId="{FC697D74-B25D-E615-50E7-358E3629995F}"/>
+          </ac:picMkLst>
+        </pc:picChg>
+        <pc:picChg chg="add mod">
+          <ac:chgData name="Paul Friesenhahn" userId="f916021d3ee654ef" providerId="LiveId" clId="{A054F8ED-44B0-47B0-A9F5-3B26E21A02C2}" dt="2023-04-20T20:16:01.989" v="679" actId="208"/>
+          <ac:picMkLst>
+            <pc:docMk/>
+            <pc:sldMk cId="1990135704" sldId="272"/>
+            <ac:picMk id="6" creationId="{6FD1DDB3-56DC-BFF3-ED65-6DC2A1CD4F6E}"/>
+          </ac:picMkLst>
+        </pc:picChg>
+        <pc:picChg chg="del mod">
+          <ac:chgData name="Paul Friesenhahn" userId="f916021d3ee654ef" providerId="LiveId" clId="{A054F8ED-44B0-47B0-A9F5-3B26E21A02C2}" dt="2023-04-20T20:09:05.345" v="614" actId="478"/>
+          <ac:picMkLst>
+            <pc:docMk/>
+            <pc:sldMk cId="1990135704" sldId="272"/>
+            <ac:picMk id="8" creationId="{319B96E3-A1BE-102B-8D3A-7F87E251E0AB}"/>
+          </ac:picMkLst>
+        </pc:picChg>
+        <pc:picChg chg="del mod">
+          <ac:chgData name="Paul Friesenhahn" userId="f916021d3ee654ef" providerId="LiveId" clId="{A054F8ED-44B0-47B0-A9F5-3B26E21A02C2}" dt="2023-04-20T20:09:17.561" v="617" actId="478"/>
+          <ac:picMkLst>
+            <pc:docMk/>
+            <pc:sldMk cId="1990135704" sldId="272"/>
+            <ac:picMk id="10" creationId="{29249E8B-8E35-E36B-FCE4-EA2BED2537FD}"/>
           </ac:picMkLst>
         </pc:picChg>
       </pc:sldChg>
@@ -600,7 +2421,7 @@
           <a:p>
             <a:fld id="{186C120C-5F30-49F4-9D5D-5CF6E6E16A02}" type="datetimeFigureOut">
               <a:rPr lang="en-US" smtClean="0"/>
-              <a:t>4/19/2023</a:t>
+              <a:t>4/20/2023</a:t>
             </a:fld>
             <a:endParaRPr lang="en-US"/>
           </a:p>
@@ -2054,7 +3875,7 @@
           <a:p>
             <a:fld id="{418062D4-BD81-47E8-8F35-E30EF70072D2}" type="datetimeFigureOut">
               <a:rPr lang="en-US" smtClean="0"/>
-              <a:t>4/19/2023</a:t>
+              <a:t>4/20/2023</a:t>
             </a:fld>
             <a:endParaRPr lang="en-US"/>
           </a:p>
@@ -2252,7 +4073,7 @@
           <a:p>
             <a:fld id="{418062D4-BD81-47E8-8F35-E30EF70072D2}" type="datetimeFigureOut">
               <a:rPr lang="en-US" smtClean="0"/>
-              <a:t>4/19/2023</a:t>
+              <a:t>4/20/2023</a:t>
             </a:fld>
             <a:endParaRPr lang="en-US"/>
           </a:p>
@@ -2460,7 +4281,7 @@
           <a:p>
             <a:fld id="{418062D4-BD81-47E8-8F35-E30EF70072D2}" type="datetimeFigureOut">
               <a:rPr lang="en-US" smtClean="0"/>
-              <a:t>4/19/2023</a:t>
+              <a:t>4/20/2023</a:t>
             </a:fld>
             <a:endParaRPr lang="en-US"/>
           </a:p>
@@ -2658,7 +4479,7 @@
           <a:p>
             <a:fld id="{418062D4-BD81-47E8-8F35-E30EF70072D2}" type="datetimeFigureOut">
               <a:rPr lang="en-US" smtClean="0"/>
-              <a:t>4/19/2023</a:t>
+              <a:t>4/20/2023</a:t>
             </a:fld>
             <a:endParaRPr lang="en-US"/>
           </a:p>
@@ -2933,7 +4754,7 @@
           <a:p>
             <a:fld id="{418062D4-BD81-47E8-8F35-E30EF70072D2}" type="datetimeFigureOut">
               <a:rPr lang="en-US" smtClean="0"/>
-              <a:t>4/19/2023</a:t>
+              <a:t>4/20/2023</a:t>
             </a:fld>
             <a:endParaRPr lang="en-US"/>
           </a:p>
@@ -3198,7 +5019,7 @@
           <a:p>
             <a:fld id="{418062D4-BD81-47E8-8F35-E30EF70072D2}" type="datetimeFigureOut">
               <a:rPr lang="en-US" smtClean="0"/>
-              <a:t>4/19/2023</a:t>
+              <a:t>4/20/2023</a:t>
             </a:fld>
             <a:endParaRPr lang="en-US"/>
           </a:p>
@@ -3610,7 +5431,7 @@
           <a:p>
             <a:fld id="{418062D4-BD81-47E8-8F35-E30EF70072D2}" type="datetimeFigureOut">
               <a:rPr lang="en-US" smtClean="0"/>
-              <a:t>4/19/2023</a:t>
+              <a:t>4/20/2023</a:t>
             </a:fld>
             <a:endParaRPr lang="en-US"/>
           </a:p>
@@ -3751,7 +5572,7 @@
           <a:p>
             <a:fld id="{418062D4-BD81-47E8-8F35-E30EF70072D2}" type="datetimeFigureOut">
               <a:rPr lang="en-US" smtClean="0"/>
-              <a:t>4/19/2023</a:t>
+              <a:t>4/20/2023</a:t>
             </a:fld>
             <a:endParaRPr lang="en-US"/>
           </a:p>
@@ -3864,7 +5685,7 @@
           <a:p>
             <a:fld id="{418062D4-BD81-47E8-8F35-E30EF70072D2}" type="datetimeFigureOut">
               <a:rPr lang="en-US" smtClean="0"/>
-              <a:t>4/19/2023</a:t>
+              <a:t>4/20/2023</a:t>
             </a:fld>
             <a:endParaRPr lang="en-US"/>
           </a:p>
@@ -4175,7 +5996,7 @@
           <a:p>
             <a:fld id="{418062D4-BD81-47E8-8F35-E30EF70072D2}" type="datetimeFigureOut">
               <a:rPr lang="en-US" smtClean="0"/>
-              <a:t>4/19/2023</a:t>
+              <a:t>4/20/2023</a:t>
             </a:fld>
             <a:endParaRPr lang="en-US"/>
           </a:p>
@@ -4463,7 +6284,7 @@
           <a:p>
             <a:fld id="{418062D4-BD81-47E8-8F35-E30EF70072D2}" type="datetimeFigureOut">
               <a:rPr lang="en-US" smtClean="0"/>
-              <a:t>4/19/2023</a:t>
+              <a:t>4/20/2023</a:t>
             </a:fld>
             <a:endParaRPr lang="en-US"/>
           </a:p>
@@ -4704,7 +6525,7 @@
           <a:p>
             <a:fld id="{418062D4-BD81-47E8-8F35-E30EF70072D2}" type="datetimeFigureOut">
               <a:rPr lang="en-US" smtClean="0"/>
-              <a:t>4/19/2023</a:t>
+              <a:t>4/20/2023</a:t>
             </a:fld>
             <a:endParaRPr lang="en-US"/>
           </a:p>
@@ -5107,6 +6928,14 @@
 <file path=ppt/slides/slide1.xml><?xml version="1.0" encoding="utf-8"?>
 <p:sld xmlns:a="http://schemas.openxmlformats.org/drawingml/2006/main" xmlns:r="http://schemas.openxmlformats.org/officeDocument/2006/relationships" xmlns:p="http://schemas.openxmlformats.org/presentationml/2006/main">
   <p:cSld>
+    <p:bg>
+      <p:bgPr>
+        <a:solidFill>
+          <a:srgbClr val="F2F2F2"/>
+        </a:solidFill>
+        <a:effectLst/>
+      </p:bgPr>
+    </p:bg>
     <p:spTree>
       <p:nvGrpSpPr>
         <p:cNvPr id="1" name=""/>
@@ -5121,6 +6950,352 @@
           <a:chExt cx="0" cy="0"/>
         </a:xfrm>
       </p:grpSpPr>
+      <p:sp useBgFill="1">
+        <p:nvSpPr>
+          <p:cNvPr id="45" name="Rectangle 39">
+            <a:extLst>
+              <a:ext uri="{FF2B5EF4-FFF2-40B4-BE49-F238E27FC236}">
+                <a16:creationId xmlns:a16="http://schemas.microsoft.com/office/drawing/2014/main" id="{F94AA2BD-2E3F-4B1D-8127-5744B8115311}"/>
+              </a:ext>
+              <a:ext uri="{C183D7F6-B498-43B3-948B-1728B52AA6E4}">
+                <adec:decorative xmlns:adec="http://schemas.microsoft.com/office/drawing/2017/decorative" val="1"/>
+              </a:ext>
+            </a:extLst>
+          </p:cNvPr>
+          <p:cNvSpPr>
+            <a:spLocks noGrp="1" noRot="1" noChangeAspect="1" noMove="1" noResize="1" noEditPoints="1" noAdjustHandles="1" noChangeArrowheads="1" noChangeShapeType="1" noTextEdit="1"/>
+          </p:cNvSpPr>
+          <p:nvPr>
+            <p:extLst>
+              <p:ext uri="{386F3935-93C4-4BCD-93E2-E3B085C9AB24}">
+                <p16:designElem xmlns:p16="http://schemas.microsoft.com/office/powerpoint/2015/main" val="1"/>
+              </p:ext>
+            </p:extLst>
+          </p:nvPr>
+        </p:nvSpPr>
+        <p:spPr>
+          <a:xfrm>
+            <a:off x="0" y="0"/>
+            <a:ext cx="12192000" cy="6858000"/>
+          </a:xfrm>
+          <a:prstGeom prst="rect">
+            <a:avLst/>
+          </a:prstGeom>
+          <a:ln>
+            <a:noFill/>
+          </a:ln>
+        </p:spPr>
+        <p:style>
+          <a:lnRef idx="2">
+            <a:schemeClr val="accent1">
+              <a:shade val="50000"/>
+            </a:schemeClr>
+          </a:lnRef>
+          <a:fillRef idx="1">
+            <a:schemeClr val="accent1"/>
+          </a:fillRef>
+          <a:effectRef idx="0">
+            <a:schemeClr val="accent1"/>
+          </a:effectRef>
+          <a:fontRef idx="minor">
+            <a:schemeClr val="lt1"/>
+          </a:fontRef>
+        </p:style>
+        <p:txBody>
+          <a:bodyPr rtlCol="0" anchor="ctr"/>
+          <a:lstStyle/>
+          <a:p>
+            <a:pPr algn="ctr"/>
+            <a:endParaRPr lang="en-US"/>
+          </a:p>
+        </p:txBody>
+      </p:sp>
+      <p:sp>
+        <p:nvSpPr>
+          <p:cNvPr id="2" name="Title 1">
+            <a:extLst>
+              <a:ext uri="{FF2B5EF4-FFF2-40B4-BE49-F238E27FC236}">
+                <a16:creationId xmlns:a16="http://schemas.microsoft.com/office/drawing/2014/main" id="{47EA9349-0F3A-D8FA-053E-242FA41B93C0}"/>
+              </a:ext>
+            </a:extLst>
+          </p:cNvPr>
+          <p:cNvSpPr>
+            <a:spLocks noGrp="1"/>
+          </p:cNvSpPr>
+          <p:nvPr>
+            <p:ph type="ctrTitle"/>
+          </p:nvPr>
+        </p:nvSpPr>
+        <p:spPr>
+          <a:xfrm>
+            <a:off x="411480" y="778347"/>
+            <a:ext cx="4657477" cy="1489364"/>
+          </a:xfrm>
+        </p:spPr>
+        <p:txBody>
+          <a:bodyPr vert="horz" lIns="91440" tIns="45720" rIns="91440" bIns="45720" rtlCol="0" anchor="b">
+            <a:noAutofit/>
+          </a:bodyPr>
+          <a:lstStyle/>
+          <a:p>
+            <a:pPr algn="l"/>
+            <a:r>
+              <a:rPr lang="en-US" sz="2800" b="1" dirty="0">
+                <a:latin typeface="Quire Sans Light" panose="020B0302040400020003" pitchFamily="34" charset="0"/>
+                <a:cs typeface="Quire Sans" panose="020B0502040400020003" pitchFamily="34" charset="0"/>
+              </a:rPr>
+              <a:t>WHAT ARE THE BIGGEST FACTORS AFFECTING SLEEP </a:t>
+            </a:r>
+            <a:br>
+              <a:rPr lang="en-US" sz="2800" b="1" dirty="0">
+                <a:latin typeface="Quire Sans Light" panose="020B0302040400020003" pitchFamily="34" charset="0"/>
+                <a:cs typeface="Quire Sans" panose="020B0502040400020003" pitchFamily="34" charset="0"/>
+              </a:rPr>
+            </a:br>
+            <a:r>
+              <a:rPr lang="en-US" sz="2800" b="1" dirty="0">
+                <a:latin typeface="Quire Sans Light" panose="020B0302040400020003" pitchFamily="34" charset="0"/>
+                <a:cs typeface="Quire Sans" panose="020B0502040400020003" pitchFamily="34" charset="0"/>
+              </a:rPr>
+              <a:t>IN ADULTS?</a:t>
+            </a:r>
+          </a:p>
+        </p:txBody>
+      </p:sp>
+      <p:sp>
+        <p:nvSpPr>
+          <p:cNvPr id="46" name="Rectangle 41">
+            <a:extLst>
+              <a:ext uri="{FF2B5EF4-FFF2-40B4-BE49-F238E27FC236}">
+                <a16:creationId xmlns:a16="http://schemas.microsoft.com/office/drawing/2014/main" id="{4BD02261-2DC8-4AA8-9E16-7751AE892445}"/>
+              </a:ext>
+              <a:ext uri="{C183D7F6-B498-43B3-948B-1728B52AA6E4}">
+                <adec:decorative xmlns:adec="http://schemas.microsoft.com/office/drawing/2017/decorative" val="1"/>
+              </a:ext>
+            </a:extLst>
+          </p:cNvPr>
+          <p:cNvSpPr>
+            <a:spLocks noGrp="1" noRot="1" noChangeAspect="1" noMove="1" noResize="1" noEditPoints="1" noAdjustHandles="1" noChangeArrowheads="1" noChangeShapeType="1" noTextEdit="1"/>
+          </p:cNvSpPr>
+          <p:nvPr>
+            <p:extLst>
+              <p:ext uri="{386F3935-93C4-4BCD-93E2-E3B085C9AB24}">
+                <p16:designElem xmlns:p16="http://schemas.microsoft.com/office/powerpoint/2015/main" val="1"/>
+              </p:ext>
+            </p:extLst>
+          </p:nvPr>
+        </p:nvSpPr>
+        <p:spPr>
+          <a:xfrm rot="5400000">
+            <a:off x="649223" y="387939"/>
+            <a:ext cx="73152" cy="548640"/>
+          </a:xfrm>
+          <a:prstGeom prst="rect">
+            <a:avLst/>
+          </a:prstGeom>
+          <a:solidFill>
+            <a:schemeClr val="accent2"/>
+          </a:solidFill>
+          <a:ln>
+            <a:noFill/>
+          </a:ln>
+        </p:spPr>
+        <p:style>
+          <a:lnRef idx="2">
+            <a:schemeClr val="accent1">
+              <a:shade val="50000"/>
+            </a:schemeClr>
+          </a:lnRef>
+          <a:fillRef idx="1">
+            <a:schemeClr val="accent1"/>
+          </a:fillRef>
+          <a:effectRef idx="0">
+            <a:schemeClr val="accent1"/>
+          </a:effectRef>
+          <a:fontRef idx="minor">
+            <a:schemeClr val="lt1"/>
+          </a:fontRef>
+        </p:style>
+        <p:txBody>
+          <a:bodyPr rtlCol="0" anchor="ctr"/>
+          <a:lstStyle/>
+          <a:p>
+            <a:pPr algn="ctr"/>
+            <a:endParaRPr lang="en-US">
+              <a:solidFill>
+                <a:prstClr val="white"/>
+              </a:solidFill>
+              <a:latin typeface="Calibri" panose="020F0502020204030204"/>
+            </a:endParaRPr>
+          </a:p>
+        </p:txBody>
+      </p:sp>
+      <p:sp>
+        <p:nvSpPr>
+          <p:cNvPr id="44" name="Rectangle 43">
+            <a:extLst>
+              <a:ext uri="{FF2B5EF4-FFF2-40B4-BE49-F238E27FC236}">
+                <a16:creationId xmlns:a16="http://schemas.microsoft.com/office/drawing/2014/main" id="{3D752CF2-2291-40B5-B462-C17B174C10BC}"/>
+              </a:ext>
+              <a:ext uri="{C183D7F6-B498-43B3-948B-1728B52AA6E4}">
+                <adec:decorative xmlns:adec="http://schemas.microsoft.com/office/drawing/2017/decorative" val="1"/>
+              </a:ext>
+            </a:extLst>
+          </p:cNvPr>
+          <p:cNvSpPr>
+            <a:spLocks noGrp="1" noRot="1" noChangeAspect="1" noMove="1" noResize="1" noEditPoints="1" noAdjustHandles="1" noChangeArrowheads="1" noChangeShapeType="1" noTextEdit="1"/>
+          </p:cNvSpPr>
+          <p:nvPr>
+            <p:extLst>
+              <p:ext uri="{386F3935-93C4-4BCD-93E2-E3B085C9AB24}">
+                <p16:designElem xmlns:p16="http://schemas.microsoft.com/office/powerpoint/2015/main" val="1"/>
+              </p:ext>
+            </p:extLst>
+          </p:nvPr>
+        </p:nvSpPr>
+        <p:spPr>
+          <a:xfrm>
+            <a:off x="411480" y="2286000"/>
+            <a:ext cx="4389120" cy="18288"/>
+          </a:xfrm>
+          <a:prstGeom prst="rect">
+            <a:avLst/>
+          </a:prstGeom>
+          <a:solidFill>
+            <a:srgbClr val="D5D5D5"/>
+          </a:solidFill>
+          <a:ln w="3175">
+            <a:noFill/>
+          </a:ln>
+          <a:effectLst/>
+        </p:spPr>
+        <p:style>
+          <a:lnRef idx="2">
+            <a:schemeClr val="accent1">
+              <a:shade val="50000"/>
+            </a:schemeClr>
+          </a:lnRef>
+          <a:fillRef idx="1">
+            <a:schemeClr val="accent1"/>
+          </a:fillRef>
+          <a:effectRef idx="0">
+            <a:schemeClr val="accent1"/>
+          </a:effectRef>
+          <a:fontRef idx="minor">
+            <a:schemeClr val="lt1"/>
+          </a:fontRef>
+        </p:style>
+        <p:txBody>
+          <a:bodyPr rtlCol="0" anchor="ctr"/>
+          <a:lstStyle/>
+          <a:p>
+            <a:pPr algn="ctr"/>
+            <a:endParaRPr lang="en-US">
+              <a:solidFill>
+                <a:prstClr val="white"/>
+              </a:solidFill>
+              <a:latin typeface="Calibri" panose="020F0502020204030204"/>
+            </a:endParaRPr>
+          </a:p>
+        </p:txBody>
+      </p:sp>
+      <p:sp>
+        <p:nvSpPr>
+          <p:cNvPr id="3" name="Subtitle 2">
+            <a:extLst>
+              <a:ext uri="{FF2B5EF4-FFF2-40B4-BE49-F238E27FC236}">
+                <a16:creationId xmlns:a16="http://schemas.microsoft.com/office/drawing/2014/main" id="{7C8AA5BB-729F-A09C-204C-05710EF325D7}"/>
+              </a:ext>
+            </a:extLst>
+          </p:cNvPr>
+          <p:cNvSpPr>
+            <a:spLocks noGrp="1"/>
+          </p:cNvSpPr>
+          <p:nvPr>
+            <p:ph type="subTitle" idx="1"/>
+          </p:nvPr>
+        </p:nvSpPr>
+        <p:spPr>
+          <a:xfrm>
+            <a:off x="411479" y="2688336"/>
+            <a:ext cx="4498848" cy="3584448"/>
+          </a:xfrm>
+        </p:spPr>
+        <p:txBody>
+          <a:bodyPr vert="horz" lIns="91440" tIns="45720" rIns="91440" bIns="45720" rtlCol="0" anchor="t">
+            <a:normAutofit/>
+          </a:bodyPr>
+          <a:lstStyle/>
+          <a:p>
+            <a:pPr algn="l"/>
+            <a:r>
+              <a:rPr lang="en-US" sz="1400" dirty="0">
+                <a:latin typeface="Quire Sans" panose="020B0502040400020003" pitchFamily="34" charset="0"/>
+                <a:ea typeface="Dotum" panose="020B0503020000020004" pitchFamily="34" charset="-127"/>
+                <a:cs typeface="Quire Sans" panose="020B0502040400020003" pitchFamily="34" charset="0"/>
+              </a:rPr>
+              <a:t>Charles </a:t>
+            </a:r>
+            <a:r>
+              <a:rPr lang="en-US" sz="1400" dirty="0" err="1">
+                <a:latin typeface="Quire Sans" panose="020B0502040400020003" pitchFamily="34" charset="0"/>
+                <a:ea typeface="Dotum" panose="020B0503020000020004" pitchFamily="34" charset="-127"/>
+                <a:cs typeface="Quire Sans" panose="020B0502040400020003" pitchFamily="34" charset="0"/>
+              </a:rPr>
+              <a:t>Sisemseghan</a:t>
+            </a:r>
+            <a:endParaRPr lang="en-US" sz="1400" dirty="0">
+              <a:latin typeface="Quire Sans" panose="020B0502040400020003" pitchFamily="34" charset="0"/>
+              <a:ea typeface="Dotum" panose="020B0503020000020004" pitchFamily="34" charset="-127"/>
+              <a:cs typeface="Quire Sans" panose="020B0502040400020003" pitchFamily="34" charset="0"/>
+            </a:endParaRPr>
+          </a:p>
+          <a:p>
+            <a:pPr algn="l"/>
+            <a:r>
+              <a:rPr lang="en-US" sz="1400" dirty="0">
+                <a:latin typeface="Quire Sans" panose="020B0502040400020003" pitchFamily="34" charset="0"/>
+                <a:ea typeface="Dotum" panose="020B0503020000020004" pitchFamily="34" charset="-127"/>
+                <a:cs typeface="Quire Sans" panose="020B0502040400020003" pitchFamily="34" charset="0"/>
+              </a:rPr>
+              <a:t>Edgar A. Guevara</a:t>
+            </a:r>
+          </a:p>
+          <a:p>
+            <a:pPr algn="l"/>
+            <a:r>
+              <a:rPr lang="en-US" sz="1400" dirty="0">
+                <a:latin typeface="Quire Sans" panose="020B0502040400020003" pitchFamily="34" charset="0"/>
+                <a:ea typeface="Dotum" panose="020B0503020000020004" pitchFamily="34" charset="-127"/>
+                <a:cs typeface="Quire Sans" panose="020B0502040400020003" pitchFamily="34" charset="0"/>
+              </a:rPr>
+              <a:t>Jenny Friesenhahn</a:t>
+            </a:r>
+          </a:p>
+          <a:p>
+            <a:pPr algn="l"/>
+            <a:r>
+              <a:rPr lang="en-US" sz="1400" dirty="0">
+                <a:latin typeface="Quire Sans" panose="020B0502040400020003" pitchFamily="34" charset="0"/>
+                <a:ea typeface="Dotum" panose="020B0503020000020004" pitchFamily="34" charset="-127"/>
+                <a:cs typeface="Quire Sans" panose="020B0502040400020003" pitchFamily="34" charset="0"/>
+              </a:rPr>
+              <a:t>Kanwal Iftikhar</a:t>
+            </a:r>
+          </a:p>
+          <a:p>
+            <a:pPr algn="l"/>
+            <a:r>
+              <a:rPr lang="en-US" sz="1400" dirty="0">
+                <a:latin typeface="Quire Sans" panose="020B0502040400020003" pitchFamily="34" charset="0"/>
+                <a:ea typeface="Dotum" panose="020B0503020000020004" pitchFamily="34" charset="-127"/>
+                <a:cs typeface="Quire Sans" panose="020B0502040400020003" pitchFamily="34" charset="0"/>
+              </a:rPr>
+              <a:t>Pankaj Sethi</a:t>
+            </a:r>
+          </a:p>
+        </p:txBody>
+      </p:sp>
       <p:pic>
         <p:nvPicPr>
           <p:cNvPr id="5" name="Picture 4">
@@ -5137,141 +7312,61 @@
         </p:nvPicPr>
         <p:blipFill rotWithShape="1">
           <a:blip r:embed="rId3"/>
-          <a:srcRect l="10888"/>
+          <a:srcRect l="24111" r="5122"/>
           <a:stretch/>
         </p:blipFill>
         <p:spPr>
           <a:xfrm>
-            <a:off x="3523488" y="5986"/>
-            <a:ext cx="8668512" cy="6857990"/>
+            <a:off x="5308052" y="10"/>
+            <a:ext cx="6883948" cy="6857990"/>
           </a:xfrm>
-          <a:prstGeom prst="rect">
+          <a:custGeom>
             <a:avLst/>
-          </a:prstGeom>
+            <a:gdLst/>
+            <a:ahLst/>
+            <a:cxnLst/>
+            <a:rect l="l" t="t" r="r" b="b"/>
+            <a:pathLst>
+              <a:path w="6883948" h="6858000">
+                <a:moveTo>
+                  <a:pt x="365648" y="0"/>
+                </a:moveTo>
+                <a:lnTo>
+                  <a:pt x="6883948" y="0"/>
+                </a:lnTo>
+                <a:lnTo>
+                  <a:pt x="6883948" y="6858000"/>
+                </a:lnTo>
+                <a:lnTo>
+                  <a:pt x="365648" y="6858000"/>
+                </a:lnTo>
+                <a:lnTo>
+                  <a:pt x="360213" y="6835050"/>
+                </a:lnTo>
+                <a:cubicBezTo>
+                  <a:pt x="128263" y="5788167"/>
+                  <a:pt x="0" y="4637179"/>
+                  <a:pt x="0" y="3429001"/>
+                </a:cubicBezTo>
+                <a:cubicBezTo>
+                  <a:pt x="0" y="2220824"/>
+                  <a:pt x="128263" y="1069835"/>
+                  <a:pt x="360213" y="22952"/>
+                </a:cubicBezTo>
+                <a:close/>
+              </a:path>
+            </a:pathLst>
+          </a:custGeom>
+          <a:effectLst>
+            <a:outerShdw blurRad="50800" dist="38100" dir="10800000" algn="r" rotWithShape="0">
+              <a:schemeClr val="bg1">
+                <a:lumMod val="85000"/>
+                <a:alpha val="30000"/>
+              </a:schemeClr>
+            </a:outerShdw>
+          </a:effectLst>
         </p:spPr>
       </p:pic>
-      <p:sp>
-        <p:nvSpPr>
-          <p:cNvPr id="2" name="Title 1">
-            <a:extLst>
-              <a:ext uri="{FF2B5EF4-FFF2-40B4-BE49-F238E27FC236}">
-                <a16:creationId xmlns:a16="http://schemas.microsoft.com/office/drawing/2014/main" id="{47EA9349-0F3A-D8FA-053E-242FA41B93C0}"/>
-              </a:ext>
-            </a:extLst>
-          </p:cNvPr>
-          <p:cNvSpPr>
-            <a:spLocks noGrp="1"/>
-          </p:cNvSpPr>
-          <p:nvPr>
-            <p:ph type="ctrTitle"/>
-          </p:nvPr>
-        </p:nvSpPr>
-        <p:spPr>
-          <a:xfrm>
-            <a:off x="477980" y="558945"/>
-            <a:ext cx="4023360" cy="3204134"/>
-          </a:xfrm>
-        </p:spPr>
-        <p:txBody>
-          <a:bodyPr anchor="b">
-            <a:normAutofit/>
-          </a:bodyPr>
-          <a:lstStyle/>
-          <a:p>
-            <a:pPr algn="l"/>
-            <a:r>
-              <a:rPr lang="en-US" sz="4800" dirty="0"/>
-              <a:t>What are the biggest factors affecting sleep in adults?</a:t>
-            </a:r>
-          </a:p>
-        </p:txBody>
-      </p:sp>
-      <p:sp>
-        <p:nvSpPr>
-          <p:cNvPr id="3" name="Subtitle 2">
-            <a:extLst>
-              <a:ext uri="{FF2B5EF4-FFF2-40B4-BE49-F238E27FC236}">
-                <a16:creationId xmlns:a16="http://schemas.microsoft.com/office/drawing/2014/main" id="{7C8AA5BB-729F-A09C-204C-05710EF325D7}"/>
-              </a:ext>
-            </a:extLst>
-          </p:cNvPr>
-          <p:cNvSpPr>
-            <a:spLocks noGrp="1"/>
-          </p:cNvSpPr>
-          <p:nvPr>
-            <p:ph type="subTitle" idx="1"/>
-          </p:nvPr>
-        </p:nvSpPr>
-        <p:spPr>
-          <a:xfrm>
-            <a:off x="477980" y="4872922"/>
-            <a:ext cx="4023359" cy="1727903"/>
-          </a:xfrm>
-        </p:spPr>
-        <p:txBody>
-          <a:bodyPr>
-            <a:normAutofit fontScale="70000" lnSpcReduction="20000"/>
-          </a:bodyPr>
-          <a:lstStyle/>
-          <a:p>
-            <a:pPr algn="l"/>
-            <a:r>
-              <a:rPr lang="en-US" sz="2000" dirty="0"/>
-              <a:t>Group 5 :</a:t>
-            </a:r>
-          </a:p>
-          <a:p>
-            <a:pPr algn="l"/>
-            <a:r>
-              <a:rPr lang="en-US" sz="2000" dirty="0"/>
-              <a:t>Charles </a:t>
-            </a:r>
-            <a:r>
-              <a:rPr lang="en-US" sz="2000" dirty="0" err="1"/>
-              <a:t>Sisemseghan</a:t>
-            </a:r>
-            <a:endParaRPr lang="en-US" sz="2000" dirty="0"/>
-          </a:p>
-          <a:p>
-            <a:pPr algn="l"/>
-            <a:r>
-              <a:rPr lang="en-US" sz="2000" dirty="0"/>
-              <a:t>Edgar </a:t>
-            </a:r>
-            <a:r>
-              <a:rPr lang="en-US" sz="2000" dirty="0" err="1"/>
-              <a:t>A.Guevara</a:t>
-            </a:r>
-            <a:endParaRPr lang="en-US" sz="2000" dirty="0"/>
-          </a:p>
-          <a:p>
-            <a:pPr algn="l"/>
-            <a:r>
-              <a:rPr lang="en-US" sz="2000" dirty="0"/>
-              <a:t>Jenny </a:t>
-            </a:r>
-            <a:r>
-              <a:rPr lang="en-US" sz="2000" dirty="0" err="1"/>
-              <a:t>Friesenhahn</a:t>
-            </a:r>
-            <a:endParaRPr lang="en-US" sz="2000" dirty="0"/>
-          </a:p>
-          <a:p>
-            <a:pPr algn="l"/>
-            <a:r>
-              <a:rPr lang="en-US" sz="2000" dirty="0"/>
-              <a:t>Kanwal Iftikhar</a:t>
-            </a:r>
-          </a:p>
-          <a:p>
-            <a:pPr algn="l"/>
-            <a:r>
-              <a:rPr lang="en-US" sz="2000" dirty="0"/>
-              <a:t>Pankaj Sethi</a:t>
-            </a:r>
-          </a:p>
-        </p:txBody>
-      </p:sp>
     </p:spTree>
     <p:extLst>
       <p:ext uri="{BB962C8B-B14F-4D97-AF65-F5344CB8AC3E}">
@@ -5288,6 +7383,14 @@
 <file path=ppt/slides/slide10.xml><?xml version="1.0" encoding="utf-8"?>
 <p:sld xmlns:a="http://schemas.openxmlformats.org/drawingml/2006/main" xmlns:r="http://schemas.openxmlformats.org/officeDocument/2006/relationships" xmlns:p="http://schemas.openxmlformats.org/presentationml/2006/main">
   <p:cSld>
+    <p:bg>
+      <p:bgPr>
+        <a:solidFill>
+          <a:srgbClr val="F2F2F2"/>
+        </a:solidFill>
+        <a:effectLst/>
+      </p:bgPr>
+    </p:bg>
     <p:spTree>
       <p:nvGrpSpPr>
         <p:cNvPr id="1" name=""/>
@@ -5320,31 +7423,33 @@
         </p:nvSpPr>
         <p:spPr/>
         <p:txBody>
-          <a:bodyPr/>
+          <a:bodyPr>
+            <a:normAutofit/>
+          </a:bodyPr>
           <a:lstStyle/>
           <a:p>
             <a:r>
-              <a:rPr lang="en-US" dirty="0"/>
-              <a:t>Does exercising affect sleep?</a:t>
+              <a:rPr lang="en-US" sz="3600" b="1" dirty="0">
+                <a:latin typeface="Quire Sans Light" panose="020B0302040400020003" pitchFamily="34" charset="0"/>
+              </a:rPr>
+              <a:t>DOES EXERCISING AFFECT SLEEP?</a:t>
             </a:r>
           </a:p>
         </p:txBody>
       </p:sp>
       <p:pic>
         <p:nvPicPr>
-          <p:cNvPr id="5" name="Content Placeholder 4">
+          <p:cNvPr id="4" name="Picture 3">
             <a:extLst>
               <a:ext uri="{FF2B5EF4-FFF2-40B4-BE49-F238E27FC236}">
-                <a16:creationId xmlns:a16="http://schemas.microsoft.com/office/drawing/2014/main" id="{C210476A-F72A-3409-BA32-306D590E89AE}"/>
+                <a16:creationId xmlns:a16="http://schemas.microsoft.com/office/drawing/2014/main" id="{FC697D74-B25D-E615-50E7-358E3629995F}"/>
               </a:ext>
             </a:extLst>
           </p:cNvPr>
           <p:cNvPicPr>
-            <a:picLocks noGrp="1" noChangeAspect="1"/>
+            <a:picLocks noChangeAspect="1"/>
           </p:cNvPicPr>
-          <p:nvPr>
-            <p:ph idx="1"/>
-          </p:nvPr>
+          <p:nvPr/>
         </p:nvPicPr>
         <p:blipFill>
           <a:blip r:embed="rId3"/>
@@ -5354,17 +7459,25 @@
         </p:blipFill>
         <p:spPr>
           <a:xfrm>
-            <a:off x="644091" y="2089800"/>
-            <a:ext cx="5343525" cy="3933825"/>
+            <a:off x="381510" y="1661504"/>
+            <a:ext cx="5534025" cy="4314825"/>
           </a:xfrm>
+          <a:prstGeom prst="rect">
+            <a:avLst/>
+          </a:prstGeom>
+          <a:ln>
+            <a:solidFill>
+              <a:schemeClr val="tx1"/>
+            </a:solidFill>
+          </a:ln>
         </p:spPr>
       </p:pic>
       <p:pic>
         <p:nvPicPr>
-          <p:cNvPr id="7" name="Picture 6">
+          <p:cNvPr id="6" name="Picture 5">
             <a:extLst>
               <a:ext uri="{FF2B5EF4-FFF2-40B4-BE49-F238E27FC236}">
-                <a16:creationId xmlns:a16="http://schemas.microsoft.com/office/drawing/2014/main" id="{B66B376E-6A5D-B671-7B61-A8EC1F57FA4F}"/>
+                <a16:creationId xmlns:a16="http://schemas.microsoft.com/office/drawing/2014/main" id="{6FD1DDB3-56DC-BFF3-ED65-6DC2A1CD4F6E}"/>
               </a:ext>
             </a:extLst>
           </p:cNvPr>
@@ -5381,14 +7494,145 @@
         </p:blipFill>
         <p:spPr>
           <a:xfrm>
-            <a:off x="6204386" y="2075804"/>
-            <a:ext cx="5267325" cy="3933825"/>
+            <a:off x="6372225" y="1690687"/>
+            <a:ext cx="5448300" cy="4314825"/>
           </a:xfrm>
           <a:prstGeom prst="rect">
             <a:avLst/>
           </a:prstGeom>
+          <a:ln>
+            <a:solidFill>
+              <a:schemeClr val="tx1"/>
+            </a:solidFill>
+          </a:ln>
         </p:spPr>
       </p:pic>
+      <p:grpSp>
+        <p:nvGrpSpPr>
+          <p:cNvPr id="12" name="Group 11">
+            <a:extLst>
+              <a:ext uri="{FF2B5EF4-FFF2-40B4-BE49-F238E27FC236}">
+                <a16:creationId xmlns:a16="http://schemas.microsoft.com/office/drawing/2014/main" id="{101B327A-06C5-9E29-CD75-66B2E08073D8}"/>
+              </a:ext>
+            </a:extLst>
+          </p:cNvPr>
+          <p:cNvGrpSpPr/>
+          <p:nvPr/>
+        </p:nvGrpSpPr>
+        <p:grpSpPr>
+          <a:xfrm rot="10800000">
+            <a:off x="487087" y="443428"/>
+            <a:ext cx="2358744" cy="104649"/>
+            <a:chOff x="8918921" y="933480"/>
+            <a:chExt cx="2358744" cy="104649"/>
+          </a:xfrm>
+          <a:solidFill>
+            <a:srgbClr val="ED7D31"/>
+          </a:solidFill>
+        </p:grpSpPr>
+        <p:sp>
+          <p:nvSpPr>
+            <p:cNvPr id="13" name="Rectangle: Rounded Corners 12">
+              <a:extLst>
+                <a:ext uri="{FF2B5EF4-FFF2-40B4-BE49-F238E27FC236}">
+                  <a16:creationId xmlns:a16="http://schemas.microsoft.com/office/drawing/2014/main" id="{742E4D22-C952-87CE-F4F1-9B0812E8E278}"/>
+                </a:ext>
+              </a:extLst>
+            </p:cNvPr>
+            <p:cNvSpPr/>
+            <p:nvPr/>
+          </p:nvSpPr>
+          <p:spPr>
+            <a:xfrm>
+              <a:off x="8918921" y="933481"/>
+              <a:ext cx="2165193" cy="104648"/>
+            </a:xfrm>
+            <a:prstGeom prst="roundRect">
+              <a:avLst>
+                <a:gd name="adj" fmla="val 50000"/>
+              </a:avLst>
+            </a:prstGeom>
+            <a:grpFill/>
+            <a:ln>
+              <a:noFill/>
+            </a:ln>
+          </p:spPr>
+          <p:style>
+            <a:lnRef idx="2">
+              <a:schemeClr val="accent1">
+                <a:shade val="50000"/>
+              </a:schemeClr>
+            </a:lnRef>
+            <a:fillRef idx="1">
+              <a:schemeClr val="accent1"/>
+            </a:fillRef>
+            <a:effectRef idx="0">
+              <a:schemeClr val="accent1"/>
+            </a:effectRef>
+            <a:fontRef idx="minor">
+              <a:schemeClr val="lt1"/>
+            </a:fontRef>
+          </p:style>
+          <p:txBody>
+            <a:bodyPr rtlCol="0" anchor="ctr"/>
+            <a:lstStyle/>
+            <a:p>
+              <a:pPr algn="ctr"/>
+              <a:endParaRPr lang="en-US" dirty="0"/>
+            </a:p>
+          </p:txBody>
+        </p:sp>
+        <p:sp>
+          <p:nvSpPr>
+            <p:cNvPr id="14" name="Oval 13">
+              <a:extLst>
+                <a:ext uri="{FF2B5EF4-FFF2-40B4-BE49-F238E27FC236}">
+                  <a16:creationId xmlns:a16="http://schemas.microsoft.com/office/drawing/2014/main" id="{7B1AEA27-6177-8A66-60DD-434067E33109}"/>
+                </a:ext>
+              </a:extLst>
+            </p:cNvPr>
+            <p:cNvSpPr/>
+            <p:nvPr/>
+          </p:nvSpPr>
+          <p:spPr>
+            <a:xfrm>
+              <a:off x="11173016" y="933480"/>
+              <a:ext cx="104649" cy="104649"/>
+            </a:xfrm>
+            <a:prstGeom prst="ellipse">
+              <a:avLst/>
+            </a:prstGeom>
+            <a:grpFill/>
+            <a:ln>
+              <a:noFill/>
+            </a:ln>
+          </p:spPr>
+          <p:style>
+            <a:lnRef idx="2">
+              <a:schemeClr val="accent1">
+                <a:shade val="50000"/>
+              </a:schemeClr>
+            </a:lnRef>
+            <a:fillRef idx="1">
+              <a:schemeClr val="accent1"/>
+            </a:fillRef>
+            <a:effectRef idx="0">
+              <a:schemeClr val="accent1"/>
+            </a:effectRef>
+            <a:fontRef idx="minor">
+              <a:schemeClr val="lt1"/>
+            </a:fontRef>
+          </p:style>
+          <p:txBody>
+            <a:bodyPr rtlCol="0" anchor="ctr"/>
+            <a:lstStyle/>
+            <a:p>
+              <a:pPr algn="ctr"/>
+              <a:endParaRPr lang="en-US"/>
+            </a:p>
+          </p:txBody>
+        </p:sp>
+      </p:grpSp>
     </p:spTree>
     <p:extLst>
       <p:ext uri="{BB962C8B-B14F-4D97-AF65-F5344CB8AC3E}">
@@ -5405,6 +7649,14 @@
 <file path=ppt/slides/slide11.xml><?xml version="1.0" encoding="utf-8"?>
 <p:sld xmlns:a="http://schemas.openxmlformats.org/drawingml/2006/main" xmlns:r="http://schemas.openxmlformats.org/officeDocument/2006/relationships" xmlns:p="http://schemas.openxmlformats.org/presentationml/2006/main">
   <p:cSld>
+    <p:bg>
+      <p:bgPr>
+        <a:solidFill>
+          <a:srgbClr val="F2F2F2"/>
+        </a:solidFill>
+        <a:effectLst/>
+      </p:bgPr>
+    </p:bg>
     <p:spTree>
       <p:nvGrpSpPr>
         <p:cNvPr id="1" name=""/>
@@ -5437,12 +7689,16 @@
         </p:nvSpPr>
         <p:spPr/>
         <p:txBody>
-          <a:bodyPr/>
+          <a:bodyPr>
+            <a:normAutofit/>
+          </a:bodyPr>
           <a:lstStyle/>
           <a:p>
             <a:r>
-              <a:rPr lang="en-US" dirty="0"/>
-              <a:t>Possible Bias in Dataset</a:t>
+              <a:rPr lang="en-US" sz="3600" b="1" dirty="0">
+                <a:latin typeface="Quire Sans Light" panose="020B0302040400020003" pitchFamily="34" charset="0"/>
+              </a:rPr>
+              <a:t>POSSIBLE BIAS IN DATASET</a:t>
             </a:r>
           </a:p>
         </p:txBody>
@@ -5469,27 +7725,177 @@
           <a:lstStyle/>
           <a:p>
             <a:r>
-              <a:rPr lang="en-US" dirty="0"/>
-              <a:t>Smaller sample size</a:t>
-            </a:r>
-          </a:p>
-          <a:p>
-            <a:r>
-              <a:rPr lang="en-US" dirty="0"/>
-              <a:t>Some information is survey-based</a:t>
-            </a:r>
-          </a:p>
-          <a:p>
-            <a:r>
-              <a:rPr lang="en-US" dirty="0"/>
-              <a:t>Data is from UK</a:t>
-            </a:r>
+              <a:rPr lang="en-US" sz="2400" dirty="0">
+                <a:latin typeface="Quire Sans" panose="020B0502040400020003" pitchFamily="34" charset="0"/>
+                <a:cs typeface="Quire Sans" panose="020B0502040400020003" pitchFamily="34" charset="0"/>
+              </a:rPr>
+              <a:t>Small sample size</a:t>
+            </a:r>
+          </a:p>
+          <a:p>
+            <a:r>
+              <a:rPr lang="en-US" sz="2400" dirty="0">
+                <a:latin typeface="Quire Sans" panose="020B0502040400020003" pitchFamily="34" charset="0"/>
+                <a:cs typeface="Quire Sans" panose="020B0502040400020003" pitchFamily="34" charset="0"/>
+              </a:rPr>
+              <a:t>Portions of information are survey-based</a:t>
+            </a:r>
+          </a:p>
+          <a:p>
+            <a:r>
+              <a:rPr lang="en-US" sz="2400" dirty="0">
+                <a:latin typeface="Quire Sans" panose="020B0502040400020003" pitchFamily="34" charset="0"/>
+                <a:cs typeface="Quire Sans" panose="020B0502040400020003" pitchFamily="34" charset="0"/>
+              </a:rPr>
+              <a:t>UK-based study, may find different results in other countries</a:t>
+            </a:r>
+          </a:p>
+          <a:p>
+            <a:r>
+              <a:rPr lang="en-US" sz="2400" dirty="0">
+                <a:latin typeface="Quire Sans" panose="020B0502040400020003" pitchFamily="34" charset="0"/>
+                <a:cs typeface="Quire Sans" panose="020B0502040400020003" pitchFamily="34" charset="0"/>
+              </a:rPr>
+              <a:t>Correlation does not equal causation</a:t>
+            </a:r>
+          </a:p>
+          <a:p>
+            <a:endParaRPr lang="en-US" sz="2400" dirty="0">
+              <a:latin typeface="Quire Sans" panose="020B0502040400020003" pitchFamily="34" charset="0"/>
+              <a:cs typeface="Quire Sans" panose="020B0502040400020003" pitchFamily="34" charset="0"/>
+            </a:endParaRPr>
           </a:p>
           <a:p>
             <a:endParaRPr lang="en-US" dirty="0"/>
           </a:p>
         </p:txBody>
       </p:sp>
+      <p:grpSp>
+        <p:nvGrpSpPr>
+          <p:cNvPr id="4" name="Group 3">
+            <a:extLst>
+              <a:ext uri="{FF2B5EF4-FFF2-40B4-BE49-F238E27FC236}">
+                <a16:creationId xmlns:a16="http://schemas.microsoft.com/office/drawing/2014/main" id="{771BCA72-F738-7BF6-2E6C-AD4B82869880}"/>
+              </a:ext>
+            </a:extLst>
+          </p:cNvPr>
+          <p:cNvGrpSpPr/>
+          <p:nvPr/>
+        </p:nvGrpSpPr>
+        <p:grpSpPr>
+          <a:xfrm rot="10800000">
+            <a:off x="487087" y="443428"/>
+            <a:ext cx="2358744" cy="104649"/>
+            <a:chOff x="8918921" y="933480"/>
+            <a:chExt cx="2358744" cy="104649"/>
+          </a:xfrm>
+          <a:solidFill>
+            <a:srgbClr val="ED7D31"/>
+          </a:solidFill>
+        </p:grpSpPr>
+        <p:sp>
+          <p:nvSpPr>
+            <p:cNvPr id="5" name="Rectangle: Rounded Corners 4">
+              <a:extLst>
+                <a:ext uri="{FF2B5EF4-FFF2-40B4-BE49-F238E27FC236}">
+                  <a16:creationId xmlns:a16="http://schemas.microsoft.com/office/drawing/2014/main" id="{23515506-7B8E-2134-3806-3D63E554F922}"/>
+                </a:ext>
+              </a:extLst>
+            </p:cNvPr>
+            <p:cNvSpPr/>
+            <p:nvPr/>
+          </p:nvSpPr>
+          <p:spPr>
+            <a:xfrm>
+              <a:off x="8918921" y="933481"/>
+              <a:ext cx="2165193" cy="104648"/>
+            </a:xfrm>
+            <a:prstGeom prst="roundRect">
+              <a:avLst>
+                <a:gd name="adj" fmla="val 50000"/>
+              </a:avLst>
+            </a:prstGeom>
+            <a:grpFill/>
+            <a:ln>
+              <a:noFill/>
+            </a:ln>
+          </p:spPr>
+          <p:style>
+            <a:lnRef idx="2">
+              <a:schemeClr val="accent1">
+                <a:shade val="50000"/>
+              </a:schemeClr>
+            </a:lnRef>
+            <a:fillRef idx="1">
+              <a:schemeClr val="accent1"/>
+            </a:fillRef>
+            <a:effectRef idx="0">
+              <a:schemeClr val="accent1"/>
+            </a:effectRef>
+            <a:fontRef idx="minor">
+              <a:schemeClr val="lt1"/>
+            </a:fontRef>
+          </p:style>
+          <p:txBody>
+            <a:bodyPr rtlCol="0" anchor="ctr"/>
+            <a:lstStyle/>
+            <a:p>
+              <a:pPr algn="ctr"/>
+              <a:endParaRPr lang="en-US" dirty="0"/>
+            </a:p>
+          </p:txBody>
+        </p:sp>
+        <p:sp>
+          <p:nvSpPr>
+            <p:cNvPr id="6" name="Oval 5">
+              <a:extLst>
+                <a:ext uri="{FF2B5EF4-FFF2-40B4-BE49-F238E27FC236}">
+                  <a16:creationId xmlns:a16="http://schemas.microsoft.com/office/drawing/2014/main" id="{C7027ABF-05E3-B4DF-5FFD-EF0F57E08DEF}"/>
+                </a:ext>
+              </a:extLst>
+            </p:cNvPr>
+            <p:cNvSpPr/>
+            <p:nvPr/>
+          </p:nvSpPr>
+          <p:spPr>
+            <a:xfrm>
+              <a:off x="11173016" y="933480"/>
+              <a:ext cx="104649" cy="104649"/>
+            </a:xfrm>
+            <a:prstGeom prst="ellipse">
+              <a:avLst/>
+            </a:prstGeom>
+            <a:grpFill/>
+            <a:ln>
+              <a:noFill/>
+            </a:ln>
+          </p:spPr>
+          <p:style>
+            <a:lnRef idx="2">
+              <a:schemeClr val="accent1">
+                <a:shade val="50000"/>
+              </a:schemeClr>
+            </a:lnRef>
+            <a:fillRef idx="1">
+              <a:schemeClr val="accent1"/>
+            </a:fillRef>
+            <a:effectRef idx="0">
+              <a:schemeClr val="accent1"/>
+            </a:effectRef>
+            <a:fontRef idx="minor">
+              <a:schemeClr val="lt1"/>
+            </a:fontRef>
+          </p:style>
+          <p:txBody>
+            <a:bodyPr rtlCol="0" anchor="ctr"/>
+            <a:lstStyle/>
+            <a:p>
+              <a:pPr algn="ctr"/>
+              <a:endParaRPr lang="en-US"/>
+            </a:p>
+          </p:txBody>
+        </p:sp>
+      </p:grpSp>
     </p:spTree>
     <p:extLst>
       <p:ext uri="{BB962C8B-B14F-4D97-AF65-F5344CB8AC3E}">
@@ -5506,6 +7912,14 @@
 <file path=ppt/slides/slide12.xml><?xml version="1.0" encoding="utf-8"?>
 <p:sld xmlns:a="http://schemas.openxmlformats.org/drawingml/2006/main" xmlns:r="http://schemas.openxmlformats.org/officeDocument/2006/relationships" xmlns:p="http://schemas.openxmlformats.org/presentationml/2006/main">
   <p:cSld>
+    <p:bg>
+      <p:bgPr>
+        <a:solidFill>
+          <a:srgbClr val="F2F2F2"/>
+        </a:solidFill>
+        <a:effectLst/>
+      </p:bgPr>
+    </p:bg>
     <p:spTree>
       <p:nvGrpSpPr>
         <p:cNvPr id="1" name=""/>
@@ -5536,43 +7950,154 @@
             <p:ph type="title"/>
           </p:nvPr>
         </p:nvSpPr>
-        <p:spPr/>
-        <p:txBody>
-          <a:bodyPr/>
+        <p:spPr>
+          <a:xfrm>
+            <a:off x="838200" y="2231247"/>
+            <a:ext cx="10515600" cy="1325563"/>
+          </a:xfrm>
+        </p:spPr>
+        <p:txBody>
+          <a:bodyPr>
+            <a:normAutofit/>
+          </a:bodyPr>
           <a:lstStyle/>
           <a:p>
-            <a:r>
-              <a:rPr lang="en-US" dirty="0"/>
-              <a:t>Questions?</a:t>
-            </a:r>
-          </a:p>
-        </p:txBody>
-      </p:sp>
-      <p:sp>
-        <p:nvSpPr>
-          <p:cNvPr id="3" name="Content Placeholder 2">
+            <a:pPr algn="ctr"/>
+            <a:r>
+              <a:rPr lang="en-US" sz="6600" b="1" dirty="0">
+                <a:latin typeface="Quire Sans Light" panose="020B0302040400020003" pitchFamily="34" charset="0"/>
+              </a:rPr>
+              <a:t>QUESTIONS?</a:t>
+            </a:r>
+          </a:p>
+        </p:txBody>
+      </p:sp>
+      <p:grpSp>
+        <p:nvGrpSpPr>
+          <p:cNvPr id="3" name="Group 2">
             <a:extLst>
               <a:ext uri="{FF2B5EF4-FFF2-40B4-BE49-F238E27FC236}">
-                <a16:creationId xmlns:a16="http://schemas.microsoft.com/office/drawing/2014/main" id="{B5C41072-A174-6F29-99C1-9B8E76618EB8}"/>
+                <a16:creationId xmlns:a16="http://schemas.microsoft.com/office/drawing/2014/main" id="{E37342F1-6BED-F7D6-40C0-47310936699F}"/>
               </a:ext>
             </a:extLst>
           </p:cNvPr>
-          <p:cNvSpPr>
-            <a:spLocks noGrp="1"/>
-          </p:cNvSpPr>
-          <p:nvPr>
-            <p:ph idx="1"/>
-          </p:nvPr>
-        </p:nvSpPr>
-        <p:spPr/>
-        <p:txBody>
-          <a:bodyPr/>
-          <a:lstStyle/>
-          <a:p>
-            <a:endParaRPr lang="en-US"/>
-          </a:p>
-        </p:txBody>
-      </p:sp>
+          <p:cNvGrpSpPr/>
+          <p:nvPr/>
+        </p:nvGrpSpPr>
+        <p:grpSpPr>
+          <a:xfrm rot="10800000">
+            <a:off x="487087" y="443428"/>
+            <a:ext cx="2358744" cy="104649"/>
+            <a:chOff x="8918921" y="933480"/>
+            <a:chExt cx="2358744" cy="104649"/>
+          </a:xfrm>
+          <a:solidFill>
+            <a:srgbClr val="ED7D31"/>
+          </a:solidFill>
+        </p:grpSpPr>
+        <p:sp>
+          <p:nvSpPr>
+            <p:cNvPr id="7" name="Rectangle: Rounded Corners 6">
+              <a:extLst>
+                <a:ext uri="{FF2B5EF4-FFF2-40B4-BE49-F238E27FC236}">
+                  <a16:creationId xmlns:a16="http://schemas.microsoft.com/office/drawing/2014/main" id="{38F592FB-6E40-CF1A-28B7-6DF39839A081}"/>
+                </a:ext>
+              </a:extLst>
+            </p:cNvPr>
+            <p:cNvSpPr/>
+            <p:nvPr/>
+          </p:nvSpPr>
+          <p:spPr>
+            <a:xfrm>
+              <a:off x="8918921" y="933481"/>
+              <a:ext cx="2165193" cy="104648"/>
+            </a:xfrm>
+            <a:prstGeom prst="roundRect">
+              <a:avLst>
+                <a:gd name="adj" fmla="val 50000"/>
+              </a:avLst>
+            </a:prstGeom>
+            <a:grpFill/>
+            <a:ln>
+              <a:noFill/>
+            </a:ln>
+          </p:spPr>
+          <p:style>
+            <a:lnRef idx="2">
+              <a:schemeClr val="accent1">
+                <a:shade val="50000"/>
+              </a:schemeClr>
+            </a:lnRef>
+            <a:fillRef idx="1">
+              <a:schemeClr val="accent1"/>
+            </a:fillRef>
+            <a:effectRef idx="0">
+              <a:schemeClr val="accent1"/>
+            </a:effectRef>
+            <a:fontRef idx="minor">
+              <a:schemeClr val="lt1"/>
+            </a:fontRef>
+          </p:style>
+          <p:txBody>
+            <a:bodyPr rtlCol="0" anchor="ctr"/>
+            <a:lstStyle/>
+            <a:p>
+              <a:pPr algn="ctr"/>
+              <a:endParaRPr lang="en-US" dirty="0"/>
+            </a:p>
+          </p:txBody>
+        </p:sp>
+        <p:sp>
+          <p:nvSpPr>
+            <p:cNvPr id="8" name="Oval 7">
+              <a:extLst>
+                <a:ext uri="{FF2B5EF4-FFF2-40B4-BE49-F238E27FC236}">
+                  <a16:creationId xmlns:a16="http://schemas.microsoft.com/office/drawing/2014/main" id="{E4C38F18-C318-2794-CC4E-FD091AFB5959}"/>
+                </a:ext>
+              </a:extLst>
+            </p:cNvPr>
+            <p:cNvSpPr/>
+            <p:nvPr/>
+          </p:nvSpPr>
+          <p:spPr>
+            <a:xfrm>
+              <a:off x="11173016" y="933480"/>
+              <a:ext cx="104649" cy="104649"/>
+            </a:xfrm>
+            <a:prstGeom prst="ellipse">
+              <a:avLst/>
+            </a:prstGeom>
+            <a:grpFill/>
+            <a:ln>
+              <a:noFill/>
+            </a:ln>
+          </p:spPr>
+          <p:style>
+            <a:lnRef idx="2">
+              <a:schemeClr val="accent1">
+                <a:shade val="50000"/>
+              </a:schemeClr>
+            </a:lnRef>
+            <a:fillRef idx="1">
+              <a:schemeClr val="accent1"/>
+            </a:fillRef>
+            <a:effectRef idx="0">
+              <a:schemeClr val="accent1"/>
+            </a:effectRef>
+            <a:fontRef idx="minor">
+              <a:schemeClr val="lt1"/>
+            </a:fontRef>
+          </p:style>
+          <p:txBody>
+            <a:bodyPr rtlCol="0" anchor="ctr"/>
+            <a:lstStyle/>
+            <a:p>
+              <a:pPr algn="ctr"/>
+              <a:endParaRPr lang="en-US"/>
+            </a:p>
+          </p:txBody>
+        </p:sp>
+      </p:grpSp>
     </p:spTree>
     <p:extLst>
       <p:ext uri="{BB962C8B-B14F-4D97-AF65-F5344CB8AC3E}">
@@ -5589,6 +8114,14 @@
 <file path=ppt/slides/slide2.xml><?xml version="1.0" encoding="utf-8"?>
 <p:sld xmlns:a="http://schemas.openxmlformats.org/drawingml/2006/main" xmlns:r="http://schemas.openxmlformats.org/officeDocument/2006/relationships" xmlns:p="http://schemas.openxmlformats.org/presentationml/2006/main">
   <p:cSld>
+    <p:bg>
+      <p:bgPr>
+        <a:solidFill>
+          <a:srgbClr val="F2F2F2"/>
+        </a:solidFill>
+        <a:effectLst/>
+      </p:bgPr>
+    </p:bg>
     <p:spTree>
       <p:nvGrpSpPr>
         <p:cNvPr id="1" name=""/>
@@ -5621,12 +8154,16 @@
         </p:nvSpPr>
         <p:spPr/>
         <p:txBody>
-          <a:bodyPr/>
+          <a:bodyPr>
+            <a:normAutofit/>
+          </a:bodyPr>
           <a:lstStyle/>
           <a:p>
             <a:r>
-              <a:rPr lang="en-US" dirty="0"/>
-              <a:t>Source &amp; Methodology:</a:t>
+              <a:rPr lang="en-US" sz="3600" b="1" dirty="0">
+                <a:latin typeface="Quire Sans Light" panose="020B0302040400020003" pitchFamily="34" charset="0"/>
+              </a:rPr>
+              <a:t>SOURCE &amp; METHODOLOGY</a:t>
             </a:r>
           </a:p>
         </p:txBody>
@@ -5653,8 +8190,13 @@
           <a:lstStyle/>
           <a:p>
             <a:r>
-              <a:rPr lang="en-US" dirty="0"/>
-              <a:t>Source:</a:t>
+              <a:rPr lang="en-US" dirty="0">
+                <a:solidFill>
+                  <a:srgbClr val="1D1C1D"/>
+                </a:solidFill>
+                <a:latin typeface="Quire Sans Light" panose="020B0604020202020204" pitchFamily="34" charset="0"/>
+              </a:rPr>
+              <a:t>SOURCE:</a:t>
             </a:r>
           </a:p>
         </p:txBody>
@@ -5678,61 +8220,63 @@
         <p:spPr/>
         <p:txBody>
           <a:bodyPr>
-            <a:normAutofit fontScale="70000" lnSpcReduction="20000"/>
+            <a:normAutofit/>
           </a:bodyPr>
           <a:lstStyle/>
           <a:p>
-            <a:pPr marL="0" indent="0">
-              <a:buNone/>
-            </a:pPr>
-            <a:r>
-              <a:rPr lang="en-US" b="0" i="0" dirty="0">
+            <a:r>
+              <a:rPr lang="en-US" sz="1600" dirty="0">
+                <a:solidFill>
+                  <a:srgbClr val="1D1C1D"/>
+                </a:solidFill>
+                <a:latin typeface="Quire Sans" panose="020B0502040400020003" pitchFamily="34" charset="0"/>
+                <a:cs typeface="Quire Sans" panose="020B0502040400020003" pitchFamily="34" charset="0"/>
+              </a:rPr>
+              <a:t>Dataset</a:t>
+            </a:r>
+            <a:r>
+              <a:rPr lang="en-US" sz="1600" b="0" i="0" dirty="0">
                 <a:solidFill>
                   <a:srgbClr val="1D1C1D"/>
                 </a:solidFill>
                 <a:effectLst/>
-                <a:latin typeface="Slack-Lato"/>
+                <a:latin typeface="Quire Sans" panose="020B0502040400020003" pitchFamily="34" charset="0"/>
+                <a:cs typeface="Quire Sans" panose="020B0502040400020003" pitchFamily="34" charset="0"/>
               </a:rPr>
-              <a:t>Dataset is downloaded from Kaggle.</a:t>
-            </a:r>
-          </a:p>
-          <a:p>
-            <a:endParaRPr lang="en-US" dirty="0">
-              <a:solidFill>
-                <a:srgbClr val="1D1C1D"/>
-              </a:solidFill>
-              <a:latin typeface="Slack-Lato"/>
-            </a:endParaRPr>
-          </a:p>
-          <a:p>
-            <a:pPr lvl="1"/>
-            <a:r>
-              <a:rPr lang="en-US" b="0" i="0" dirty="0">
+              <a:t> is downloaded from Kaggle.</a:t>
+            </a:r>
+          </a:p>
+          <a:p>
+            <a:r>
+              <a:rPr lang="en-US" sz="1600" b="0" i="0" dirty="0">
                 <a:solidFill>
                   <a:srgbClr val="1D1C1D"/>
                 </a:solidFill>
                 <a:effectLst/>
-                <a:latin typeface="Slack-Lato"/>
+                <a:latin typeface="Quire Sans" panose="020B0502040400020003" pitchFamily="34" charset="0"/>
+                <a:cs typeface="Quire Sans" panose="020B0502040400020003" pitchFamily="34" charset="0"/>
               </a:rPr>
               <a:t>The dataset provided was collected as part of a study conducted in the UK by a research team from The University of </a:t>
             </a:r>
             <a:r>
-              <a:rPr lang="en-US" b="0" i="0" dirty="0" err="1">
+              <a:rPr lang="en-US" sz="1600" b="0" i="0" dirty="0" err="1">
                 <a:solidFill>
                   <a:srgbClr val="1D1C1D"/>
                 </a:solidFill>
                 <a:effectLst/>
-                <a:latin typeface="Slack-Lato"/>
+                <a:latin typeface="Quire Sans" panose="020B0502040400020003" pitchFamily="34" charset="0"/>
+                <a:cs typeface="Quire Sans" panose="020B0502040400020003" pitchFamily="34" charset="0"/>
               </a:rPr>
               <a:t>Oxfordshire</a:t>
             </a:r>
             <a:r>
-              <a:rPr lang="en-US" b="0" i="0" dirty="0">
+              <a:rPr lang="en-US" sz="1600" b="0" i="0" dirty="0">
                 <a:solidFill>
                   <a:srgbClr val="1D1C1D"/>
                 </a:solidFill>
                 <a:effectLst/>
-                <a:latin typeface="Slack-Lato"/>
+                <a:latin typeface="Quire Sans" panose="020B0502040400020003" pitchFamily="34" charset="0"/>
+                <a:cs typeface="Quire Sans" panose="020B0502040400020003" pitchFamily="34" charset="0"/>
               </a:rPr>
               <a:t>.</a:t>
             </a:r>
@@ -5764,16 +8308,18 @@
           <a:lstStyle/>
           <a:p>
             <a:r>
-              <a:rPr lang="en-US" b="0" i="0" dirty="0">
+              <a:rPr lang="en-US" i="0" dirty="0">
                 <a:solidFill>
                   <a:srgbClr val="1D1C1D"/>
                 </a:solidFill>
                 <a:effectLst/>
-                <a:latin typeface="Slack-Lato"/>
+                <a:latin typeface="Quire Sans Light" panose="020B0604020202020204" pitchFamily="34" charset="0"/>
               </a:rPr>
               <a:t>COLLECTION METHODOLOGY:</a:t>
             </a:r>
-            <a:endParaRPr lang="en-US" dirty="0"/>
+            <a:endParaRPr lang="en-US" dirty="0">
+              <a:latin typeface="Quire Sans Light" panose="020B0604020202020204" pitchFamily="34" charset="0"/>
+            </a:endParaRPr>
           </a:p>
         </p:txBody>
       </p:sp>
@@ -5796,60 +8342,193 @@
         <p:spPr/>
         <p:txBody>
           <a:bodyPr>
-            <a:normAutofit fontScale="70000" lnSpcReduction="20000"/>
+            <a:normAutofit/>
           </a:bodyPr>
           <a:lstStyle/>
           <a:p>
             <a:r>
-              <a:rPr lang="en-US" b="0" i="0" dirty="0">
+              <a:rPr lang="en-US" sz="1600" b="0" i="0" dirty="0">
                 <a:solidFill>
                   <a:srgbClr val="1D1C1D"/>
                 </a:solidFill>
                 <a:effectLst/>
-                <a:latin typeface="Slack-Lato"/>
+                <a:latin typeface="Quire Sans" panose="020B0502040400020003" pitchFamily="34" charset="0"/>
+                <a:cs typeface="Quire Sans" panose="020B0502040400020003" pitchFamily="34" charset="0"/>
               </a:rPr>
               <a:t>The study aimed to investigate the impact of lifestyle factors such as caffeine, alcohol, and exercise on sleep patterns and sleep quality. </a:t>
             </a:r>
           </a:p>
           <a:p>
             <a:r>
-              <a:rPr lang="en-US" b="0" i="0" dirty="0">
+              <a:rPr lang="en-US" sz="1600" b="0" i="0" dirty="0">
                 <a:solidFill>
                   <a:srgbClr val="1D1C1D"/>
                 </a:solidFill>
                 <a:effectLst/>
-                <a:latin typeface="Slack-Lato"/>
+                <a:latin typeface="Quire Sans" panose="020B0502040400020003" pitchFamily="34" charset="0"/>
+                <a:cs typeface="Quire Sans" panose="020B0502040400020003" pitchFamily="34" charset="0"/>
               </a:rPr>
               <a:t>The research team recruited participants from the local community and collected data over a period of several months. </a:t>
             </a:r>
           </a:p>
           <a:p>
             <a:r>
-              <a:rPr lang="en-US" b="0" i="0" dirty="0">
+              <a:rPr lang="en-US" sz="1600" b="0" i="0" dirty="0">
                 <a:solidFill>
                   <a:srgbClr val="1D1C1D"/>
                 </a:solidFill>
                 <a:effectLst/>
-                <a:latin typeface="Slack-Lato"/>
+                <a:latin typeface="Quire Sans" panose="020B0502040400020003" pitchFamily="34" charset="0"/>
+                <a:cs typeface="Quire Sans" panose="020B0502040400020003" pitchFamily="34" charset="0"/>
               </a:rPr>
               <a:t>The data was collected using a combination of self-reported surveys, actigraphy, and polysomnography which is a sleep monitoring technique. </a:t>
             </a:r>
           </a:p>
           <a:p>
             <a:r>
-              <a:rPr lang="en-US" b="0" i="0" dirty="0">
+              <a:rPr lang="en-US" sz="1600" b="0" i="0" dirty="0">
                 <a:solidFill>
                   <a:srgbClr val="1D1C1D"/>
                 </a:solidFill>
                 <a:effectLst/>
-                <a:latin typeface="Slack-Lato"/>
+                <a:latin typeface="Quire Sans" panose="020B0502040400020003" pitchFamily="34" charset="0"/>
+                <a:cs typeface="Quire Sans" panose="020B0502040400020003" pitchFamily="34" charset="0"/>
               </a:rPr>
               <a:t>The data was then analyzed to understand the relationship between lifestyle factors and sleep patterns and to identify any potential areas for intervention to improve sleep.</a:t>
             </a:r>
-            <a:endParaRPr lang="en-US" dirty="0"/>
-          </a:p>
-        </p:txBody>
-      </p:sp>
+            <a:endParaRPr lang="en-US" sz="1600" dirty="0">
+              <a:latin typeface="Quire Sans" panose="020B0502040400020003" pitchFamily="34" charset="0"/>
+              <a:cs typeface="Quire Sans" panose="020B0502040400020003" pitchFamily="34" charset="0"/>
+            </a:endParaRPr>
+          </a:p>
+        </p:txBody>
+      </p:sp>
+      <p:grpSp>
+        <p:nvGrpSpPr>
+          <p:cNvPr id="11" name="Group 10">
+            <a:extLst>
+              <a:ext uri="{FF2B5EF4-FFF2-40B4-BE49-F238E27FC236}">
+                <a16:creationId xmlns:a16="http://schemas.microsoft.com/office/drawing/2014/main" id="{6ADB9CEF-EC35-CCAE-5579-2380D00C7AE5}"/>
+              </a:ext>
+            </a:extLst>
+          </p:cNvPr>
+          <p:cNvGrpSpPr/>
+          <p:nvPr/>
+        </p:nvGrpSpPr>
+        <p:grpSpPr>
+          <a:xfrm rot="10800000">
+            <a:off x="487087" y="443428"/>
+            <a:ext cx="2358744" cy="104649"/>
+            <a:chOff x="8918921" y="933480"/>
+            <a:chExt cx="2358744" cy="104649"/>
+          </a:xfrm>
+          <a:solidFill>
+            <a:srgbClr val="ED7D31"/>
+          </a:solidFill>
+        </p:grpSpPr>
+        <p:sp>
+          <p:nvSpPr>
+            <p:cNvPr id="12" name="Rectangle: Rounded Corners 11">
+              <a:extLst>
+                <a:ext uri="{FF2B5EF4-FFF2-40B4-BE49-F238E27FC236}">
+                  <a16:creationId xmlns:a16="http://schemas.microsoft.com/office/drawing/2014/main" id="{DDF84F5D-CC11-CAE6-2BFA-D305DEE4283C}"/>
+                </a:ext>
+              </a:extLst>
+            </p:cNvPr>
+            <p:cNvSpPr/>
+            <p:nvPr/>
+          </p:nvSpPr>
+          <p:spPr>
+            <a:xfrm>
+              <a:off x="8918921" y="933481"/>
+              <a:ext cx="2165193" cy="104648"/>
+            </a:xfrm>
+            <a:prstGeom prst="roundRect">
+              <a:avLst>
+                <a:gd name="adj" fmla="val 50000"/>
+              </a:avLst>
+            </a:prstGeom>
+            <a:grpFill/>
+            <a:ln>
+              <a:noFill/>
+            </a:ln>
+          </p:spPr>
+          <p:style>
+            <a:lnRef idx="2">
+              <a:schemeClr val="accent1">
+                <a:shade val="50000"/>
+              </a:schemeClr>
+            </a:lnRef>
+            <a:fillRef idx="1">
+              <a:schemeClr val="accent1"/>
+            </a:fillRef>
+            <a:effectRef idx="0">
+              <a:schemeClr val="accent1"/>
+            </a:effectRef>
+            <a:fontRef idx="minor">
+              <a:schemeClr val="lt1"/>
+            </a:fontRef>
+          </p:style>
+          <p:txBody>
+            <a:bodyPr rtlCol="0" anchor="ctr"/>
+            <a:lstStyle/>
+            <a:p>
+              <a:pPr algn="ctr"/>
+              <a:endParaRPr lang="en-US" dirty="0"/>
+            </a:p>
+          </p:txBody>
+        </p:sp>
+        <p:sp>
+          <p:nvSpPr>
+            <p:cNvPr id="13" name="Oval 12">
+              <a:extLst>
+                <a:ext uri="{FF2B5EF4-FFF2-40B4-BE49-F238E27FC236}">
+                  <a16:creationId xmlns:a16="http://schemas.microsoft.com/office/drawing/2014/main" id="{B7E0276A-9A1F-ACD9-7AE5-39346499AA31}"/>
+                </a:ext>
+              </a:extLst>
+            </p:cNvPr>
+            <p:cNvSpPr/>
+            <p:nvPr/>
+          </p:nvSpPr>
+          <p:spPr>
+            <a:xfrm>
+              <a:off x="11173016" y="933480"/>
+              <a:ext cx="104649" cy="104649"/>
+            </a:xfrm>
+            <a:prstGeom prst="ellipse">
+              <a:avLst/>
+            </a:prstGeom>
+            <a:grpFill/>
+            <a:ln>
+              <a:noFill/>
+            </a:ln>
+          </p:spPr>
+          <p:style>
+            <a:lnRef idx="2">
+              <a:schemeClr val="accent1">
+                <a:shade val="50000"/>
+              </a:schemeClr>
+            </a:lnRef>
+            <a:fillRef idx="1">
+              <a:schemeClr val="accent1"/>
+            </a:fillRef>
+            <a:effectRef idx="0">
+              <a:schemeClr val="accent1"/>
+            </a:effectRef>
+            <a:fontRef idx="minor">
+              <a:schemeClr val="lt1"/>
+            </a:fontRef>
+          </p:style>
+          <p:txBody>
+            <a:bodyPr rtlCol="0" anchor="ctr"/>
+            <a:lstStyle/>
+            <a:p>
+              <a:pPr algn="ctr"/>
+              <a:endParaRPr lang="en-US"/>
+            </a:p>
+          </p:txBody>
+        </p:sp>
+      </p:grpSp>
     </p:spTree>
     <p:extLst>
       <p:ext uri="{BB962C8B-B14F-4D97-AF65-F5344CB8AC3E}">
@@ -5866,6 +8545,14 @@
 <file path=ppt/slides/slide3.xml><?xml version="1.0" encoding="utf-8"?>
 <p:sld xmlns:a="http://schemas.openxmlformats.org/drawingml/2006/main" xmlns:r="http://schemas.openxmlformats.org/officeDocument/2006/relationships" xmlns:p="http://schemas.openxmlformats.org/presentationml/2006/main">
   <p:cSld>
+    <p:bg>
+      <p:bgPr>
+        <a:solidFill>
+          <a:srgbClr val="F2F2F2"/>
+        </a:solidFill>
+        <a:effectLst/>
+      </p:bgPr>
+    </p:bg>
     <p:spTree>
       <p:nvGrpSpPr>
         <p:cNvPr id="1" name=""/>
@@ -5898,86 +8585,237 @@
         </p:nvSpPr>
         <p:spPr/>
         <p:txBody>
-          <a:bodyPr/>
+          <a:bodyPr>
+            <a:normAutofit/>
+          </a:bodyPr>
           <a:lstStyle/>
           <a:p>
             <a:r>
-              <a:rPr lang="en-US" dirty="0"/>
-              <a:t>Overview of Population</a:t>
-            </a:r>
-          </a:p>
-        </p:txBody>
-      </p:sp>
-      <p:pic>
-        <p:nvPicPr>
-          <p:cNvPr id="8" name="Picture 7">
+              <a:rPr lang="en-US" sz="3600" b="1" dirty="0">
+                <a:latin typeface="Quire Sans Light" panose="020B0302040400020003" pitchFamily="34" charset="0"/>
+              </a:rPr>
+              <a:t>OVERVIEW OF POPULATION</a:t>
+            </a:r>
+          </a:p>
+        </p:txBody>
+      </p:sp>
+      <p:grpSp>
+        <p:nvGrpSpPr>
+          <p:cNvPr id="6" name="Group 5">
             <a:extLst>
               <a:ext uri="{FF2B5EF4-FFF2-40B4-BE49-F238E27FC236}">
-                <a16:creationId xmlns:a16="http://schemas.microsoft.com/office/drawing/2014/main" id="{233BB23B-6AD0-3632-313C-4BD6A1B334AF}"/>
+                <a16:creationId xmlns:a16="http://schemas.microsoft.com/office/drawing/2014/main" id="{E5A4E86C-2A9E-CAE5-09E6-478DD8E47FEB}"/>
               </a:ext>
             </a:extLst>
           </p:cNvPr>
-          <p:cNvPicPr>
-            <a:picLocks noChangeAspect="1"/>
-          </p:cNvPicPr>
+          <p:cNvGrpSpPr/>
           <p:nvPr/>
-        </p:nvPicPr>
-        <p:blipFill>
-          <a:blip r:embed="rId3"/>
-          <a:stretch>
-            <a:fillRect/>
-          </a:stretch>
-        </p:blipFill>
-        <p:spPr>
+        </p:nvGrpSpPr>
+        <p:grpSpPr>
           <a:xfrm>
-            <a:off x="623743" y="1825625"/>
-            <a:ext cx="3943350" cy="3895725"/>
+            <a:off x="1262784" y="1834861"/>
+            <a:ext cx="9666432" cy="3895725"/>
+            <a:chOff x="838200" y="1834861"/>
+            <a:chExt cx="9666432" cy="3895725"/>
           </a:xfrm>
-          <a:prstGeom prst="rect">
-            <a:avLst/>
-          </a:prstGeom>
-          <a:ln>
-            <a:solidFill>
-              <a:schemeClr val="tx1"/>
-            </a:solidFill>
-          </a:ln>
-        </p:spPr>
-      </p:pic>
-      <p:pic>
-        <p:nvPicPr>
-          <p:cNvPr id="10" name="Picture 9">
+        </p:grpSpPr>
+        <p:pic>
+          <p:nvPicPr>
+            <p:cNvPr id="8" name="Picture 7">
+              <a:extLst>
+                <a:ext uri="{FF2B5EF4-FFF2-40B4-BE49-F238E27FC236}">
+                  <a16:creationId xmlns:a16="http://schemas.microsoft.com/office/drawing/2014/main" id="{233BB23B-6AD0-3632-313C-4BD6A1B334AF}"/>
+                </a:ext>
+              </a:extLst>
+            </p:cNvPr>
+            <p:cNvPicPr>
+              <a:picLocks noChangeAspect="1"/>
+            </p:cNvPicPr>
+            <p:nvPr/>
+          </p:nvPicPr>
+          <p:blipFill>
+            <a:blip r:embed="rId3"/>
+            <a:stretch>
+              <a:fillRect/>
+            </a:stretch>
+          </p:blipFill>
+          <p:spPr>
+            <a:xfrm>
+              <a:off x="838200" y="1834861"/>
+              <a:ext cx="3943350" cy="3895725"/>
+            </a:xfrm>
+            <a:prstGeom prst="rect">
+              <a:avLst/>
+            </a:prstGeom>
+            <a:ln>
+              <a:solidFill>
+                <a:schemeClr val="tx1"/>
+              </a:solidFill>
+            </a:ln>
+          </p:spPr>
+        </p:pic>
+        <p:pic>
+          <p:nvPicPr>
+            <p:cNvPr id="10" name="Picture 9">
+              <a:extLst>
+                <a:ext uri="{FF2B5EF4-FFF2-40B4-BE49-F238E27FC236}">
+                  <a16:creationId xmlns:a16="http://schemas.microsoft.com/office/drawing/2014/main" id="{3B17BCF0-A645-0ECF-A3F2-A8F7A36F539C}"/>
+                </a:ext>
+              </a:extLst>
+            </p:cNvPr>
+            <p:cNvPicPr>
+              <a:picLocks noChangeAspect="1"/>
+            </p:cNvPicPr>
+            <p:nvPr/>
+          </p:nvPicPr>
+          <p:blipFill>
+            <a:blip r:embed="rId4"/>
+            <a:stretch>
+              <a:fillRect/>
+            </a:stretch>
+          </p:blipFill>
+          <p:spPr>
+            <a:xfrm>
+              <a:off x="6180282" y="1834861"/>
+              <a:ext cx="4324350" cy="3895725"/>
+            </a:xfrm>
+            <a:prstGeom prst="rect">
+              <a:avLst/>
+            </a:prstGeom>
+            <a:ln>
+              <a:solidFill>
+                <a:schemeClr val="tx1"/>
+              </a:solidFill>
+            </a:ln>
+          </p:spPr>
+        </p:pic>
+      </p:grpSp>
+      <p:grpSp>
+        <p:nvGrpSpPr>
+          <p:cNvPr id="7" name="Group 6">
             <a:extLst>
               <a:ext uri="{FF2B5EF4-FFF2-40B4-BE49-F238E27FC236}">
-                <a16:creationId xmlns:a16="http://schemas.microsoft.com/office/drawing/2014/main" id="{3B17BCF0-A645-0ECF-A3F2-A8F7A36F539C}"/>
+                <a16:creationId xmlns:a16="http://schemas.microsoft.com/office/drawing/2014/main" id="{DFF1BFDB-22FC-F816-F104-F3D5D45A46FF}"/>
               </a:ext>
             </a:extLst>
           </p:cNvPr>
-          <p:cNvPicPr>
-            <a:picLocks noChangeAspect="1"/>
-          </p:cNvPicPr>
+          <p:cNvGrpSpPr/>
           <p:nvPr/>
-        </p:nvPicPr>
-        <p:blipFill>
-          <a:blip r:embed="rId4"/>
-          <a:stretch>
-            <a:fillRect/>
-          </a:stretch>
-        </p:blipFill>
-        <p:spPr>
-          <a:xfrm>
-            <a:off x="5965825" y="1825625"/>
-            <a:ext cx="4324350" cy="3895725"/>
+        </p:nvGrpSpPr>
+        <p:grpSpPr>
+          <a:xfrm rot="10800000">
+            <a:off x="487087" y="443428"/>
+            <a:ext cx="2358744" cy="104649"/>
+            <a:chOff x="8918921" y="933480"/>
+            <a:chExt cx="2358744" cy="104649"/>
           </a:xfrm>
-          <a:prstGeom prst="rect">
-            <a:avLst/>
-          </a:prstGeom>
-          <a:ln>
-            <a:solidFill>
-              <a:schemeClr val="tx1"/>
-            </a:solidFill>
-          </a:ln>
-        </p:spPr>
-      </p:pic>
+          <a:solidFill>
+            <a:srgbClr val="ED7D31"/>
+          </a:solidFill>
+        </p:grpSpPr>
+        <p:sp>
+          <p:nvSpPr>
+            <p:cNvPr id="9" name="Rectangle: Rounded Corners 8">
+              <a:extLst>
+                <a:ext uri="{FF2B5EF4-FFF2-40B4-BE49-F238E27FC236}">
+                  <a16:creationId xmlns:a16="http://schemas.microsoft.com/office/drawing/2014/main" id="{A9E91909-FB07-9B3A-FA1C-74EA13C2A8EE}"/>
+                </a:ext>
+              </a:extLst>
+            </p:cNvPr>
+            <p:cNvSpPr/>
+            <p:nvPr/>
+          </p:nvSpPr>
+          <p:spPr>
+            <a:xfrm>
+              <a:off x="8918921" y="933481"/>
+              <a:ext cx="2165193" cy="104648"/>
+            </a:xfrm>
+            <a:prstGeom prst="roundRect">
+              <a:avLst>
+                <a:gd name="adj" fmla="val 50000"/>
+              </a:avLst>
+            </a:prstGeom>
+            <a:grpFill/>
+            <a:ln>
+              <a:noFill/>
+            </a:ln>
+          </p:spPr>
+          <p:style>
+            <a:lnRef idx="2">
+              <a:schemeClr val="accent1">
+                <a:shade val="50000"/>
+              </a:schemeClr>
+            </a:lnRef>
+            <a:fillRef idx="1">
+              <a:schemeClr val="accent1"/>
+            </a:fillRef>
+            <a:effectRef idx="0">
+              <a:schemeClr val="accent1"/>
+            </a:effectRef>
+            <a:fontRef idx="minor">
+              <a:schemeClr val="lt1"/>
+            </a:fontRef>
+          </p:style>
+          <p:txBody>
+            <a:bodyPr rtlCol="0" anchor="ctr"/>
+            <a:lstStyle/>
+            <a:p>
+              <a:pPr algn="ctr"/>
+              <a:endParaRPr lang="en-US" dirty="0"/>
+            </a:p>
+          </p:txBody>
+        </p:sp>
+        <p:sp>
+          <p:nvSpPr>
+            <p:cNvPr id="11" name="Oval 10">
+              <a:extLst>
+                <a:ext uri="{FF2B5EF4-FFF2-40B4-BE49-F238E27FC236}">
+                  <a16:creationId xmlns:a16="http://schemas.microsoft.com/office/drawing/2014/main" id="{131B5038-8CF6-3B69-18AB-EB0ECB986631}"/>
+                </a:ext>
+              </a:extLst>
+            </p:cNvPr>
+            <p:cNvSpPr/>
+            <p:nvPr/>
+          </p:nvSpPr>
+          <p:spPr>
+            <a:xfrm>
+              <a:off x="11173016" y="933480"/>
+              <a:ext cx="104649" cy="104649"/>
+            </a:xfrm>
+            <a:prstGeom prst="ellipse">
+              <a:avLst/>
+            </a:prstGeom>
+            <a:grpFill/>
+            <a:ln>
+              <a:noFill/>
+            </a:ln>
+          </p:spPr>
+          <p:style>
+            <a:lnRef idx="2">
+              <a:schemeClr val="accent1">
+                <a:shade val="50000"/>
+              </a:schemeClr>
+            </a:lnRef>
+            <a:fillRef idx="1">
+              <a:schemeClr val="accent1"/>
+            </a:fillRef>
+            <a:effectRef idx="0">
+              <a:schemeClr val="accent1"/>
+            </a:effectRef>
+            <a:fontRef idx="minor">
+              <a:schemeClr val="lt1"/>
+            </a:fontRef>
+          </p:style>
+          <p:txBody>
+            <a:bodyPr rtlCol="0" anchor="ctr"/>
+            <a:lstStyle/>
+            <a:p>
+              <a:pPr algn="ctr"/>
+              <a:endParaRPr lang="en-US"/>
+            </a:p>
+          </p:txBody>
+        </p:sp>
+      </p:grpSp>
     </p:spTree>
     <p:extLst>
       <p:ext uri="{BB962C8B-B14F-4D97-AF65-F5344CB8AC3E}">
@@ -5994,6 +8832,14 @@
 <file path=ppt/slides/slide4.xml><?xml version="1.0" encoding="utf-8"?>
 <p:sld xmlns:a="http://schemas.openxmlformats.org/drawingml/2006/main" xmlns:r="http://schemas.openxmlformats.org/officeDocument/2006/relationships" xmlns:p="http://schemas.openxmlformats.org/presentationml/2006/main">
   <p:cSld>
+    <p:bg>
+      <p:bgPr>
+        <a:solidFill>
+          <a:srgbClr val="F2F2F2"/>
+        </a:solidFill>
+        <a:effectLst/>
+      </p:bgPr>
+    </p:bg>
     <p:spTree>
       <p:nvGrpSpPr>
         <p:cNvPr id="1" name=""/>
@@ -6026,31 +8872,33 @@
         </p:nvSpPr>
         <p:spPr/>
         <p:txBody>
-          <a:bodyPr/>
+          <a:bodyPr>
+            <a:normAutofit/>
+          </a:bodyPr>
           <a:lstStyle/>
           <a:p>
             <a:r>
-              <a:rPr lang="en-US" dirty="0"/>
-              <a:t>Overview of Population</a:t>
+              <a:rPr lang="en-US" sz="3600" b="1" dirty="0">
+                <a:latin typeface="Quire Sans Light" panose="020B0302040400020003" pitchFamily="34" charset="0"/>
+              </a:rPr>
+              <a:t>OVERVIEW OF POPULATION</a:t>
             </a:r>
           </a:p>
         </p:txBody>
       </p:sp>
       <p:pic>
         <p:nvPicPr>
-          <p:cNvPr id="5" name="Content Placeholder 4">
+          <p:cNvPr id="3" name="Content Placeholder 4">
             <a:extLst>
               <a:ext uri="{FF2B5EF4-FFF2-40B4-BE49-F238E27FC236}">
-                <a16:creationId xmlns:a16="http://schemas.microsoft.com/office/drawing/2014/main" id="{5E8A9BB7-84DE-3D49-7D41-8B7B3B41E920}"/>
+                <a16:creationId xmlns:a16="http://schemas.microsoft.com/office/drawing/2014/main" id="{BF890EBA-8599-247B-2B6B-9C2ED26BACFD}"/>
               </a:ext>
             </a:extLst>
           </p:cNvPr>
           <p:cNvPicPr>
-            <a:picLocks noGrp="1" noChangeAspect="1"/>
+            <a:picLocks noChangeAspect="1"/>
           </p:cNvPicPr>
-          <p:nvPr>
-            <p:ph idx="1"/>
-          </p:nvPr>
+          <p:nvPr/>
         </p:nvPicPr>
         <p:blipFill>
           <a:blip r:embed="rId3"/>
@@ -6060,17 +8908,151 @@
         </p:blipFill>
         <p:spPr>
           <a:xfrm>
-            <a:off x="6222888" y="1690688"/>
-            <a:ext cx="5286412" cy="4351338"/>
+            <a:off x="1256641" y="1848922"/>
+            <a:ext cx="3943350" cy="3895725"/>
           </a:xfrm>
+          <a:prstGeom prst="rect">
+            <a:avLst/>
+          </a:prstGeom>
+          <a:ln>
+            <a:solidFill>
+              <a:schemeClr val="tx1"/>
+            </a:solidFill>
+          </a:ln>
         </p:spPr>
       </p:pic>
+      <p:grpSp>
+        <p:nvGrpSpPr>
+          <p:cNvPr id="8" name="Group 7">
+            <a:extLst>
+              <a:ext uri="{FF2B5EF4-FFF2-40B4-BE49-F238E27FC236}">
+                <a16:creationId xmlns:a16="http://schemas.microsoft.com/office/drawing/2014/main" id="{9CA03BB6-CC48-F803-4E86-C05250477DCA}"/>
+              </a:ext>
+            </a:extLst>
+          </p:cNvPr>
+          <p:cNvGrpSpPr/>
+          <p:nvPr/>
+        </p:nvGrpSpPr>
+        <p:grpSpPr>
+          <a:xfrm rot="10800000">
+            <a:off x="487087" y="443428"/>
+            <a:ext cx="2358744" cy="104649"/>
+            <a:chOff x="8918921" y="933480"/>
+            <a:chExt cx="2358744" cy="104649"/>
+          </a:xfrm>
+          <a:solidFill>
+            <a:srgbClr val="ED7D31"/>
+          </a:solidFill>
+        </p:grpSpPr>
+        <p:sp>
+          <p:nvSpPr>
+            <p:cNvPr id="9" name="Rectangle: Rounded Corners 8">
+              <a:extLst>
+                <a:ext uri="{FF2B5EF4-FFF2-40B4-BE49-F238E27FC236}">
+                  <a16:creationId xmlns:a16="http://schemas.microsoft.com/office/drawing/2014/main" id="{B2497B74-B757-AAEE-E337-0C79FF3D7075}"/>
+                </a:ext>
+              </a:extLst>
+            </p:cNvPr>
+            <p:cNvSpPr/>
+            <p:nvPr/>
+          </p:nvSpPr>
+          <p:spPr>
+            <a:xfrm>
+              <a:off x="8918921" y="933481"/>
+              <a:ext cx="2165193" cy="104648"/>
+            </a:xfrm>
+            <a:prstGeom prst="roundRect">
+              <a:avLst>
+                <a:gd name="adj" fmla="val 50000"/>
+              </a:avLst>
+            </a:prstGeom>
+            <a:grpFill/>
+            <a:ln>
+              <a:noFill/>
+            </a:ln>
+          </p:spPr>
+          <p:style>
+            <a:lnRef idx="2">
+              <a:schemeClr val="accent1">
+                <a:shade val="50000"/>
+              </a:schemeClr>
+            </a:lnRef>
+            <a:fillRef idx="1">
+              <a:schemeClr val="accent1"/>
+            </a:fillRef>
+            <a:effectRef idx="0">
+              <a:schemeClr val="accent1"/>
+            </a:effectRef>
+            <a:fontRef idx="minor">
+              <a:schemeClr val="lt1"/>
+            </a:fontRef>
+          </p:style>
+          <p:txBody>
+            <a:bodyPr rtlCol="0" anchor="ctr"/>
+            <a:lstStyle/>
+            <a:p>
+              <a:pPr algn="ctr"/>
+              <a:endParaRPr lang="en-US" dirty="0"/>
+            </a:p>
+          </p:txBody>
+        </p:sp>
+        <p:sp>
+          <p:nvSpPr>
+            <p:cNvPr id="10" name="Oval 9">
+              <a:extLst>
+                <a:ext uri="{FF2B5EF4-FFF2-40B4-BE49-F238E27FC236}">
+                  <a16:creationId xmlns:a16="http://schemas.microsoft.com/office/drawing/2014/main" id="{4777373C-1735-F258-073F-6735835832A7}"/>
+                </a:ext>
+              </a:extLst>
+            </p:cNvPr>
+            <p:cNvSpPr/>
+            <p:nvPr/>
+          </p:nvSpPr>
+          <p:spPr>
+            <a:xfrm>
+              <a:off x="11173016" y="933480"/>
+              <a:ext cx="104649" cy="104649"/>
+            </a:xfrm>
+            <a:prstGeom prst="ellipse">
+              <a:avLst/>
+            </a:prstGeom>
+            <a:grpFill/>
+            <a:ln>
+              <a:noFill/>
+            </a:ln>
+          </p:spPr>
+          <p:style>
+            <a:lnRef idx="2">
+              <a:schemeClr val="accent1">
+                <a:shade val="50000"/>
+              </a:schemeClr>
+            </a:lnRef>
+            <a:fillRef idx="1">
+              <a:schemeClr val="accent1"/>
+            </a:fillRef>
+            <a:effectRef idx="0">
+              <a:schemeClr val="accent1"/>
+            </a:effectRef>
+            <a:fontRef idx="minor">
+              <a:schemeClr val="lt1"/>
+            </a:fontRef>
+          </p:style>
+          <p:txBody>
+            <a:bodyPr rtlCol="0" anchor="ctr"/>
+            <a:lstStyle/>
+            <a:p>
+              <a:pPr algn="ctr"/>
+              <a:endParaRPr lang="en-US"/>
+            </a:p>
+          </p:txBody>
+        </p:sp>
+      </p:grpSp>
       <p:pic>
         <p:nvPicPr>
-          <p:cNvPr id="3" name="Content Placeholder 4">
+          <p:cNvPr id="14" name="Picture 13">
             <a:extLst>
               <a:ext uri="{FF2B5EF4-FFF2-40B4-BE49-F238E27FC236}">
-                <a16:creationId xmlns:a16="http://schemas.microsoft.com/office/drawing/2014/main" id="{BF890EBA-8599-247B-2B6B-9C2ED26BACFD}"/>
+                <a16:creationId xmlns:a16="http://schemas.microsoft.com/office/drawing/2014/main" id="{D63F0718-0DAC-A2C6-4B8B-562F26923FD4}"/>
               </a:ext>
             </a:extLst>
           </p:cNvPr>
@@ -6087,8 +9069,8 @@
         </p:blipFill>
         <p:spPr>
           <a:xfrm>
-            <a:off x="1107556" y="2105141"/>
-            <a:ext cx="3943350" cy="3895725"/>
+            <a:off x="6052457" y="1558409"/>
+            <a:ext cx="5438775" cy="4476750"/>
           </a:xfrm>
           <a:prstGeom prst="rect">
             <a:avLst/>
@@ -6116,6 +9098,14 @@
 <file path=ppt/slides/slide5.xml><?xml version="1.0" encoding="utf-8"?>
 <p:sld xmlns:a="http://schemas.openxmlformats.org/drawingml/2006/main" xmlns:r="http://schemas.openxmlformats.org/officeDocument/2006/relationships" xmlns:p="http://schemas.openxmlformats.org/presentationml/2006/main">
   <p:cSld>
+    <p:bg>
+      <p:bgPr>
+        <a:solidFill>
+          <a:srgbClr val="F2F2F2"/>
+        </a:solidFill>
+        <a:effectLst/>
+      </p:bgPr>
+    </p:bg>
     <p:spTree>
       <p:nvGrpSpPr>
         <p:cNvPr id="1" name=""/>
@@ -6146,33 +9136,40 @@
             <p:ph type="title"/>
           </p:nvPr>
         </p:nvSpPr>
-        <p:spPr/>
-        <p:txBody>
-          <a:bodyPr/>
+        <p:spPr>
+          <a:xfrm>
+            <a:off x="838199" y="365125"/>
+            <a:ext cx="10658475" cy="1325563"/>
+          </a:xfrm>
+        </p:spPr>
+        <p:txBody>
+          <a:bodyPr>
+            <a:normAutofit/>
+          </a:bodyPr>
           <a:lstStyle/>
           <a:p>
             <a:r>
-              <a:rPr lang="en-US" dirty="0"/>
-              <a:t>Deep sleep vs. sleep efficiency vs. light sleep</a:t>
+              <a:rPr lang="en-US" sz="3600" b="1" dirty="0">
+                <a:latin typeface="Quire Sans Light" panose="020B0302040400020003" pitchFamily="34" charset="0"/>
+              </a:rPr>
+              <a:t>DEEP SLEEP VS. SLEEP EFFICIENCY VS. LIGHT SLEEP</a:t>
             </a:r>
           </a:p>
         </p:txBody>
       </p:sp>
       <p:pic>
         <p:nvPicPr>
-          <p:cNvPr id="5" name="Content Placeholder 4">
+          <p:cNvPr id="11" name="Picture 10">
             <a:extLst>
               <a:ext uri="{FF2B5EF4-FFF2-40B4-BE49-F238E27FC236}">
-                <a16:creationId xmlns:a16="http://schemas.microsoft.com/office/drawing/2014/main" id="{25E60C00-61F4-A5B8-78F9-719C0A7438CE}"/>
+                <a16:creationId xmlns:a16="http://schemas.microsoft.com/office/drawing/2014/main" id="{AE41810B-6481-1B79-0263-DFEB4D517123}"/>
               </a:ext>
             </a:extLst>
           </p:cNvPr>
           <p:cNvPicPr>
-            <a:picLocks noGrp="1" noChangeAspect="1"/>
+            <a:picLocks noChangeAspect="1"/>
           </p:cNvPicPr>
-          <p:nvPr>
-            <p:ph idx="1"/>
-          </p:nvPr>
+          <p:nvPr/>
         </p:nvPicPr>
         <p:blipFill>
           <a:blip r:embed="rId3"/>
@@ -6182,17 +9179,25 @@
         </p:blipFill>
         <p:spPr>
           <a:xfrm>
-            <a:off x="467546" y="1936920"/>
+            <a:off x="428901" y="1690688"/>
             <a:ext cx="5400675" cy="4114800"/>
           </a:xfrm>
+          <a:prstGeom prst="rect">
+            <a:avLst/>
+          </a:prstGeom>
+          <a:ln>
+            <a:solidFill>
+              <a:schemeClr val="tx1"/>
+            </a:solidFill>
+          </a:ln>
         </p:spPr>
       </p:pic>
       <p:pic>
         <p:nvPicPr>
-          <p:cNvPr id="7" name="Picture 6">
+          <p:cNvPr id="13" name="Picture 12">
             <a:extLst>
               <a:ext uri="{FF2B5EF4-FFF2-40B4-BE49-F238E27FC236}">
-                <a16:creationId xmlns:a16="http://schemas.microsoft.com/office/drawing/2014/main" id="{EEB616E0-D067-FABB-89FE-0FFD3FCAD144}"/>
+                <a16:creationId xmlns:a16="http://schemas.microsoft.com/office/drawing/2014/main" id="{0CD9F0A8-74CE-DC3D-50A6-B75A15589A64}"/>
               </a:ext>
             </a:extLst>
           </p:cNvPr>
@@ -6209,14 +9214,145 @@
         </p:blipFill>
         <p:spPr>
           <a:xfrm>
-            <a:off x="6140279" y="2080727"/>
+            <a:off x="6238874" y="1690688"/>
             <a:ext cx="5400675" cy="4114800"/>
           </a:xfrm>
           <a:prstGeom prst="rect">
             <a:avLst/>
           </a:prstGeom>
+          <a:ln>
+            <a:solidFill>
+              <a:schemeClr val="tx1"/>
+            </a:solidFill>
+          </a:ln>
         </p:spPr>
       </p:pic>
+      <p:grpSp>
+        <p:nvGrpSpPr>
+          <p:cNvPr id="14" name="Group 13">
+            <a:extLst>
+              <a:ext uri="{FF2B5EF4-FFF2-40B4-BE49-F238E27FC236}">
+                <a16:creationId xmlns:a16="http://schemas.microsoft.com/office/drawing/2014/main" id="{6C4663F7-7006-2191-61C7-1604C749E3C3}"/>
+              </a:ext>
+            </a:extLst>
+          </p:cNvPr>
+          <p:cNvGrpSpPr/>
+          <p:nvPr/>
+        </p:nvGrpSpPr>
+        <p:grpSpPr>
+          <a:xfrm rot="10800000">
+            <a:off x="487087" y="443428"/>
+            <a:ext cx="2358744" cy="104649"/>
+            <a:chOff x="8918921" y="933480"/>
+            <a:chExt cx="2358744" cy="104649"/>
+          </a:xfrm>
+          <a:solidFill>
+            <a:srgbClr val="ED7D31"/>
+          </a:solidFill>
+        </p:grpSpPr>
+        <p:sp>
+          <p:nvSpPr>
+            <p:cNvPr id="15" name="Rectangle: Rounded Corners 14">
+              <a:extLst>
+                <a:ext uri="{FF2B5EF4-FFF2-40B4-BE49-F238E27FC236}">
+                  <a16:creationId xmlns:a16="http://schemas.microsoft.com/office/drawing/2014/main" id="{09EC876C-E3A0-8E5C-29CD-8A9C900C17AF}"/>
+                </a:ext>
+              </a:extLst>
+            </p:cNvPr>
+            <p:cNvSpPr/>
+            <p:nvPr/>
+          </p:nvSpPr>
+          <p:spPr>
+            <a:xfrm>
+              <a:off x="8918921" y="933481"/>
+              <a:ext cx="2165193" cy="104648"/>
+            </a:xfrm>
+            <a:prstGeom prst="roundRect">
+              <a:avLst>
+                <a:gd name="adj" fmla="val 50000"/>
+              </a:avLst>
+            </a:prstGeom>
+            <a:grpFill/>
+            <a:ln>
+              <a:noFill/>
+            </a:ln>
+          </p:spPr>
+          <p:style>
+            <a:lnRef idx="2">
+              <a:schemeClr val="accent1">
+                <a:shade val="50000"/>
+              </a:schemeClr>
+            </a:lnRef>
+            <a:fillRef idx="1">
+              <a:schemeClr val="accent1"/>
+            </a:fillRef>
+            <a:effectRef idx="0">
+              <a:schemeClr val="accent1"/>
+            </a:effectRef>
+            <a:fontRef idx="minor">
+              <a:schemeClr val="lt1"/>
+            </a:fontRef>
+          </p:style>
+          <p:txBody>
+            <a:bodyPr rtlCol="0" anchor="ctr"/>
+            <a:lstStyle/>
+            <a:p>
+              <a:pPr algn="ctr"/>
+              <a:endParaRPr lang="en-US" dirty="0"/>
+            </a:p>
+          </p:txBody>
+        </p:sp>
+        <p:sp>
+          <p:nvSpPr>
+            <p:cNvPr id="16" name="Oval 15">
+              <a:extLst>
+                <a:ext uri="{FF2B5EF4-FFF2-40B4-BE49-F238E27FC236}">
+                  <a16:creationId xmlns:a16="http://schemas.microsoft.com/office/drawing/2014/main" id="{4FEC2D2C-5C79-B995-9E19-CB57D408E8A8}"/>
+                </a:ext>
+              </a:extLst>
+            </p:cNvPr>
+            <p:cNvSpPr/>
+            <p:nvPr/>
+          </p:nvSpPr>
+          <p:spPr>
+            <a:xfrm>
+              <a:off x="11173016" y="933480"/>
+              <a:ext cx="104649" cy="104649"/>
+            </a:xfrm>
+            <a:prstGeom prst="ellipse">
+              <a:avLst/>
+            </a:prstGeom>
+            <a:grpFill/>
+            <a:ln>
+              <a:noFill/>
+            </a:ln>
+          </p:spPr>
+          <p:style>
+            <a:lnRef idx="2">
+              <a:schemeClr val="accent1">
+                <a:shade val="50000"/>
+              </a:schemeClr>
+            </a:lnRef>
+            <a:fillRef idx="1">
+              <a:schemeClr val="accent1"/>
+            </a:fillRef>
+            <a:effectRef idx="0">
+              <a:schemeClr val="accent1"/>
+            </a:effectRef>
+            <a:fontRef idx="minor">
+              <a:schemeClr val="lt1"/>
+            </a:fontRef>
+          </p:style>
+          <p:txBody>
+            <a:bodyPr rtlCol="0" anchor="ctr"/>
+            <a:lstStyle/>
+            <a:p>
+              <a:pPr algn="ctr"/>
+              <a:endParaRPr lang="en-US"/>
+            </a:p>
+          </p:txBody>
+        </p:sp>
+      </p:grpSp>
     </p:spTree>
     <p:extLst>
       <p:ext uri="{BB962C8B-B14F-4D97-AF65-F5344CB8AC3E}">
@@ -6233,6 +9369,14 @@
 <file path=ppt/slides/slide6.xml><?xml version="1.0" encoding="utf-8"?>
 <p:sld xmlns:a="http://schemas.openxmlformats.org/drawingml/2006/main" xmlns:r="http://schemas.openxmlformats.org/officeDocument/2006/relationships" xmlns:p="http://schemas.openxmlformats.org/presentationml/2006/main">
   <p:cSld>
+    <p:bg>
+      <p:bgPr>
+        <a:solidFill>
+          <a:srgbClr val="F2F2F2"/>
+        </a:solidFill>
+        <a:effectLst/>
+      </p:bgPr>
+    </p:bg>
     <p:spTree>
       <p:nvGrpSpPr>
         <p:cNvPr id="1" name=""/>
@@ -6265,12 +9409,16 @@
         </p:nvSpPr>
         <p:spPr/>
         <p:txBody>
-          <a:bodyPr/>
+          <a:bodyPr>
+            <a:normAutofit/>
+          </a:bodyPr>
           <a:lstStyle/>
           <a:p>
             <a:r>
-              <a:rPr lang="en-US" dirty="0"/>
-              <a:t>Does age affect sleep efficiency?</a:t>
+              <a:rPr lang="en-US" sz="3600" b="1" dirty="0">
+                <a:latin typeface="Quire Sans Light" panose="020B0302040400020003" pitchFamily="34" charset="0"/>
+              </a:rPr>
+              <a:t>DOES AGE AFFECT SLEEP EFFICIENCY?</a:t>
             </a:r>
           </a:p>
         </p:txBody>
@@ -6306,19 +9454,11 @@
             <a:r>
               <a:rPr lang="en-US" sz="2400" b="0" i="0" dirty="0">
                 <a:effectLst/>
-                <a:latin typeface="Consolas" panose="020B0609020204030204" pitchFamily="49" charset="0"/>
+                <a:latin typeface="Quire Sans" panose="020B0502040400020003" pitchFamily="34" charset="0"/>
+                <a:cs typeface="Quire Sans" panose="020B0502040400020003" pitchFamily="34" charset="0"/>
               </a:rPr>
               <a:t>The correlation between age and sleep efficiency is 0.12</a:t>
             </a:r>
-          </a:p>
-          <a:p>
-            <a:r>
-              <a:rPr lang="en-US" sz="2400" dirty="0">
-                <a:latin typeface="Consolas" panose="020B0609020204030204" pitchFamily="49" charset="0"/>
-              </a:rPr>
-              <a:t>TBD</a:t>
-            </a:r>
-            <a:endParaRPr lang="en-US" sz="2400" dirty="0"/>
           </a:p>
         </p:txBody>
       </p:sp>
@@ -6350,8 +9490,139 @@
           <a:prstGeom prst="rect">
             <a:avLst/>
           </a:prstGeom>
+          <a:ln>
+            <a:solidFill>
+              <a:schemeClr val="tx1"/>
+            </a:solidFill>
+          </a:ln>
         </p:spPr>
       </p:pic>
+      <p:grpSp>
+        <p:nvGrpSpPr>
+          <p:cNvPr id="8" name="Group 7">
+            <a:extLst>
+              <a:ext uri="{FF2B5EF4-FFF2-40B4-BE49-F238E27FC236}">
+                <a16:creationId xmlns:a16="http://schemas.microsoft.com/office/drawing/2014/main" id="{5E43345B-DCEA-1F29-B6A5-02AE194086A2}"/>
+              </a:ext>
+            </a:extLst>
+          </p:cNvPr>
+          <p:cNvGrpSpPr/>
+          <p:nvPr/>
+        </p:nvGrpSpPr>
+        <p:grpSpPr>
+          <a:xfrm rot="10800000">
+            <a:off x="487087" y="443428"/>
+            <a:ext cx="2358744" cy="104649"/>
+            <a:chOff x="8918921" y="933480"/>
+            <a:chExt cx="2358744" cy="104649"/>
+          </a:xfrm>
+          <a:solidFill>
+            <a:srgbClr val="ED7D31"/>
+          </a:solidFill>
+        </p:grpSpPr>
+        <p:sp>
+          <p:nvSpPr>
+            <p:cNvPr id="9" name="Rectangle: Rounded Corners 8">
+              <a:extLst>
+                <a:ext uri="{FF2B5EF4-FFF2-40B4-BE49-F238E27FC236}">
+                  <a16:creationId xmlns:a16="http://schemas.microsoft.com/office/drawing/2014/main" id="{94753537-AD74-10BF-CEF8-1EE041DC42D5}"/>
+                </a:ext>
+              </a:extLst>
+            </p:cNvPr>
+            <p:cNvSpPr/>
+            <p:nvPr/>
+          </p:nvSpPr>
+          <p:spPr>
+            <a:xfrm>
+              <a:off x="8918921" y="933481"/>
+              <a:ext cx="2165193" cy="104648"/>
+            </a:xfrm>
+            <a:prstGeom prst="roundRect">
+              <a:avLst>
+                <a:gd name="adj" fmla="val 50000"/>
+              </a:avLst>
+            </a:prstGeom>
+            <a:grpFill/>
+            <a:ln>
+              <a:noFill/>
+            </a:ln>
+          </p:spPr>
+          <p:style>
+            <a:lnRef idx="2">
+              <a:schemeClr val="accent1">
+                <a:shade val="50000"/>
+              </a:schemeClr>
+            </a:lnRef>
+            <a:fillRef idx="1">
+              <a:schemeClr val="accent1"/>
+            </a:fillRef>
+            <a:effectRef idx="0">
+              <a:schemeClr val="accent1"/>
+            </a:effectRef>
+            <a:fontRef idx="minor">
+              <a:schemeClr val="lt1"/>
+            </a:fontRef>
+          </p:style>
+          <p:txBody>
+            <a:bodyPr rtlCol="0" anchor="ctr"/>
+            <a:lstStyle/>
+            <a:p>
+              <a:pPr algn="ctr"/>
+              <a:endParaRPr lang="en-US" dirty="0"/>
+            </a:p>
+          </p:txBody>
+        </p:sp>
+        <p:sp>
+          <p:nvSpPr>
+            <p:cNvPr id="10" name="Oval 9">
+              <a:extLst>
+                <a:ext uri="{FF2B5EF4-FFF2-40B4-BE49-F238E27FC236}">
+                  <a16:creationId xmlns:a16="http://schemas.microsoft.com/office/drawing/2014/main" id="{ED8F57CD-2692-3BBA-4BD5-FD3581D0E82E}"/>
+                </a:ext>
+              </a:extLst>
+            </p:cNvPr>
+            <p:cNvSpPr/>
+            <p:nvPr/>
+          </p:nvSpPr>
+          <p:spPr>
+            <a:xfrm>
+              <a:off x="11173016" y="933480"/>
+              <a:ext cx="104649" cy="104649"/>
+            </a:xfrm>
+            <a:prstGeom prst="ellipse">
+              <a:avLst/>
+            </a:prstGeom>
+            <a:grpFill/>
+            <a:ln>
+              <a:noFill/>
+            </a:ln>
+          </p:spPr>
+          <p:style>
+            <a:lnRef idx="2">
+              <a:schemeClr val="accent1">
+                <a:shade val="50000"/>
+              </a:schemeClr>
+            </a:lnRef>
+            <a:fillRef idx="1">
+              <a:schemeClr val="accent1"/>
+            </a:fillRef>
+            <a:effectRef idx="0">
+              <a:schemeClr val="accent1"/>
+            </a:effectRef>
+            <a:fontRef idx="minor">
+              <a:schemeClr val="lt1"/>
+            </a:fontRef>
+          </p:style>
+          <p:txBody>
+            <a:bodyPr rtlCol="0" anchor="ctr"/>
+            <a:lstStyle/>
+            <a:p>
+              <a:pPr algn="ctr"/>
+              <a:endParaRPr lang="en-US"/>
+            </a:p>
+          </p:txBody>
+        </p:sp>
+      </p:grpSp>
     </p:spTree>
     <p:extLst>
       <p:ext uri="{BB962C8B-B14F-4D97-AF65-F5344CB8AC3E}">
@@ -6368,6 +9639,14 @@
 <file path=ppt/slides/slide7.xml><?xml version="1.0" encoding="utf-8"?>
 <p:sld xmlns:a="http://schemas.openxmlformats.org/drawingml/2006/main" xmlns:r="http://schemas.openxmlformats.org/officeDocument/2006/relationships" xmlns:p="http://schemas.openxmlformats.org/presentationml/2006/main">
   <p:cSld>
+    <p:bg>
+      <p:bgPr>
+        <a:solidFill>
+          <a:srgbClr val="F2F2F2"/>
+        </a:solidFill>
+        <a:effectLst/>
+      </p:bgPr>
+    </p:bg>
     <p:spTree>
       <p:nvGrpSpPr>
         <p:cNvPr id="1" name=""/>
@@ -6398,14 +9677,23 @@
             <p:ph type="title"/>
           </p:nvPr>
         </p:nvSpPr>
-        <p:spPr/>
-        <p:txBody>
-          <a:bodyPr/>
+        <p:spPr>
+          <a:xfrm>
+            <a:off x="838200" y="458435"/>
+            <a:ext cx="10515600" cy="1325563"/>
+          </a:xfrm>
+        </p:spPr>
+        <p:txBody>
+          <a:bodyPr>
+            <a:normAutofit/>
+          </a:bodyPr>
           <a:lstStyle/>
           <a:p>
             <a:r>
-              <a:rPr lang="en-US" dirty="0"/>
-              <a:t>Does gender affect sleep?</a:t>
+              <a:rPr lang="en-US" sz="3600" b="1" dirty="0">
+                <a:latin typeface="Quire Sans Light" panose="020B0302040400020003" pitchFamily="34" charset="0"/>
+              </a:rPr>
+              <a:t>DO AGE &amp; GENDER AFFECT SLEEP EFFICIENCY OR SLEEP DURATION ?</a:t>
             </a:r>
           </a:p>
         </p:txBody>
@@ -6434,9 +9722,14 @@
         </p:blipFill>
         <p:spPr>
           <a:xfrm>
-            <a:off x="647700" y="1690687"/>
+            <a:off x="457201" y="1690687"/>
             <a:ext cx="5448300" cy="4314825"/>
           </a:xfrm>
+          <a:ln>
+            <a:solidFill>
+              <a:schemeClr val="tx1"/>
+            </a:solidFill>
+          </a:ln>
         </p:spPr>
       </p:pic>
       <p:pic>
@@ -6467,8 +9760,139 @@
           <a:prstGeom prst="rect">
             <a:avLst/>
           </a:prstGeom>
+          <a:ln>
+            <a:solidFill>
+              <a:schemeClr val="tx1"/>
+            </a:solidFill>
+          </a:ln>
         </p:spPr>
       </p:pic>
+      <p:grpSp>
+        <p:nvGrpSpPr>
+          <p:cNvPr id="8" name="Group 7">
+            <a:extLst>
+              <a:ext uri="{FF2B5EF4-FFF2-40B4-BE49-F238E27FC236}">
+                <a16:creationId xmlns:a16="http://schemas.microsoft.com/office/drawing/2014/main" id="{E7E3CB7D-4145-8D9B-936F-5A5F3B4601E9}"/>
+              </a:ext>
+            </a:extLst>
+          </p:cNvPr>
+          <p:cNvGrpSpPr/>
+          <p:nvPr/>
+        </p:nvGrpSpPr>
+        <p:grpSpPr>
+          <a:xfrm rot="10800000">
+            <a:off x="487087" y="443428"/>
+            <a:ext cx="2358744" cy="104649"/>
+            <a:chOff x="8918921" y="933480"/>
+            <a:chExt cx="2358744" cy="104649"/>
+          </a:xfrm>
+          <a:solidFill>
+            <a:srgbClr val="ED7D31"/>
+          </a:solidFill>
+        </p:grpSpPr>
+        <p:sp>
+          <p:nvSpPr>
+            <p:cNvPr id="9" name="Rectangle: Rounded Corners 8">
+              <a:extLst>
+                <a:ext uri="{FF2B5EF4-FFF2-40B4-BE49-F238E27FC236}">
+                  <a16:creationId xmlns:a16="http://schemas.microsoft.com/office/drawing/2014/main" id="{AA69797C-D768-F2EF-8EB1-F9DB7A5CF74A}"/>
+                </a:ext>
+              </a:extLst>
+            </p:cNvPr>
+            <p:cNvSpPr/>
+            <p:nvPr/>
+          </p:nvSpPr>
+          <p:spPr>
+            <a:xfrm>
+              <a:off x="8918921" y="933481"/>
+              <a:ext cx="2165193" cy="104648"/>
+            </a:xfrm>
+            <a:prstGeom prst="roundRect">
+              <a:avLst>
+                <a:gd name="adj" fmla="val 50000"/>
+              </a:avLst>
+            </a:prstGeom>
+            <a:grpFill/>
+            <a:ln>
+              <a:noFill/>
+            </a:ln>
+          </p:spPr>
+          <p:style>
+            <a:lnRef idx="2">
+              <a:schemeClr val="accent1">
+                <a:shade val="50000"/>
+              </a:schemeClr>
+            </a:lnRef>
+            <a:fillRef idx="1">
+              <a:schemeClr val="accent1"/>
+            </a:fillRef>
+            <a:effectRef idx="0">
+              <a:schemeClr val="accent1"/>
+            </a:effectRef>
+            <a:fontRef idx="minor">
+              <a:schemeClr val="lt1"/>
+            </a:fontRef>
+          </p:style>
+          <p:txBody>
+            <a:bodyPr rtlCol="0" anchor="ctr"/>
+            <a:lstStyle/>
+            <a:p>
+              <a:pPr algn="ctr"/>
+              <a:endParaRPr lang="en-US" dirty="0"/>
+            </a:p>
+          </p:txBody>
+        </p:sp>
+        <p:sp>
+          <p:nvSpPr>
+            <p:cNvPr id="10" name="Oval 9">
+              <a:extLst>
+                <a:ext uri="{FF2B5EF4-FFF2-40B4-BE49-F238E27FC236}">
+                  <a16:creationId xmlns:a16="http://schemas.microsoft.com/office/drawing/2014/main" id="{9266A3D8-FD6E-E3D3-2095-A09A8107592D}"/>
+                </a:ext>
+              </a:extLst>
+            </p:cNvPr>
+            <p:cNvSpPr/>
+            <p:nvPr/>
+          </p:nvSpPr>
+          <p:spPr>
+            <a:xfrm>
+              <a:off x="11173016" y="933480"/>
+              <a:ext cx="104649" cy="104649"/>
+            </a:xfrm>
+            <a:prstGeom prst="ellipse">
+              <a:avLst/>
+            </a:prstGeom>
+            <a:grpFill/>
+            <a:ln>
+              <a:noFill/>
+            </a:ln>
+          </p:spPr>
+          <p:style>
+            <a:lnRef idx="2">
+              <a:schemeClr val="accent1">
+                <a:shade val="50000"/>
+              </a:schemeClr>
+            </a:lnRef>
+            <a:fillRef idx="1">
+              <a:schemeClr val="accent1"/>
+            </a:fillRef>
+            <a:effectRef idx="0">
+              <a:schemeClr val="accent1"/>
+            </a:effectRef>
+            <a:fontRef idx="minor">
+              <a:schemeClr val="lt1"/>
+            </a:fontRef>
+          </p:style>
+          <p:txBody>
+            <a:bodyPr rtlCol="0" anchor="ctr"/>
+            <a:lstStyle/>
+            <a:p>
+              <a:pPr algn="ctr"/>
+              <a:endParaRPr lang="en-US"/>
+            </a:p>
+          </p:txBody>
+        </p:sp>
+      </p:grpSp>
     </p:spTree>
     <p:extLst>
       <p:ext uri="{BB962C8B-B14F-4D97-AF65-F5344CB8AC3E}">
@@ -6485,6 +9909,14 @@
 <file path=ppt/slides/slide8.xml><?xml version="1.0" encoding="utf-8"?>
 <p:sld xmlns:a="http://schemas.openxmlformats.org/drawingml/2006/main" xmlns:r="http://schemas.openxmlformats.org/officeDocument/2006/relationships" xmlns:p="http://schemas.openxmlformats.org/presentationml/2006/main">
   <p:cSld>
+    <p:bg>
+      <p:bgPr>
+        <a:solidFill>
+          <a:srgbClr val="F2F2F2"/>
+        </a:solidFill>
+        <a:effectLst/>
+      </p:bgPr>
+    </p:bg>
     <p:spTree>
       <p:nvGrpSpPr>
         <p:cNvPr id="1" name=""/>
@@ -6517,31 +9949,33 @@
         </p:nvSpPr>
         <p:spPr/>
         <p:txBody>
-          <a:bodyPr/>
+          <a:bodyPr>
+            <a:normAutofit/>
+          </a:bodyPr>
           <a:lstStyle/>
           <a:p>
             <a:r>
-              <a:rPr lang="en-US" dirty="0"/>
-              <a:t>Does alcohol consumption affect sleep?</a:t>
+              <a:rPr lang="en-US" sz="3600" b="1" dirty="0">
+                <a:latin typeface="Quire Sans Light" panose="020B0302040400020003" pitchFamily="34" charset="0"/>
+              </a:rPr>
+              <a:t>DOES ALCOHOL CONSUMPTION AFFECT SLEEP?</a:t>
             </a:r>
           </a:p>
         </p:txBody>
       </p:sp>
       <p:pic>
         <p:nvPicPr>
-          <p:cNvPr id="5" name="Content Placeholder 4">
+          <p:cNvPr id="4" name="Picture 3">
             <a:extLst>
               <a:ext uri="{FF2B5EF4-FFF2-40B4-BE49-F238E27FC236}">
-                <a16:creationId xmlns:a16="http://schemas.microsoft.com/office/drawing/2014/main" id="{26A23406-F2E5-F51F-0E81-674CA1DFC964}"/>
+                <a16:creationId xmlns:a16="http://schemas.microsoft.com/office/drawing/2014/main" id="{7E5506CF-9E4F-9869-6BD8-F4B0F8092692}"/>
               </a:ext>
             </a:extLst>
           </p:cNvPr>
           <p:cNvPicPr>
-            <a:picLocks noGrp="1" noChangeAspect="1"/>
+            <a:picLocks noChangeAspect="1"/>
           </p:cNvPicPr>
-          <p:nvPr>
-            <p:ph idx="1"/>
-          </p:nvPr>
+          <p:nvPr/>
         </p:nvPicPr>
         <p:blipFill>
           <a:blip r:embed="rId3"/>
@@ -6551,17 +9985,25 @@
         </p:blipFill>
         <p:spPr>
           <a:xfrm>
-            <a:off x="838200" y="1922413"/>
-            <a:ext cx="5429250" cy="3933825"/>
+            <a:off x="561975" y="1690687"/>
+            <a:ext cx="5534025" cy="4314825"/>
           </a:xfrm>
+          <a:prstGeom prst="rect">
+            <a:avLst/>
+          </a:prstGeom>
+          <a:ln>
+            <a:solidFill>
+              <a:schemeClr val="tx1"/>
+            </a:solidFill>
+          </a:ln>
         </p:spPr>
       </p:pic>
       <p:pic>
         <p:nvPicPr>
-          <p:cNvPr id="7" name="Picture 6">
+          <p:cNvPr id="6" name="Picture 5">
             <a:extLst>
               <a:ext uri="{FF2B5EF4-FFF2-40B4-BE49-F238E27FC236}">
-                <a16:creationId xmlns:a16="http://schemas.microsoft.com/office/drawing/2014/main" id="{46CA9EB2-8CED-5C0A-B065-04B05C3A3CBB}"/>
+                <a16:creationId xmlns:a16="http://schemas.microsoft.com/office/drawing/2014/main" id="{ED199FEF-5623-8FC3-0B56-830457F7F1FF}"/>
               </a:ext>
             </a:extLst>
           </p:cNvPr>
@@ -6578,14 +10020,145 @@
         </p:blipFill>
         <p:spPr>
           <a:xfrm>
-            <a:off x="6625415" y="1853972"/>
-            <a:ext cx="5267325" cy="3933825"/>
+            <a:off x="6372225" y="1690687"/>
+            <a:ext cx="5448300" cy="4314825"/>
           </a:xfrm>
           <a:prstGeom prst="rect">
             <a:avLst/>
           </a:prstGeom>
+          <a:ln>
+            <a:solidFill>
+              <a:schemeClr val="tx1"/>
+            </a:solidFill>
+          </a:ln>
         </p:spPr>
       </p:pic>
+      <p:grpSp>
+        <p:nvGrpSpPr>
+          <p:cNvPr id="14" name="Group 13">
+            <a:extLst>
+              <a:ext uri="{FF2B5EF4-FFF2-40B4-BE49-F238E27FC236}">
+                <a16:creationId xmlns:a16="http://schemas.microsoft.com/office/drawing/2014/main" id="{E56E084F-37B1-C2B7-549B-1D2DF149A9B8}"/>
+              </a:ext>
+            </a:extLst>
+          </p:cNvPr>
+          <p:cNvGrpSpPr/>
+          <p:nvPr/>
+        </p:nvGrpSpPr>
+        <p:grpSpPr>
+          <a:xfrm rot="10800000">
+            <a:off x="487087" y="443428"/>
+            <a:ext cx="2358744" cy="104649"/>
+            <a:chOff x="8918921" y="933480"/>
+            <a:chExt cx="2358744" cy="104649"/>
+          </a:xfrm>
+          <a:solidFill>
+            <a:srgbClr val="ED7D31"/>
+          </a:solidFill>
+        </p:grpSpPr>
+        <p:sp>
+          <p:nvSpPr>
+            <p:cNvPr id="16" name="Rectangle: Rounded Corners 15">
+              <a:extLst>
+                <a:ext uri="{FF2B5EF4-FFF2-40B4-BE49-F238E27FC236}">
+                  <a16:creationId xmlns:a16="http://schemas.microsoft.com/office/drawing/2014/main" id="{840E858C-CD8C-7EC6-B508-5A59B49A6503}"/>
+                </a:ext>
+              </a:extLst>
+            </p:cNvPr>
+            <p:cNvSpPr/>
+            <p:nvPr/>
+          </p:nvSpPr>
+          <p:spPr>
+            <a:xfrm>
+              <a:off x="8918921" y="933481"/>
+              <a:ext cx="2165193" cy="104648"/>
+            </a:xfrm>
+            <a:prstGeom prst="roundRect">
+              <a:avLst>
+                <a:gd name="adj" fmla="val 50000"/>
+              </a:avLst>
+            </a:prstGeom>
+            <a:grpFill/>
+            <a:ln>
+              <a:noFill/>
+            </a:ln>
+          </p:spPr>
+          <p:style>
+            <a:lnRef idx="2">
+              <a:schemeClr val="accent1">
+                <a:shade val="50000"/>
+              </a:schemeClr>
+            </a:lnRef>
+            <a:fillRef idx="1">
+              <a:schemeClr val="accent1"/>
+            </a:fillRef>
+            <a:effectRef idx="0">
+              <a:schemeClr val="accent1"/>
+            </a:effectRef>
+            <a:fontRef idx="minor">
+              <a:schemeClr val="lt1"/>
+            </a:fontRef>
+          </p:style>
+          <p:txBody>
+            <a:bodyPr rtlCol="0" anchor="ctr"/>
+            <a:lstStyle/>
+            <a:p>
+              <a:pPr algn="ctr"/>
+              <a:endParaRPr lang="en-US" dirty="0"/>
+            </a:p>
+          </p:txBody>
+        </p:sp>
+        <p:sp>
+          <p:nvSpPr>
+            <p:cNvPr id="18" name="Oval 17">
+              <a:extLst>
+                <a:ext uri="{FF2B5EF4-FFF2-40B4-BE49-F238E27FC236}">
+                  <a16:creationId xmlns:a16="http://schemas.microsoft.com/office/drawing/2014/main" id="{F1595F4E-CF2D-49F8-0631-E15939A3DD79}"/>
+                </a:ext>
+              </a:extLst>
+            </p:cNvPr>
+            <p:cNvSpPr/>
+            <p:nvPr/>
+          </p:nvSpPr>
+          <p:spPr>
+            <a:xfrm>
+              <a:off x="11173016" y="933480"/>
+              <a:ext cx="104649" cy="104649"/>
+            </a:xfrm>
+            <a:prstGeom prst="ellipse">
+              <a:avLst/>
+            </a:prstGeom>
+            <a:grpFill/>
+            <a:ln>
+              <a:noFill/>
+            </a:ln>
+          </p:spPr>
+          <p:style>
+            <a:lnRef idx="2">
+              <a:schemeClr val="accent1">
+                <a:shade val="50000"/>
+              </a:schemeClr>
+            </a:lnRef>
+            <a:fillRef idx="1">
+              <a:schemeClr val="accent1"/>
+            </a:fillRef>
+            <a:effectRef idx="0">
+              <a:schemeClr val="accent1"/>
+            </a:effectRef>
+            <a:fontRef idx="minor">
+              <a:schemeClr val="lt1"/>
+            </a:fontRef>
+          </p:style>
+          <p:txBody>
+            <a:bodyPr rtlCol="0" anchor="ctr"/>
+            <a:lstStyle/>
+            <a:p>
+              <a:pPr algn="ctr"/>
+              <a:endParaRPr lang="en-US"/>
+            </a:p>
+          </p:txBody>
+        </p:sp>
+      </p:grpSp>
     </p:spTree>
     <p:extLst>
       <p:ext uri="{BB962C8B-B14F-4D97-AF65-F5344CB8AC3E}">
@@ -6602,6 +10175,14 @@
 <file path=ppt/slides/slide9.xml><?xml version="1.0" encoding="utf-8"?>
 <p:sld xmlns:a="http://schemas.openxmlformats.org/drawingml/2006/main" xmlns:r="http://schemas.openxmlformats.org/officeDocument/2006/relationships" xmlns:p="http://schemas.openxmlformats.org/presentationml/2006/main">
   <p:cSld>
+    <p:bg>
+      <p:bgPr>
+        <a:solidFill>
+          <a:srgbClr val="F2F2F2"/>
+        </a:solidFill>
+        <a:effectLst/>
+      </p:bgPr>
+    </p:bg>
     <p:spTree>
       <p:nvGrpSpPr>
         <p:cNvPr id="1" name=""/>
@@ -6634,31 +10215,33 @@
         </p:nvSpPr>
         <p:spPr/>
         <p:txBody>
-          <a:bodyPr/>
+          <a:bodyPr>
+            <a:normAutofit/>
+          </a:bodyPr>
           <a:lstStyle/>
           <a:p>
             <a:r>
-              <a:rPr lang="en-US" dirty="0"/>
-              <a:t>Does smoking affect sleep?</a:t>
+              <a:rPr lang="en-US" sz="3600" b="1" dirty="0">
+                <a:latin typeface="Quire Sans Light" panose="020B0302040400020003" pitchFamily="34" charset="0"/>
+              </a:rPr>
+              <a:t>DOES SMOKING AFFECT SLEEP?</a:t>
             </a:r>
           </a:p>
         </p:txBody>
       </p:sp>
       <p:pic>
         <p:nvPicPr>
-          <p:cNvPr id="5" name="Content Placeholder 4">
+          <p:cNvPr id="4" name="Picture 3">
             <a:extLst>
               <a:ext uri="{FF2B5EF4-FFF2-40B4-BE49-F238E27FC236}">
-                <a16:creationId xmlns:a16="http://schemas.microsoft.com/office/drawing/2014/main" id="{88DA8B45-F1DA-9497-7529-0561FC9D5522}"/>
+                <a16:creationId xmlns:a16="http://schemas.microsoft.com/office/drawing/2014/main" id="{D83B7018-943A-3416-1D3F-BC7B7E3C8AB5}"/>
               </a:ext>
             </a:extLst>
           </p:cNvPr>
           <p:cNvPicPr>
-            <a:picLocks noGrp="1" noChangeAspect="1"/>
+            <a:picLocks noChangeAspect="1"/>
           </p:cNvPicPr>
-          <p:nvPr>
-            <p:ph idx="1"/>
-          </p:nvPr>
+          <p:nvPr/>
         </p:nvPicPr>
         <p:blipFill>
           <a:blip r:embed="rId3"/>
@@ -6668,17 +10251,25 @@
         </p:blipFill>
         <p:spPr>
           <a:xfrm>
-            <a:off x="922337" y="2015909"/>
-            <a:ext cx="5267325" cy="3933825"/>
+            <a:off x="464258" y="1606365"/>
+            <a:ext cx="5619750" cy="4314825"/>
           </a:xfrm>
+          <a:prstGeom prst="rect">
+            <a:avLst/>
+          </a:prstGeom>
+          <a:ln>
+            <a:solidFill>
+              <a:schemeClr val="tx1"/>
+            </a:solidFill>
+          </a:ln>
         </p:spPr>
       </p:pic>
       <p:pic>
         <p:nvPicPr>
-          <p:cNvPr id="9" name="Picture 8">
+          <p:cNvPr id="6" name="Picture 5">
             <a:extLst>
               <a:ext uri="{FF2B5EF4-FFF2-40B4-BE49-F238E27FC236}">
-                <a16:creationId xmlns:a16="http://schemas.microsoft.com/office/drawing/2014/main" id="{6047CE59-E980-8BB8-4A54-EB26124AA358}"/>
+                <a16:creationId xmlns:a16="http://schemas.microsoft.com/office/drawing/2014/main" id="{E2D011D3-901C-7424-8346-A6DD03E3E7DE}"/>
               </a:ext>
             </a:extLst>
           </p:cNvPr>
@@ -6695,14 +10286,145 @@
         </p:blipFill>
         <p:spPr>
           <a:xfrm>
-            <a:off x="6354049" y="2015908"/>
-            <a:ext cx="5343525" cy="3933825"/>
+            <a:off x="6279442" y="1606364"/>
+            <a:ext cx="5448300" cy="4314825"/>
           </a:xfrm>
           <a:prstGeom prst="rect">
             <a:avLst/>
           </a:prstGeom>
+          <a:ln>
+            <a:solidFill>
+              <a:schemeClr val="tx1"/>
+            </a:solidFill>
+          </a:ln>
         </p:spPr>
       </p:pic>
+      <p:grpSp>
+        <p:nvGrpSpPr>
+          <p:cNvPr id="12" name="Group 11">
+            <a:extLst>
+              <a:ext uri="{FF2B5EF4-FFF2-40B4-BE49-F238E27FC236}">
+                <a16:creationId xmlns:a16="http://schemas.microsoft.com/office/drawing/2014/main" id="{F3073D58-F03C-2DD2-7447-C438F7AF0595}"/>
+              </a:ext>
+            </a:extLst>
+          </p:cNvPr>
+          <p:cNvGrpSpPr/>
+          <p:nvPr/>
+        </p:nvGrpSpPr>
+        <p:grpSpPr>
+          <a:xfrm rot="10800000">
+            <a:off x="487087" y="443428"/>
+            <a:ext cx="2358744" cy="104649"/>
+            <a:chOff x="8918921" y="933480"/>
+            <a:chExt cx="2358744" cy="104649"/>
+          </a:xfrm>
+          <a:solidFill>
+            <a:srgbClr val="ED7D31"/>
+          </a:solidFill>
+        </p:grpSpPr>
+        <p:sp>
+          <p:nvSpPr>
+            <p:cNvPr id="13" name="Rectangle: Rounded Corners 12">
+              <a:extLst>
+                <a:ext uri="{FF2B5EF4-FFF2-40B4-BE49-F238E27FC236}">
+                  <a16:creationId xmlns:a16="http://schemas.microsoft.com/office/drawing/2014/main" id="{7E3FEB85-ADE5-8EBC-BF98-A07966630E48}"/>
+                </a:ext>
+              </a:extLst>
+            </p:cNvPr>
+            <p:cNvSpPr/>
+            <p:nvPr/>
+          </p:nvSpPr>
+          <p:spPr>
+            <a:xfrm>
+              <a:off x="8918921" y="933481"/>
+              <a:ext cx="2165193" cy="104648"/>
+            </a:xfrm>
+            <a:prstGeom prst="roundRect">
+              <a:avLst>
+                <a:gd name="adj" fmla="val 50000"/>
+              </a:avLst>
+            </a:prstGeom>
+            <a:grpFill/>
+            <a:ln>
+              <a:noFill/>
+            </a:ln>
+          </p:spPr>
+          <p:style>
+            <a:lnRef idx="2">
+              <a:schemeClr val="accent1">
+                <a:shade val="50000"/>
+              </a:schemeClr>
+            </a:lnRef>
+            <a:fillRef idx="1">
+              <a:schemeClr val="accent1"/>
+            </a:fillRef>
+            <a:effectRef idx="0">
+              <a:schemeClr val="accent1"/>
+            </a:effectRef>
+            <a:fontRef idx="minor">
+              <a:schemeClr val="lt1"/>
+            </a:fontRef>
+          </p:style>
+          <p:txBody>
+            <a:bodyPr rtlCol="0" anchor="ctr"/>
+            <a:lstStyle/>
+            <a:p>
+              <a:pPr algn="ctr"/>
+              <a:endParaRPr lang="en-US" dirty="0"/>
+            </a:p>
+          </p:txBody>
+        </p:sp>
+        <p:sp>
+          <p:nvSpPr>
+            <p:cNvPr id="14" name="Oval 13">
+              <a:extLst>
+                <a:ext uri="{FF2B5EF4-FFF2-40B4-BE49-F238E27FC236}">
+                  <a16:creationId xmlns:a16="http://schemas.microsoft.com/office/drawing/2014/main" id="{76B3053F-5936-6BE3-8697-8628F18B15C7}"/>
+                </a:ext>
+              </a:extLst>
+            </p:cNvPr>
+            <p:cNvSpPr/>
+            <p:nvPr/>
+          </p:nvSpPr>
+          <p:spPr>
+            <a:xfrm>
+              <a:off x="11173016" y="933480"/>
+              <a:ext cx="104649" cy="104649"/>
+            </a:xfrm>
+            <a:prstGeom prst="ellipse">
+              <a:avLst/>
+            </a:prstGeom>
+            <a:grpFill/>
+            <a:ln>
+              <a:noFill/>
+            </a:ln>
+          </p:spPr>
+          <p:style>
+            <a:lnRef idx="2">
+              <a:schemeClr val="accent1">
+                <a:shade val="50000"/>
+              </a:schemeClr>
+            </a:lnRef>
+            <a:fillRef idx="1">
+              <a:schemeClr val="accent1"/>
+            </a:fillRef>
+            <a:effectRef idx="0">
+              <a:schemeClr val="accent1"/>
+            </a:effectRef>
+            <a:fontRef idx="minor">
+              <a:schemeClr val="lt1"/>
+            </a:fontRef>
+          </p:style>
+          <p:txBody>
+            <a:bodyPr rtlCol="0" anchor="ctr"/>
+            <a:lstStyle/>
+            <a:p>
+              <a:pPr algn="ctr"/>
+              <a:endParaRPr lang="en-US"/>
+            </a:p>
+          </p:txBody>
+        </p:sp>
+      </p:grpSp>
     </p:spTree>
     <p:extLst>
       <p:ext uri="{BB962C8B-B14F-4D97-AF65-F5344CB8AC3E}">

--- a/Project1.pptx
+++ b/Project1.pptx
@@ -638,18 +638,18 @@
   <pc:docChgLst>
     <pc:chgData name="Paul Friesenhahn" userId="f916021d3ee654ef" providerId="LiveId" clId="{A054F8ED-44B0-47B0-A9F5-3B26E21A02C2}"/>
     <pc:docChg chg="undo redo custSel modSld">
-      <pc:chgData name="Paul Friesenhahn" userId="f916021d3ee654ef" providerId="LiveId" clId="{A054F8ED-44B0-47B0-A9F5-3B26E21A02C2}" dt="2023-04-20T20:25:32.475" v="808" actId="1076"/>
+      <pc:chgData name="Paul Friesenhahn" userId="f916021d3ee654ef" providerId="LiveId" clId="{A054F8ED-44B0-47B0-A9F5-3B26E21A02C2}" dt="2023-04-20T20:44:12.330" v="818" actId="255"/>
       <pc:docMkLst>
         <pc:docMk/>
       </pc:docMkLst>
       <pc:sldChg chg="addSp delSp modSp mod setBg">
-        <pc:chgData name="Paul Friesenhahn" userId="f916021d3ee654ef" providerId="LiveId" clId="{A054F8ED-44B0-47B0-A9F5-3B26E21A02C2}" dt="2023-04-20T20:24:00.198" v="753" actId="1037"/>
+        <pc:chgData name="Paul Friesenhahn" userId="f916021d3ee654ef" providerId="LiveId" clId="{A054F8ED-44B0-47B0-A9F5-3B26E21A02C2}" dt="2023-04-20T20:43:28.932" v="810" actId="255"/>
         <pc:sldMkLst>
           <pc:docMk/>
           <pc:sldMk cId="293311484" sldId="257"/>
         </pc:sldMkLst>
         <pc:spChg chg="mod">
-          <ac:chgData name="Paul Friesenhahn" userId="f916021d3ee654ef" providerId="LiveId" clId="{A054F8ED-44B0-47B0-A9F5-3B26E21A02C2}" dt="2023-04-20T20:12:56.249" v="653" actId="255"/>
+          <ac:chgData name="Paul Friesenhahn" userId="f916021d3ee654ef" providerId="LiveId" clId="{A054F8ED-44B0-47B0-A9F5-3B26E21A02C2}" dt="2023-04-20T20:43:28.932" v="810" actId="255"/>
           <ac:spMkLst>
             <pc:docMk/>
             <pc:sldMk cId="293311484" sldId="257"/>
@@ -778,13 +778,13 @@
         </pc:picChg>
       </pc:sldChg>
       <pc:sldChg chg="addSp delSp modSp mod setBg">
-        <pc:chgData name="Paul Friesenhahn" userId="f916021d3ee654ef" providerId="LiveId" clId="{A054F8ED-44B0-47B0-A9F5-3B26E21A02C2}" dt="2023-04-20T20:24:22.757" v="773" actId="1037"/>
+        <pc:chgData name="Paul Friesenhahn" userId="f916021d3ee654ef" providerId="LiveId" clId="{A054F8ED-44B0-47B0-A9F5-3B26E21A02C2}" dt="2023-04-20T20:43:44.137" v="813" actId="255"/>
         <pc:sldMkLst>
           <pc:docMk/>
           <pc:sldMk cId="2797632102" sldId="259"/>
         </pc:sldMkLst>
         <pc:spChg chg="mod">
-          <ac:chgData name="Paul Friesenhahn" userId="f916021d3ee654ef" providerId="LiveId" clId="{A054F8ED-44B0-47B0-A9F5-3B26E21A02C2}" dt="2023-04-20T20:15:08.808" v="665" actId="113"/>
+          <ac:chgData name="Paul Friesenhahn" userId="f916021d3ee654ef" providerId="LiveId" clId="{A054F8ED-44B0-47B0-A9F5-3B26E21A02C2}" dt="2023-04-20T20:43:44.137" v="813" actId="255"/>
           <ac:spMkLst>
             <pc:docMk/>
             <pc:sldMk cId="2797632102" sldId="259"/>
@@ -881,13 +881,13 @@
         </pc:picChg>
       </pc:sldChg>
       <pc:sldChg chg="addSp delSp modSp mod setBg">
-        <pc:chgData name="Paul Friesenhahn" userId="f916021d3ee654ef" providerId="LiveId" clId="{A054F8ED-44B0-47B0-A9F5-3B26E21A02C2}" dt="2023-04-20T20:25:32.475" v="808" actId="1076"/>
+        <pc:chgData name="Paul Friesenhahn" userId="f916021d3ee654ef" providerId="LiveId" clId="{A054F8ED-44B0-47B0-A9F5-3B26E21A02C2}" dt="2023-04-20T20:43:33.433" v="811" actId="255"/>
         <pc:sldMkLst>
           <pc:docMk/>
           <pc:sldMk cId="802963218" sldId="261"/>
         </pc:sldMkLst>
         <pc:spChg chg="mod">
-          <ac:chgData name="Paul Friesenhahn" userId="f916021d3ee654ef" providerId="LiveId" clId="{A054F8ED-44B0-47B0-A9F5-3B26E21A02C2}" dt="2023-04-20T20:13:15.818" v="656" actId="113"/>
+          <ac:chgData name="Paul Friesenhahn" userId="f916021d3ee654ef" providerId="LiveId" clId="{A054F8ED-44B0-47B0-A9F5-3B26E21A02C2}" dt="2023-04-20T20:43:33.433" v="811" actId="255"/>
           <ac:spMkLst>
             <pc:docMk/>
             <pc:sldMk cId="802963218" sldId="261"/>
@@ -1024,13 +1024,13 @@
         </pc:picChg>
       </pc:sldChg>
       <pc:sldChg chg="addSp delSp modSp mod setBg">
-        <pc:chgData name="Paul Friesenhahn" userId="f916021d3ee654ef" providerId="LiveId" clId="{A054F8ED-44B0-47B0-A9F5-3B26E21A02C2}" dt="2023-04-20T20:24:26.955" v="778" actId="1037"/>
+        <pc:chgData name="Paul Friesenhahn" userId="f916021d3ee654ef" providerId="LiveId" clId="{A054F8ED-44B0-47B0-A9F5-3B26E21A02C2}" dt="2023-04-20T20:43:50.922" v="814" actId="255"/>
         <pc:sldMkLst>
           <pc:docMk/>
           <pc:sldMk cId="2460101852" sldId="262"/>
         </pc:sldMkLst>
         <pc:spChg chg="mod">
-          <ac:chgData name="Paul Friesenhahn" userId="f916021d3ee654ef" providerId="LiveId" clId="{A054F8ED-44B0-47B0-A9F5-3B26E21A02C2}" dt="2023-04-20T20:17:13.700" v="703" actId="1036"/>
+          <ac:chgData name="Paul Friesenhahn" userId="f916021d3ee654ef" providerId="LiveId" clId="{A054F8ED-44B0-47B0-A9F5-3B26E21A02C2}" dt="2023-04-20T20:43:50.922" v="814" actId="255"/>
           <ac:spMkLst>
             <pc:docMk/>
             <pc:sldMk cId="2460101852" sldId="262"/>
@@ -1127,13 +1127,13 @@
         </pc:picChg>
       </pc:sldChg>
       <pc:sldChg chg="addSp delSp modSp mod setBg">
-        <pc:chgData name="Paul Friesenhahn" userId="f916021d3ee654ef" providerId="LiveId" clId="{A054F8ED-44B0-47B0-A9F5-3B26E21A02C2}" dt="2023-04-20T20:24:06.080" v="758" actId="1037"/>
+        <pc:chgData name="Paul Friesenhahn" userId="f916021d3ee654ef" providerId="LiveId" clId="{A054F8ED-44B0-47B0-A9F5-3B26E21A02C2}" dt="2023-04-20T20:43:23.318" v="809" actId="255"/>
         <pc:sldMkLst>
           <pc:docMk/>
           <pc:sldMk cId="2979039668" sldId="265"/>
         </pc:sldMkLst>
         <pc:spChg chg="mod">
-          <ac:chgData name="Paul Friesenhahn" userId="f916021d3ee654ef" providerId="LiveId" clId="{A054F8ED-44B0-47B0-A9F5-3B26E21A02C2}" dt="2023-04-20T20:12:51.166" v="652" actId="255"/>
+          <ac:chgData name="Paul Friesenhahn" userId="f916021d3ee654ef" providerId="LiveId" clId="{A054F8ED-44B0-47B0-A9F5-3B26E21A02C2}" dt="2023-04-20T20:43:23.318" v="809" actId="255"/>
           <ac:spMkLst>
             <pc:docMk/>
             <pc:sldMk cId="2979039668" sldId="265"/>
@@ -1493,13 +1493,13 @@
         </pc:picChg>
       </pc:sldChg>
       <pc:sldChg chg="addSp delSp modSp mod setBg">
-        <pc:chgData name="Paul Friesenhahn" userId="f916021d3ee654ef" providerId="LiveId" clId="{A054F8ED-44B0-47B0-A9F5-3B26E21A02C2}" dt="2023-04-20T20:24:34.728" v="788" actId="1037"/>
+        <pc:chgData name="Paul Friesenhahn" userId="f916021d3ee654ef" providerId="LiveId" clId="{A054F8ED-44B0-47B0-A9F5-3B26E21A02C2}" dt="2023-04-20T20:44:02.128" v="816" actId="255"/>
         <pc:sldMkLst>
           <pc:docMk/>
           <pc:sldMk cId="2889675901" sldId="267"/>
         </pc:sldMkLst>
         <pc:spChg chg="mod">
-          <ac:chgData name="Paul Friesenhahn" userId="f916021d3ee654ef" providerId="LiveId" clId="{A054F8ED-44B0-47B0-A9F5-3B26E21A02C2}" dt="2023-04-20T20:16:17.210" v="685" actId="113"/>
+          <ac:chgData name="Paul Friesenhahn" userId="f916021d3ee654ef" providerId="LiveId" clId="{A054F8ED-44B0-47B0-A9F5-3B26E21A02C2}" dt="2023-04-20T20:44:02.128" v="816" actId="255"/>
           <ac:spMkLst>
             <pc:docMk/>
             <pc:sldMk cId="2889675901" sldId="267"/>
@@ -1612,13 +1612,13 @@
         </pc:picChg>
       </pc:sldChg>
       <pc:sldChg chg="addSp delSp modSp mod setBg">
-        <pc:chgData name="Paul Friesenhahn" userId="f916021d3ee654ef" providerId="LiveId" clId="{A054F8ED-44B0-47B0-A9F5-3B26E21A02C2}" dt="2023-04-20T20:24:18.069" v="768" actId="1037"/>
+        <pc:chgData name="Paul Friesenhahn" userId="f916021d3ee654ef" providerId="LiveId" clId="{A054F8ED-44B0-47B0-A9F5-3B26E21A02C2}" dt="2023-04-20T20:43:38.327" v="812" actId="255"/>
         <pc:sldMkLst>
           <pc:docMk/>
           <pc:sldMk cId="2059958513" sldId="268"/>
         </pc:sldMkLst>
         <pc:spChg chg="mod">
-          <ac:chgData name="Paul Friesenhahn" userId="f916021d3ee654ef" providerId="LiveId" clId="{A054F8ED-44B0-47B0-A9F5-3B26E21A02C2}" dt="2023-04-20T20:14:20.120" v="662"/>
+          <ac:chgData name="Paul Friesenhahn" userId="f916021d3ee654ef" providerId="LiveId" clId="{A054F8ED-44B0-47B0-A9F5-3B26E21A02C2}" dt="2023-04-20T20:43:38.327" v="812" actId="255"/>
           <ac:spMkLst>
             <pc:docMk/>
             <pc:sldMk cId="2059958513" sldId="268"/>
@@ -1763,13 +1763,13 @@
         </pc:picChg>
       </pc:sldChg>
       <pc:sldChg chg="addSp delSp modSp mod setBg">
-        <pc:chgData name="Paul Friesenhahn" userId="f916021d3ee654ef" providerId="LiveId" clId="{A054F8ED-44B0-47B0-A9F5-3B26E21A02C2}" dt="2023-04-20T20:24:30.836" v="783" actId="1037"/>
+        <pc:chgData name="Paul Friesenhahn" userId="f916021d3ee654ef" providerId="LiveId" clId="{A054F8ED-44B0-47B0-A9F5-3B26E21A02C2}" dt="2023-04-20T20:43:56.490" v="815" actId="255"/>
         <pc:sldMkLst>
           <pc:docMk/>
           <pc:sldMk cId="2038085436" sldId="269"/>
         </pc:sldMkLst>
         <pc:spChg chg="mod">
-          <ac:chgData name="Paul Friesenhahn" userId="f916021d3ee654ef" providerId="LiveId" clId="{A054F8ED-44B0-47B0-A9F5-3B26E21A02C2}" dt="2023-04-20T20:16:25.692" v="688" actId="113"/>
+          <ac:chgData name="Paul Friesenhahn" userId="f916021d3ee654ef" providerId="LiveId" clId="{A054F8ED-44B0-47B0-A9F5-3B26E21A02C2}" dt="2023-04-20T20:43:56.490" v="815" actId="255"/>
           <ac:spMkLst>
             <pc:docMk/>
             <pc:sldMk cId="2038085436" sldId="269"/>
@@ -1930,13 +1930,13 @@
         </pc:picChg>
       </pc:sldChg>
       <pc:sldChg chg="addSp delSp modSp mod setBg">
-        <pc:chgData name="Paul Friesenhahn" userId="f916021d3ee654ef" providerId="LiveId" clId="{A054F8ED-44B0-47B0-A9F5-3B26E21A02C2}" dt="2023-04-20T20:24:42.421" v="798" actId="1037"/>
+        <pc:chgData name="Paul Friesenhahn" userId="f916021d3ee654ef" providerId="LiveId" clId="{A054F8ED-44B0-47B0-A9F5-3B26E21A02C2}" dt="2023-04-20T20:44:12.330" v="818" actId="255"/>
         <pc:sldMkLst>
           <pc:docMk/>
           <pc:sldMk cId="1662428893" sldId="270"/>
         </pc:sldMkLst>
         <pc:spChg chg="mod">
-          <ac:chgData name="Paul Friesenhahn" userId="f916021d3ee654ef" providerId="LiveId" clId="{A054F8ED-44B0-47B0-A9F5-3B26E21A02C2}" dt="2023-04-20T20:15:54.042" v="678" actId="113"/>
+          <ac:chgData name="Paul Friesenhahn" userId="f916021d3ee654ef" providerId="LiveId" clId="{A054F8ED-44B0-47B0-A9F5-3B26E21A02C2}" dt="2023-04-20T20:44:12.330" v="818" actId="255"/>
           <ac:spMkLst>
             <pc:docMk/>
             <pc:sldMk cId="1662428893" sldId="270"/>
@@ -2216,13 +2216,13 @@
         </pc:grpChg>
       </pc:sldChg>
       <pc:sldChg chg="addSp delSp modSp mod setBg">
-        <pc:chgData name="Paul Friesenhahn" userId="f916021d3ee654ef" providerId="LiveId" clId="{A054F8ED-44B0-47B0-A9F5-3B26E21A02C2}" dt="2023-04-20T20:24:38.701" v="793" actId="1037"/>
+        <pc:chgData name="Paul Friesenhahn" userId="f916021d3ee654ef" providerId="LiveId" clId="{A054F8ED-44B0-47B0-A9F5-3B26E21A02C2}" dt="2023-04-20T20:44:07.438" v="817" actId="255"/>
         <pc:sldMkLst>
           <pc:docMk/>
           <pc:sldMk cId="1990135704" sldId="272"/>
         </pc:sldMkLst>
         <pc:spChg chg="mod">
-          <ac:chgData name="Paul Friesenhahn" userId="f916021d3ee654ef" providerId="LiveId" clId="{A054F8ED-44B0-47B0-A9F5-3B26E21A02C2}" dt="2023-04-20T20:16:08.652" v="682" actId="255"/>
+          <ac:chgData name="Paul Friesenhahn" userId="f916021d3ee654ef" providerId="LiveId" clId="{A054F8ED-44B0-47B0-A9F5-3B26E21A02C2}" dt="2023-04-20T20:44:07.438" v="817" actId="255"/>
           <ac:spMkLst>
             <pc:docMk/>
             <pc:sldMk cId="1990135704" sldId="272"/>
@@ -7429,7 +7429,7 @@
           <a:lstStyle/>
           <a:p>
             <a:r>
-              <a:rPr lang="en-US" sz="3600" b="1" dirty="0">
+              <a:rPr lang="en-US" sz="3200" b="1" dirty="0">
                 <a:latin typeface="Quire Sans Light" panose="020B0302040400020003" pitchFamily="34" charset="0"/>
               </a:rPr>
               <a:t>DOES EXERCISING AFFECT SLEEP?</a:t>
@@ -7695,7 +7695,7 @@
           <a:lstStyle/>
           <a:p>
             <a:r>
-              <a:rPr lang="en-US" sz="3600" b="1" dirty="0">
+              <a:rPr lang="en-US" sz="3200" b="1" dirty="0">
                 <a:latin typeface="Quire Sans Light" panose="020B0302040400020003" pitchFamily="34" charset="0"/>
               </a:rPr>
               <a:t>POSSIBLE BIAS IN DATASET</a:t>
@@ -8160,7 +8160,7 @@
           <a:lstStyle/>
           <a:p>
             <a:r>
-              <a:rPr lang="en-US" sz="3600" b="1" dirty="0">
+              <a:rPr lang="en-US" sz="3200" b="1" dirty="0">
                 <a:latin typeface="Quire Sans Light" panose="020B0302040400020003" pitchFamily="34" charset="0"/>
               </a:rPr>
               <a:t>SOURCE &amp; METHODOLOGY</a:t>
@@ -8591,7 +8591,7 @@
           <a:lstStyle/>
           <a:p>
             <a:r>
-              <a:rPr lang="en-US" sz="3600" b="1" dirty="0">
+              <a:rPr lang="en-US" sz="3200" b="1" dirty="0">
                 <a:latin typeface="Quire Sans Light" panose="020B0302040400020003" pitchFamily="34" charset="0"/>
               </a:rPr>
               <a:t>OVERVIEW OF POPULATION</a:t>
@@ -8878,7 +8878,7 @@
           <a:lstStyle/>
           <a:p>
             <a:r>
-              <a:rPr lang="en-US" sz="3600" b="1" dirty="0">
+              <a:rPr lang="en-US" sz="3200" b="1" dirty="0">
                 <a:latin typeface="Quire Sans Light" panose="020B0302040400020003" pitchFamily="34" charset="0"/>
               </a:rPr>
               <a:t>OVERVIEW OF POPULATION</a:t>
@@ -9149,7 +9149,7 @@
           <a:lstStyle/>
           <a:p>
             <a:r>
-              <a:rPr lang="en-US" sz="3600" b="1" dirty="0">
+              <a:rPr lang="en-US" sz="3200" b="1" dirty="0">
                 <a:latin typeface="Quire Sans Light" panose="020B0302040400020003" pitchFamily="34" charset="0"/>
               </a:rPr>
               <a:t>DEEP SLEEP VS. SLEEP EFFICIENCY VS. LIGHT SLEEP</a:t>
@@ -9415,7 +9415,7 @@
           <a:lstStyle/>
           <a:p>
             <a:r>
-              <a:rPr lang="en-US" sz="3600" b="1" dirty="0">
+              <a:rPr lang="en-US" sz="3200" b="1" dirty="0">
                 <a:latin typeface="Quire Sans Light" panose="020B0302040400020003" pitchFamily="34" charset="0"/>
               </a:rPr>
               <a:t>DOES AGE AFFECT SLEEP EFFICIENCY?</a:t>
@@ -9690,7 +9690,7 @@
           <a:lstStyle/>
           <a:p>
             <a:r>
-              <a:rPr lang="en-US" sz="3600" b="1" dirty="0">
+              <a:rPr lang="en-US" sz="3200" b="1" dirty="0">
                 <a:latin typeface="Quire Sans Light" panose="020B0302040400020003" pitchFamily="34" charset="0"/>
               </a:rPr>
               <a:t>DO AGE &amp; GENDER AFFECT SLEEP EFFICIENCY OR SLEEP DURATION ?</a:t>
@@ -9955,7 +9955,7 @@
           <a:lstStyle/>
           <a:p>
             <a:r>
-              <a:rPr lang="en-US" sz="3600" b="1" dirty="0">
+              <a:rPr lang="en-US" sz="3200" b="1" dirty="0">
                 <a:latin typeface="Quire Sans Light" panose="020B0302040400020003" pitchFamily="34" charset="0"/>
               </a:rPr>
               <a:t>DOES ALCOHOL CONSUMPTION AFFECT SLEEP?</a:t>
@@ -10221,7 +10221,7 @@
           <a:lstStyle/>
           <a:p>
             <a:r>
-              <a:rPr lang="en-US" sz="3600" b="1" dirty="0">
+              <a:rPr lang="en-US" sz="3200" b="1" dirty="0">
                 <a:latin typeface="Quire Sans Light" panose="020B0302040400020003" pitchFamily="34" charset="0"/>
               </a:rPr>
               <a:t>DOES SMOKING AFFECT SLEEP?</a:t>
